--- a/Week 6/태원_Week6_정리/15.DP(3~4)_노태원.pptx
+++ b/Week 6/태원_Week6_정리/15.DP(3~4)_노태원.pptx
@@ -26,20 +26,24 @@
     <p:sldId id="402" r:id="rId20"/>
     <p:sldId id="403" r:id="rId21"/>
     <p:sldId id="385" r:id="rId22"/>
-    <p:sldId id="404" r:id="rId23"/>
-    <p:sldId id="408" r:id="rId24"/>
-    <p:sldId id="405" r:id="rId25"/>
-    <p:sldId id="406" r:id="rId26"/>
-    <p:sldId id="407" r:id="rId27"/>
-    <p:sldId id="409" r:id="rId28"/>
-    <p:sldId id="410" r:id="rId29"/>
-    <p:sldId id="411" r:id="rId30"/>
-    <p:sldId id="412" r:id="rId31"/>
-    <p:sldId id="413" r:id="rId32"/>
-    <p:sldId id="414" r:id="rId33"/>
-    <p:sldId id="415" r:id="rId34"/>
-    <p:sldId id="416" r:id="rId35"/>
-    <p:sldId id="417" r:id="rId36"/>
+    <p:sldId id="418" r:id="rId23"/>
+    <p:sldId id="404" r:id="rId24"/>
+    <p:sldId id="419" r:id="rId25"/>
+    <p:sldId id="405" r:id="rId26"/>
+    <p:sldId id="406" r:id="rId27"/>
+    <p:sldId id="407" r:id="rId28"/>
+    <p:sldId id="409" r:id="rId29"/>
+    <p:sldId id="420" r:id="rId30"/>
+    <p:sldId id="410" r:id="rId31"/>
+    <p:sldId id="421" r:id="rId32"/>
+    <p:sldId id="411" r:id="rId33"/>
+    <p:sldId id="412" r:id="rId34"/>
+    <p:sldId id="422" r:id="rId35"/>
+    <p:sldId id="413" r:id="rId36"/>
+    <p:sldId id="414" r:id="rId37"/>
+    <p:sldId id="415" r:id="rId38"/>
+    <p:sldId id="416" r:id="rId39"/>
+    <p:sldId id="417" r:id="rId40"/>
   </p:sldIdLst>
   <p:sldSz cx="12192000" cy="6858000"/>
   <p:notesSz cx="6858000" cy="9144000"/>
@@ -275,7 +279,7 @@
           <a:p>
             <a:fld id="{43A2C562-5E7C-42F9-9394-CE33ADB070C3}" type="datetimeFigureOut">
               <a:rPr lang="ko-KR" altLang="en-US" smtClean="0"/>
-              <a:t>2019-08-17</a:t>
+              <a:t>2019-08-25</a:t>
             </a:fld>
             <a:endParaRPr lang="ko-KR" altLang="en-US"/>
           </a:p>
@@ -443,7 +447,7 @@
           <a:p>
             <a:fld id="{43A2C562-5E7C-42F9-9394-CE33ADB070C3}" type="datetimeFigureOut">
               <a:rPr lang="ko-KR" altLang="en-US" smtClean="0"/>
-              <a:t>2019-08-17</a:t>
+              <a:t>2019-08-25</a:t>
             </a:fld>
             <a:endParaRPr lang="ko-KR" altLang="en-US"/>
           </a:p>
@@ -621,7 +625,7 @@
           <a:p>
             <a:fld id="{43A2C562-5E7C-42F9-9394-CE33ADB070C3}" type="datetimeFigureOut">
               <a:rPr lang="ko-KR" altLang="en-US" smtClean="0"/>
-              <a:t>2019-08-17</a:t>
+              <a:t>2019-08-25</a:t>
             </a:fld>
             <a:endParaRPr lang="ko-KR" altLang="en-US"/>
           </a:p>
@@ -789,7 +793,7 @@
           <a:p>
             <a:fld id="{43A2C562-5E7C-42F9-9394-CE33ADB070C3}" type="datetimeFigureOut">
               <a:rPr lang="ko-KR" altLang="en-US" smtClean="0"/>
-              <a:t>2019-08-17</a:t>
+              <a:t>2019-08-25</a:t>
             </a:fld>
             <a:endParaRPr lang="ko-KR" altLang="en-US"/>
           </a:p>
@@ -1034,7 +1038,7 @@
           <a:p>
             <a:fld id="{43A2C562-5E7C-42F9-9394-CE33ADB070C3}" type="datetimeFigureOut">
               <a:rPr lang="ko-KR" altLang="en-US" smtClean="0"/>
-              <a:t>2019-08-17</a:t>
+              <a:t>2019-08-25</a:t>
             </a:fld>
             <a:endParaRPr lang="ko-KR" altLang="en-US"/>
           </a:p>
@@ -1263,7 +1267,7 @@
           <a:p>
             <a:fld id="{43A2C562-5E7C-42F9-9394-CE33ADB070C3}" type="datetimeFigureOut">
               <a:rPr lang="ko-KR" altLang="en-US" smtClean="0"/>
-              <a:t>2019-08-17</a:t>
+              <a:t>2019-08-25</a:t>
             </a:fld>
             <a:endParaRPr lang="ko-KR" altLang="en-US"/>
           </a:p>
@@ -1627,7 +1631,7 @@
           <a:p>
             <a:fld id="{43A2C562-5E7C-42F9-9394-CE33ADB070C3}" type="datetimeFigureOut">
               <a:rPr lang="ko-KR" altLang="en-US" smtClean="0"/>
-              <a:t>2019-08-17</a:t>
+              <a:t>2019-08-25</a:t>
             </a:fld>
             <a:endParaRPr lang="ko-KR" altLang="en-US"/>
           </a:p>
@@ -1744,7 +1748,7 @@
           <a:p>
             <a:fld id="{43A2C562-5E7C-42F9-9394-CE33ADB070C3}" type="datetimeFigureOut">
               <a:rPr lang="ko-KR" altLang="en-US" smtClean="0"/>
-              <a:t>2019-08-17</a:t>
+              <a:t>2019-08-25</a:t>
             </a:fld>
             <a:endParaRPr lang="ko-KR" altLang="en-US"/>
           </a:p>
@@ -1839,7 +1843,7 @@
           <a:p>
             <a:fld id="{43A2C562-5E7C-42F9-9394-CE33ADB070C3}" type="datetimeFigureOut">
               <a:rPr lang="ko-KR" altLang="en-US" smtClean="0"/>
-              <a:t>2019-08-17</a:t>
+              <a:t>2019-08-25</a:t>
             </a:fld>
             <a:endParaRPr lang="ko-KR" altLang="en-US"/>
           </a:p>
@@ -2114,7 +2118,7 @@
           <a:p>
             <a:fld id="{43A2C562-5E7C-42F9-9394-CE33ADB070C3}" type="datetimeFigureOut">
               <a:rPr lang="ko-KR" altLang="en-US" smtClean="0"/>
-              <a:t>2019-08-17</a:t>
+              <a:t>2019-08-25</a:t>
             </a:fld>
             <a:endParaRPr lang="ko-KR" altLang="en-US"/>
           </a:p>
@@ -2366,7 +2370,7 @@
           <a:p>
             <a:fld id="{43A2C562-5E7C-42F9-9394-CE33ADB070C3}" type="datetimeFigureOut">
               <a:rPr lang="ko-KR" altLang="en-US" smtClean="0"/>
-              <a:t>2019-08-17</a:t>
+              <a:t>2019-08-25</a:t>
             </a:fld>
             <a:endParaRPr lang="ko-KR" altLang="en-US"/>
           </a:p>
@@ -2577,7 +2581,7 @@
           <a:p>
             <a:fld id="{43A2C562-5E7C-42F9-9394-CE33ADB070C3}" type="datetimeFigureOut">
               <a:rPr lang="ko-KR" altLang="en-US" smtClean="0"/>
-              <a:t>2019-08-17</a:t>
+              <a:t>2019-08-25</a:t>
             </a:fld>
             <a:endParaRPr lang="ko-KR" altLang="en-US"/>
           </a:p>
@@ -13733,6 +13737,58 @@
           </a:prstGeom>
         </p:spPr>
       </p:pic>
+      <p:sp>
+        <p:nvSpPr>
+          <p:cNvPr id="3" name="직사각형 2">
+            <a:extLst>
+              <a:ext uri="{FF2B5EF4-FFF2-40B4-BE49-F238E27FC236}">
+                <a16:creationId xmlns:a16="http://schemas.microsoft.com/office/drawing/2014/main" id="{DED3639D-4C5C-4DA3-9690-A213D5021139}"/>
+              </a:ext>
+            </a:extLst>
+          </p:cNvPr>
+          <p:cNvSpPr/>
+          <p:nvPr/>
+        </p:nvSpPr>
+        <p:spPr>
+          <a:xfrm>
+            <a:off x="3327816" y="2267356"/>
+            <a:ext cx="3743362" cy="1161644"/>
+          </a:xfrm>
+          <a:prstGeom prst="rect">
+            <a:avLst/>
+          </a:prstGeom>
+          <a:noFill/>
+          <a:ln w="57150">
+            <a:solidFill>
+              <a:srgbClr val="00B050"/>
+            </a:solidFill>
+          </a:ln>
+        </p:spPr>
+        <p:style>
+          <a:lnRef idx="2">
+            <a:schemeClr val="accent1">
+              <a:shade val="50000"/>
+            </a:schemeClr>
+          </a:lnRef>
+          <a:fillRef idx="1">
+            <a:schemeClr val="accent1"/>
+          </a:fillRef>
+          <a:effectRef idx="0">
+            <a:schemeClr val="accent1"/>
+          </a:effectRef>
+          <a:fontRef idx="minor">
+            <a:schemeClr val="lt1"/>
+          </a:fontRef>
+        </p:style>
+        <p:txBody>
+          <a:bodyPr rtlCol="0" anchor="ctr"/>
+          <a:lstStyle/>
+          <a:p>
+            <a:pPr algn="ctr"/>
+            <a:endParaRPr lang="ko-KR" altLang="en-US"/>
+          </a:p>
+        </p:txBody>
+      </p:sp>
     </p:spTree>
     <p:extLst>
       <p:ext uri="{BB962C8B-B14F-4D97-AF65-F5344CB8AC3E}">
@@ -18578,8 +18634,8 @@
         </p:nvSpPr>
         <p:spPr>
           <a:xfrm>
-            <a:off x="3770575" y="253013"/>
-            <a:ext cx="8746212" cy="523220"/>
+            <a:off x="3746860" y="2640309"/>
+            <a:ext cx="8746212" cy="892552"/>
           </a:xfrm>
           <a:prstGeom prst="rect">
             <a:avLst/>
@@ -18592,7 +18648,7 @@
           <a:lstStyle/>
           <a:p>
             <a:r>
-              <a:rPr lang="en-US" altLang="ko-KR" sz="2800" b="1" dirty="0">
+              <a:rPr lang="en-US" altLang="ko-KR" sz="5200" b="1" dirty="0">
                 <a:solidFill>
                   <a:srgbClr val="4C5064"/>
                 </a:solidFill>
@@ -18603,7 +18659,7 @@
               <a:t>15.4 </a:t>
             </a:r>
             <a:r>
-              <a:rPr lang="ko-KR" altLang="en-US" sz="2800" b="1" dirty="0">
+              <a:rPr lang="ko-KR" altLang="en-US" sz="5200" b="1" dirty="0">
                 <a:solidFill>
                   <a:srgbClr val="4C5064"/>
                 </a:solidFill>
@@ -18613,7 +18669,7 @@
               </a:rPr>
               <a:t>최대 공통 부분 수열</a:t>
             </a:r>
-            <a:endParaRPr lang="en-US" altLang="ko-KR" sz="2800" b="1" dirty="0">
+            <a:endParaRPr lang="en-US" altLang="ko-KR" sz="5200" b="1" dirty="0">
               <a:solidFill>
                 <a:srgbClr val="4C5064"/>
               </a:solidFill>
@@ -18742,204 +18798,6 @@
           </a:p>
         </p:txBody>
       </p:sp>
-      <p:sp>
-        <p:nvSpPr>
-          <p:cNvPr id="27" name="직사각형 26">
-            <a:extLst>
-              <a:ext uri="{FF2B5EF4-FFF2-40B4-BE49-F238E27FC236}">
-                <a16:creationId xmlns:a16="http://schemas.microsoft.com/office/drawing/2014/main" id="{64D75CE9-6732-4643-A769-90A2B9533434}"/>
-              </a:ext>
-            </a:extLst>
-          </p:cNvPr>
-          <p:cNvSpPr/>
-          <p:nvPr/>
-        </p:nvSpPr>
-        <p:spPr>
-          <a:xfrm>
-            <a:off x="3770575" y="1162915"/>
-            <a:ext cx="8746212" cy="523220"/>
-          </a:xfrm>
-          <a:prstGeom prst="rect">
-            <a:avLst/>
-          </a:prstGeom>
-        </p:spPr>
-        <p:txBody>
-          <a:bodyPr wrap="square">
-            <a:spAutoFit/>
-          </a:bodyPr>
-          <a:lstStyle/>
-          <a:p>
-            <a:r>
-              <a:rPr lang="en-US" altLang="ko-KR" sz="2800" b="1" dirty="0">
-                <a:latin typeface="KoPubWorld돋움체_Pro Bold" panose="00000800000000000000" pitchFamily="50" charset="-127"/>
-                <a:ea typeface="KoPubWorld돋움체_Pro Bold" panose="00000800000000000000" pitchFamily="50" charset="-127"/>
-                <a:cs typeface="KoPubWorld돋움체_Pro Bold" panose="00000800000000000000" pitchFamily="50" charset="-127"/>
-              </a:rPr>
-              <a:t>- </a:t>
-            </a:r>
-            <a:r>
-              <a:rPr lang="ko-KR" altLang="en-US" sz="2800" b="1" dirty="0">
-                <a:latin typeface="KoPubWorld돋움체_Pro Bold" panose="00000800000000000000" pitchFamily="50" charset="-127"/>
-                <a:ea typeface="KoPubWorld돋움체_Pro Bold" panose="00000800000000000000" pitchFamily="50" charset="-127"/>
-                <a:cs typeface="KoPubWorld돋움체_Pro Bold" panose="00000800000000000000" pitchFamily="50" charset="-127"/>
-              </a:rPr>
-              <a:t>최대 공통 부분 수열이란</a:t>
-            </a:r>
-            <a:r>
-              <a:rPr lang="en-US" altLang="ko-KR" sz="2800" b="1" dirty="0">
-                <a:latin typeface="KoPubWorld돋움체_Pro Bold" panose="00000800000000000000" pitchFamily="50" charset="-127"/>
-                <a:ea typeface="KoPubWorld돋움체_Pro Bold" panose="00000800000000000000" pitchFamily="50" charset="-127"/>
-                <a:cs typeface="KoPubWorld돋움체_Pro Bold" panose="00000800000000000000" pitchFamily="50" charset="-127"/>
-              </a:rPr>
-              <a:t>?</a:t>
-            </a:r>
-          </a:p>
-        </p:txBody>
-      </p:sp>
-      <p:pic>
-        <p:nvPicPr>
-          <p:cNvPr id="7" name="그림 6">
-            <a:extLst>
-              <a:ext uri="{FF2B5EF4-FFF2-40B4-BE49-F238E27FC236}">
-                <a16:creationId xmlns:a16="http://schemas.microsoft.com/office/drawing/2014/main" id="{A2D6E27A-EFD5-4FA2-A9A1-2DBAD912FA76}"/>
-              </a:ext>
-            </a:extLst>
-          </p:cNvPr>
-          <p:cNvPicPr>
-            <a:picLocks noChangeAspect="1"/>
-          </p:cNvPicPr>
-          <p:nvPr/>
-        </p:nvPicPr>
-        <p:blipFill>
-          <a:blip r:embed="rId2">
-            <a:extLst>
-              <a:ext uri="{28A0092B-C50C-407E-A947-70E740481C1C}">
-                <a14:useLocalDpi xmlns:a14="http://schemas.microsoft.com/office/drawing/2010/main" val="0"/>
-              </a:ext>
-            </a:extLst>
-          </a:blip>
-          <a:stretch>
-            <a:fillRect/>
-          </a:stretch>
-        </p:blipFill>
-        <p:spPr>
-          <a:xfrm>
-            <a:off x="4005992" y="1956014"/>
-            <a:ext cx="3688400" cy="472481"/>
-          </a:xfrm>
-          <a:prstGeom prst="rect">
-            <a:avLst/>
-          </a:prstGeom>
-        </p:spPr>
-      </p:pic>
-      <p:pic>
-        <p:nvPicPr>
-          <p:cNvPr id="9" name="그림 8">
-            <a:extLst>
-              <a:ext uri="{FF2B5EF4-FFF2-40B4-BE49-F238E27FC236}">
-                <a16:creationId xmlns:a16="http://schemas.microsoft.com/office/drawing/2014/main" id="{F79F5AB6-43F3-491E-A832-537B17653C5E}"/>
-              </a:ext>
-            </a:extLst>
-          </p:cNvPr>
-          <p:cNvPicPr>
-            <a:picLocks noChangeAspect="1"/>
-          </p:cNvPicPr>
-          <p:nvPr/>
-        </p:nvPicPr>
-        <p:blipFill>
-          <a:blip r:embed="rId3">
-            <a:extLst>
-              <a:ext uri="{28A0092B-C50C-407E-A947-70E740481C1C}">
-                <a14:useLocalDpi xmlns:a14="http://schemas.microsoft.com/office/drawing/2010/main" val="0"/>
-              </a:ext>
-            </a:extLst>
-          </a:blip>
-          <a:stretch>
-            <a:fillRect/>
-          </a:stretch>
-        </p:blipFill>
-        <p:spPr>
-          <a:xfrm>
-            <a:off x="8483927" y="1917915"/>
-            <a:ext cx="3208298" cy="464860"/>
-          </a:xfrm>
-          <a:prstGeom prst="rect">
-            <a:avLst/>
-          </a:prstGeom>
-        </p:spPr>
-      </p:pic>
-      <p:pic>
-        <p:nvPicPr>
-          <p:cNvPr id="12" name="그림 11" descr="개체이(가) 표시된 사진&#10;&#10;자동 생성된 설명">
-            <a:extLst>
-              <a:ext uri="{FF2B5EF4-FFF2-40B4-BE49-F238E27FC236}">
-                <a16:creationId xmlns:a16="http://schemas.microsoft.com/office/drawing/2014/main" id="{F10757ED-9B79-455E-99A2-70983D4A65A2}"/>
-              </a:ext>
-            </a:extLst>
-          </p:cNvPr>
-          <p:cNvPicPr>
-            <a:picLocks noChangeAspect="1"/>
-          </p:cNvPicPr>
-          <p:nvPr/>
-        </p:nvPicPr>
-        <p:blipFill>
-          <a:blip r:embed="rId4">
-            <a:extLst>
-              <a:ext uri="{28A0092B-C50C-407E-A947-70E740481C1C}">
-                <a14:useLocalDpi xmlns:a14="http://schemas.microsoft.com/office/drawing/2010/main" val="0"/>
-              </a:ext>
-            </a:extLst>
-          </a:blip>
-          <a:stretch>
-            <a:fillRect/>
-          </a:stretch>
-        </p:blipFill>
-        <p:spPr>
-          <a:xfrm>
-            <a:off x="7002336" y="2819441"/>
-            <a:ext cx="2332309" cy="795412"/>
-          </a:xfrm>
-          <a:prstGeom prst="rect">
-            <a:avLst/>
-          </a:prstGeom>
-        </p:spPr>
-      </p:pic>
-      <p:pic>
-        <p:nvPicPr>
-          <p:cNvPr id="15" name="그림 14">
-            <a:extLst>
-              <a:ext uri="{FF2B5EF4-FFF2-40B4-BE49-F238E27FC236}">
-                <a16:creationId xmlns:a16="http://schemas.microsoft.com/office/drawing/2014/main" id="{03444A17-0A99-4420-B0E9-FC23893ED5A1}"/>
-              </a:ext>
-            </a:extLst>
-          </p:cNvPr>
-          <p:cNvPicPr>
-            <a:picLocks noChangeAspect="1"/>
-          </p:cNvPicPr>
-          <p:nvPr/>
-        </p:nvPicPr>
-        <p:blipFill>
-          <a:blip r:embed="rId5">
-            <a:extLst>
-              <a:ext uri="{28A0092B-C50C-407E-A947-70E740481C1C}">
-                <a14:useLocalDpi xmlns:a14="http://schemas.microsoft.com/office/drawing/2010/main" val="0"/>
-              </a:ext>
-            </a:extLst>
-          </a:blip>
-          <a:stretch>
-            <a:fillRect/>
-          </a:stretch>
-        </p:blipFill>
-        <p:spPr>
-          <a:xfrm>
-            <a:off x="5952989" y="4363639"/>
-            <a:ext cx="4181974" cy="921451"/>
-          </a:xfrm>
-          <a:prstGeom prst="rect">
-            <a:avLst/>
-          </a:prstGeom>
-        </p:spPr>
-      </p:pic>
     </p:spTree>
     <p:extLst>
       <p:ext uri="{BB962C8B-B14F-4D97-AF65-F5344CB8AC3E}">
@@ -19807,92 +19665,12 @@
           </a:p>
         </p:txBody>
       </p:sp>
-      <p:sp>
-        <p:nvSpPr>
-          <p:cNvPr id="2" name="TextBox 1">
+      <p:pic>
+        <p:nvPicPr>
+          <p:cNvPr id="7" name="그림 6">
             <a:extLst>
               <a:ext uri="{FF2B5EF4-FFF2-40B4-BE49-F238E27FC236}">
-                <a16:creationId xmlns:a16="http://schemas.microsoft.com/office/drawing/2014/main" id="{7EA11F28-01CA-46D2-897B-50A0575173B0}"/>
-              </a:ext>
-            </a:extLst>
-          </p:cNvPr>
-          <p:cNvSpPr txBox="1"/>
-          <p:nvPr/>
-        </p:nvSpPr>
-        <p:spPr>
-          <a:xfrm>
-            <a:off x="4005992" y="1996440"/>
-            <a:ext cx="7667848" cy="1569660"/>
-          </a:xfrm>
-          <a:prstGeom prst="rect">
-            <a:avLst/>
-          </a:prstGeom>
-          <a:noFill/>
-        </p:spPr>
-        <p:txBody>
-          <a:bodyPr wrap="square" rtlCol="0">
-            <a:spAutoFit/>
-          </a:bodyPr>
-          <a:lstStyle/>
-          <a:p>
-            <a:r>
-              <a:rPr lang="ko-KR" altLang="en-US" sz="2400" dirty="0"/>
-              <a:t>어떤 수열의 </a:t>
-            </a:r>
-            <a:r>
-              <a:rPr lang="ko-KR" altLang="en-US" sz="2400" b="1" dirty="0"/>
-              <a:t>부분 수열</a:t>
-            </a:r>
-            <a:r>
-              <a:rPr lang="ko-KR" altLang="en-US" sz="2400" dirty="0"/>
-              <a:t>은 </a:t>
-            </a:r>
-            <a:endParaRPr lang="en-US" altLang="ko-KR" sz="2400" dirty="0"/>
-          </a:p>
-          <a:p>
-            <a:r>
-              <a:rPr lang="ko-KR" altLang="en-US" sz="2400" dirty="0"/>
-              <a:t>그 수열에서 </a:t>
-            </a:r>
-            <a:r>
-              <a:rPr lang="en-US" altLang="ko-KR" sz="2400" dirty="0"/>
-              <a:t>0</a:t>
-            </a:r>
-            <a:r>
-              <a:rPr lang="ko-KR" altLang="en-US" sz="2400" dirty="0"/>
-              <a:t>개 이상의 요소를 뺀 수열</a:t>
-            </a:r>
-            <a:r>
-              <a:rPr lang="en-US" altLang="ko-KR" sz="2400" dirty="0"/>
-              <a:t>.</a:t>
-            </a:r>
-          </a:p>
-          <a:p>
-            <a:endParaRPr lang="en-US" altLang="ko-KR" sz="2400" dirty="0"/>
-          </a:p>
-          <a:p>
-            <a:r>
-              <a:rPr lang="ko-KR" altLang="en-US" sz="2400" dirty="0"/>
-              <a:t>조건</a:t>
-            </a:r>
-            <a:r>
-              <a:rPr lang="en-US" altLang="ko-KR" sz="2400" dirty="0"/>
-              <a:t>) </a:t>
-            </a:r>
-            <a:r>
-              <a:rPr lang="ko-KR" altLang="en-US" sz="2400" dirty="0"/>
-              <a:t>반드시 증가</a:t>
-            </a:r>
-            <a:endParaRPr lang="en-US" altLang="ko-KR" sz="2400" dirty="0"/>
-          </a:p>
-        </p:txBody>
-      </p:sp>
-      <p:pic>
-        <p:nvPicPr>
-          <p:cNvPr id="6" name="그림 5" descr="개체, 손목시계, 시계이(가) 표시된 사진&#10;&#10;자동 생성된 설명">
-            <a:extLst>
-              <a:ext uri="{FF2B5EF4-FFF2-40B4-BE49-F238E27FC236}">
-                <a16:creationId xmlns:a16="http://schemas.microsoft.com/office/drawing/2014/main" id="{CBB80834-83C3-44C3-B3DD-FEE127C1FE45}"/>
+                <a16:creationId xmlns:a16="http://schemas.microsoft.com/office/drawing/2014/main" id="{A2D6E27A-EFD5-4FA2-A9A1-2DBAD912FA76}"/>
               </a:ext>
             </a:extLst>
           </p:cNvPr>
@@ -19915,8 +19693,8 @@
         </p:blipFill>
         <p:spPr>
           <a:xfrm>
-            <a:off x="4005992" y="3764165"/>
-            <a:ext cx="2789162" cy="441998"/>
+            <a:off x="4005992" y="1956014"/>
+            <a:ext cx="3688400" cy="472481"/>
           </a:xfrm>
           <a:prstGeom prst="rect">
             <a:avLst/>
@@ -19925,10 +19703,10 @@
       </p:pic>
       <p:pic>
         <p:nvPicPr>
-          <p:cNvPr id="10" name="그림 9" descr="개체, 손목시계이(가) 표시된 사진&#10;&#10;자동 생성된 설명">
+          <p:cNvPr id="9" name="그림 8">
             <a:extLst>
               <a:ext uri="{FF2B5EF4-FFF2-40B4-BE49-F238E27FC236}">
-                <a16:creationId xmlns:a16="http://schemas.microsoft.com/office/drawing/2014/main" id="{4A3C54EB-5781-4933-B2E3-03464F00E964}"/>
+                <a16:creationId xmlns:a16="http://schemas.microsoft.com/office/drawing/2014/main" id="{F79F5AB6-43F3-491E-A832-537B17653C5E}"/>
               </a:ext>
             </a:extLst>
           </p:cNvPr>
@@ -19951,8 +19729,8 @@
         </p:blipFill>
         <p:spPr>
           <a:xfrm>
-            <a:off x="7779556" y="3698441"/>
-            <a:ext cx="3048264" cy="510584"/>
+            <a:off x="8483927" y="1917915"/>
+            <a:ext cx="3208298" cy="464860"/>
           </a:xfrm>
           <a:prstGeom prst="rect">
             <a:avLst/>
@@ -19961,10 +19739,10 @@
       </p:pic>
       <p:pic>
         <p:nvPicPr>
-          <p:cNvPr id="16" name="그림 15" descr="개체이(가) 표시된 사진&#10;&#10;자동 생성된 설명">
+          <p:cNvPr id="12" name="그림 11" descr="개체이(가) 표시된 사진&#10;&#10;자동 생성된 설명">
             <a:extLst>
               <a:ext uri="{FF2B5EF4-FFF2-40B4-BE49-F238E27FC236}">
-                <a16:creationId xmlns:a16="http://schemas.microsoft.com/office/drawing/2014/main" id="{9B2354D7-2DB3-48E6-A0CD-D206D4CCAC0D}"/>
+                <a16:creationId xmlns:a16="http://schemas.microsoft.com/office/drawing/2014/main" id="{F10757ED-9B79-455E-99A2-70983D4A65A2}"/>
               </a:ext>
             </a:extLst>
           </p:cNvPr>
@@ -19987,8 +19765,8 @@
         </p:blipFill>
         <p:spPr>
           <a:xfrm>
-            <a:off x="4076525" y="4777711"/>
-            <a:ext cx="2019475" cy="655377"/>
+            <a:off x="7002336" y="2819441"/>
+            <a:ext cx="2332309" cy="795412"/>
           </a:xfrm>
           <a:prstGeom prst="rect">
             <a:avLst/>
@@ -19997,10 +19775,10 @@
       </p:pic>
       <p:pic>
         <p:nvPicPr>
-          <p:cNvPr id="18" name="그림 17" descr="개체이(가) 표시된 사진&#10;&#10;자동 생성된 설명">
+          <p:cNvPr id="15" name="그림 14">
             <a:extLst>
               <a:ext uri="{FF2B5EF4-FFF2-40B4-BE49-F238E27FC236}">
-                <a16:creationId xmlns:a16="http://schemas.microsoft.com/office/drawing/2014/main" id="{B7B7DB6D-C1EF-42B6-80D4-F50E1BEA5393}"/>
+                <a16:creationId xmlns:a16="http://schemas.microsoft.com/office/drawing/2014/main" id="{03444A17-0A99-4420-B0E9-FC23893ED5A1}"/>
               </a:ext>
             </a:extLst>
           </p:cNvPr>
@@ -20023,8 +19801,8 @@
         </p:blipFill>
         <p:spPr>
           <a:xfrm>
-            <a:off x="6348772" y="4707693"/>
-            <a:ext cx="2999361" cy="795411"/>
+            <a:off x="5952989" y="4363639"/>
+            <a:ext cx="4181974" cy="921451"/>
           </a:xfrm>
           <a:prstGeom prst="rect">
             <a:avLst/>
@@ -20034,7 +19812,7 @@
     </p:spTree>
     <p:extLst>
       <p:ext uri="{BB962C8B-B14F-4D97-AF65-F5344CB8AC3E}">
-        <p14:creationId xmlns:p14="http://schemas.microsoft.com/office/powerpoint/2010/main" val="1474703315"/>
+        <p14:creationId xmlns:p14="http://schemas.microsoft.com/office/powerpoint/2010/main" val="3450304129"/>
       </p:ext>
     </p:extLst>
   </p:cSld>
@@ -21125,7 +20903,7 @@
     </p:spTree>
     <p:extLst>
       <p:ext uri="{BB962C8B-B14F-4D97-AF65-F5344CB8AC3E}">
-        <p14:creationId xmlns:p14="http://schemas.microsoft.com/office/powerpoint/2010/main" val="531191497"/>
+        <p14:creationId xmlns:p14="http://schemas.microsoft.com/office/powerpoint/2010/main" val="1474703315"/>
       </p:ext>
     </p:extLst>
   </p:cSld>
@@ -21771,8 +21549,8 @@
         </p:nvSpPr>
         <p:spPr>
           <a:xfrm>
-            <a:off x="3770575" y="253013"/>
-            <a:ext cx="8746212" cy="523220"/>
+            <a:off x="3746860" y="2008726"/>
+            <a:ext cx="8746212" cy="2492990"/>
           </a:xfrm>
           <a:prstGeom prst="rect">
             <a:avLst/>
@@ -21785,7 +21563,7 @@
           <a:lstStyle/>
           <a:p>
             <a:r>
-              <a:rPr lang="en-US" altLang="ko-KR" sz="2800" b="1" dirty="0">
+              <a:rPr lang="ko-KR" altLang="en-US" sz="5200" b="1" dirty="0">
                 <a:solidFill>
                   <a:srgbClr val="4C5064"/>
                 </a:solidFill>
@@ -21793,22 +21571,64 @@
                 <a:ea typeface="KoPubWorld돋움체_Pro Bold" panose="00000800000000000000" pitchFamily="50" charset="-127"/>
                 <a:cs typeface="KoPubWorld돋움체_Pro Bold" panose="00000800000000000000" pitchFamily="50" charset="-127"/>
               </a:rPr>
-              <a:t>15.4 </a:t>
-            </a:r>
-            <a:r>
-              <a:rPr lang="ko-KR" altLang="en-US" sz="2800" b="1" dirty="0">
-                <a:solidFill>
-                  <a:srgbClr val="4C5064"/>
+              <a:t>최대 공통 부분 수열 구하기</a:t>
+            </a:r>
+            <a:endParaRPr lang="en-US" altLang="ko-KR" sz="5200" b="1" dirty="0">
+              <a:solidFill>
+                <a:srgbClr val="4C5064"/>
+              </a:solidFill>
+              <a:latin typeface="KoPubWorld돋움체_Pro Bold" panose="00000800000000000000" pitchFamily="50" charset="-127"/>
+              <a:ea typeface="KoPubWorld돋움체_Pro Bold" panose="00000800000000000000" pitchFamily="50" charset="-127"/>
+              <a:cs typeface="KoPubWorld돋움체_Pro Bold" panose="00000800000000000000" pitchFamily="50" charset="-127"/>
+            </a:endParaRPr>
+          </a:p>
+          <a:p>
+            <a:endParaRPr lang="en-US" altLang="ko-KR" sz="5200" b="1" dirty="0">
+              <a:solidFill>
+                <a:srgbClr val="4C5064"/>
+              </a:solidFill>
+              <a:latin typeface="KoPubWorld돋움체_Pro Bold" panose="00000800000000000000" pitchFamily="50" charset="-127"/>
+              <a:ea typeface="KoPubWorld돋움체_Pro Bold" panose="00000800000000000000" pitchFamily="50" charset="-127"/>
+              <a:cs typeface="KoPubWorld돋움체_Pro Bold" panose="00000800000000000000" pitchFamily="50" charset="-127"/>
+            </a:endParaRPr>
+          </a:p>
+          <a:p>
+            <a:r>
+              <a:rPr lang="ko-KR" altLang="en-US" sz="5200" b="1" dirty="0">
+                <a:solidFill>
+                  <a:srgbClr val="0070C0"/>
                 </a:solidFill>
                 <a:latin typeface="KoPubWorld돋움체_Pro Bold" panose="00000800000000000000" pitchFamily="50" charset="-127"/>
                 <a:ea typeface="KoPubWorld돋움체_Pro Bold" panose="00000800000000000000" pitchFamily="50" charset="-127"/>
                 <a:cs typeface="KoPubWorld돋움체_Pro Bold" panose="00000800000000000000" pitchFamily="50" charset="-127"/>
               </a:rPr>
-              <a:t>최대 공통 부분 수열</a:t>
-            </a:r>
-            <a:endParaRPr lang="en-US" altLang="ko-KR" sz="2800" b="1" dirty="0">
+              <a:t>단계 </a:t>
+            </a:r>
+            <a:r>
+              <a:rPr lang="en-US" altLang="ko-KR" sz="5200" b="1" dirty="0">
+                <a:solidFill>
+                  <a:srgbClr val="0070C0"/>
+                </a:solidFill>
+                <a:latin typeface="KoPubWorld돋움체_Pro Bold" panose="00000800000000000000" pitchFamily="50" charset="-127"/>
+                <a:ea typeface="KoPubWorld돋움체_Pro Bold" panose="00000800000000000000" pitchFamily="50" charset="-127"/>
+                <a:cs typeface="KoPubWorld돋움체_Pro Bold" panose="00000800000000000000" pitchFamily="50" charset="-127"/>
+              </a:rPr>
+              <a:t>1 : </a:t>
+            </a:r>
+            <a:r>
+              <a:rPr lang="ko-KR" altLang="en-US" sz="5200" b="1" dirty="0">
+                <a:solidFill>
+                  <a:srgbClr val="0070C0"/>
+                </a:solidFill>
+                <a:latin typeface="KoPubWorld돋움체_Pro Bold" panose="00000800000000000000" pitchFamily="50" charset="-127"/>
+                <a:ea typeface="KoPubWorld돋움체_Pro Bold" panose="00000800000000000000" pitchFamily="50" charset="-127"/>
+                <a:cs typeface="KoPubWorld돋움체_Pro Bold" panose="00000800000000000000" pitchFamily="50" charset="-127"/>
+              </a:rPr>
+              <a:t>특성 파악하기</a:t>
+            </a:r>
+            <a:endParaRPr lang="en-US" altLang="ko-KR" sz="5200" b="1" dirty="0">
               <a:solidFill>
-                <a:srgbClr val="4C5064"/>
+                <a:srgbClr val="0070C0"/>
               </a:solidFill>
               <a:latin typeface="KoPubWorld돋움체_Pro Bold" panose="00000800000000000000" pitchFamily="50" charset="-127"/>
               <a:ea typeface="KoPubWorld돋움체_Pro Bold" panose="00000800000000000000" pitchFamily="50" charset="-127"/>
@@ -21935,141 +21755,10 @@
           </a:p>
         </p:txBody>
       </p:sp>
-      <p:sp>
-        <p:nvSpPr>
-          <p:cNvPr id="27" name="직사각형 26">
-            <a:extLst>
-              <a:ext uri="{FF2B5EF4-FFF2-40B4-BE49-F238E27FC236}">
-                <a16:creationId xmlns:a16="http://schemas.microsoft.com/office/drawing/2014/main" id="{64D75CE9-6732-4643-A769-90A2B9533434}"/>
-              </a:ext>
-            </a:extLst>
-          </p:cNvPr>
-          <p:cNvSpPr/>
-          <p:nvPr/>
-        </p:nvSpPr>
-        <p:spPr>
-          <a:xfrm>
-            <a:off x="3770575" y="1162915"/>
-            <a:ext cx="8746212" cy="523220"/>
-          </a:xfrm>
-          <a:prstGeom prst="rect">
-            <a:avLst/>
-          </a:prstGeom>
-        </p:spPr>
-        <p:txBody>
-          <a:bodyPr wrap="square">
-            <a:spAutoFit/>
-          </a:bodyPr>
-          <a:lstStyle/>
-          <a:p>
-            <a:r>
-              <a:rPr lang="ko-KR" altLang="en-US" sz="2800" b="1" dirty="0">
-                <a:latin typeface="KoPubWorld돋움체_Pro Bold" panose="00000800000000000000" pitchFamily="50" charset="-127"/>
-                <a:ea typeface="KoPubWorld돋움체_Pro Bold" panose="00000800000000000000" pitchFamily="50" charset="-127"/>
-                <a:cs typeface="KoPubWorld돋움체_Pro Bold" panose="00000800000000000000" pitchFamily="50" charset="-127"/>
-              </a:rPr>
-              <a:t>단계 </a:t>
-            </a:r>
-            <a:r>
-              <a:rPr lang="en-US" altLang="ko-KR" sz="2800" b="1" dirty="0">
-                <a:latin typeface="KoPubWorld돋움체_Pro Bold" panose="00000800000000000000" pitchFamily="50" charset="-127"/>
-                <a:ea typeface="KoPubWorld돋움체_Pro Bold" panose="00000800000000000000" pitchFamily="50" charset="-127"/>
-                <a:cs typeface="KoPubWorld돋움체_Pro Bold" panose="00000800000000000000" pitchFamily="50" charset="-127"/>
-              </a:rPr>
-              <a:t>1 : </a:t>
-            </a:r>
-            <a:r>
-              <a:rPr lang="ko-KR" altLang="en-US" sz="2800" b="1" dirty="0">
-                <a:latin typeface="KoPubWorld돋움체_Pro Bold" panose="00000800000000000000" pitchFamily="50" charset="-127"/>
-                <a:ea typeface="KoPubWorld돋움체_Pro Bold" panose="00000800000000000000" pitchFamily="50" charset="-127"/>
-                <a:cs typeface="KoPubWorld돋움체_Pro Bold" panose="00000800000000000000" pitchFamily="50" charset="-127"/>
-              </a:rPr>
-              <a:t>최대 공통 부분 수열의 특성 파악하기</a:t>
-            </a:r>
-            <a:endParaRPr lang="en-US" altLang="ko-KR" sz="2800" b="1" dirty="0">
-              <a:latin typeface="KoPubWorld돋움체_Pro Bold" panose="00000800000000000000" pitchFamily="50" charset="-127"/>
-              <a:ea typeface="KoPubWorld돋움체_Pro Bold" panose="00000800000000000000" pitchFamily="50" charset="-127"/>
-              <a:cs typeface="KoPubWorld돋움체_Pro Bold" panose="00000800000000000000" pitchFamily="50" charset="-127"/>
-            </a:endParaRPr>
-          </a:p>
-        </p:txBody>
-      </p:sp>
-      <p:pic>
-        <p:nvPicPr>
-          <p:cNvPr id="7" name="그림 6" descr="개체이(가) 표시된 사진&#10;&#10;자동 생성된 설명">
-            <a:extLst>
-              <a:ext uri="{FF2B5EF4-FFF2-40B4-BE49-F238E27FC236}">
-                <a16:creationId xmlns:a16="http://schemas.microsoft.com/office/drawing/2014/main" id="{CF2022C2-1E22-4E46-9130-0E7C46DD3562}"/>
-              </a:ext>
-            </a:extLst>
-          </p:cNvPr>
-          <p:cNvPicPr>
-            <a:picLocks noChangeAspect="1"/>
-          </p:cNvPicPr>
-          <p:nvPr/>
-        </p:nvPicPr>
-        <p:blipFill>
-          <a:blip r:embed="rId2">
-            <a:extLst>
-              <a:ext uri="{28A0092B-C50C-407E-A947-70E740481C1C}">
-                <a14:useLocalDpi xmlns:a14="http://schemas.microsoft.com/office/drawing/2010/main" val="0"/>
-              </a:ext>
-            </a:extLst>
-          </a:blip>
-          <a:stretch>
-            <a:fillRect/>
-          </a:stretch>
-        </p:blipFill>
-        <p:spPr>
-          <a:xfrm>
-            <a:off x="490009" y="4256065"/>
-            <a:ext cx="11211982" cy="2027825"/>
-          </a:xfrm>
-          <a:prstGeom prst="rect">
-            <a:avLst/>
-          </a:prstGeom>
-        </p:spPr>
-      </p:pic>
-      <p:pic>
-        <p:nvPicPr>
-          <p:cNvPr id="9" name="그림 8" descr="개체이(가) 표시된 사진&#10;&#10;자동 생성된 설명">
-            <a:extLst>
-              <a:ext uri="{FF2B5EF4-FFF2-40B4-BE49-F238E27FC236}">
-                <a16:creationId xmlns:a16="http://schemas.microsoft.com/office/drawing/2014/main" id="{33998EE7-E9BB-448D-884A-2F17EDEEA720}"/>
-              </a:ext>
-            </a:extLst>
-          </p:cNvPr>
-          <p:cNvPicPr>
-            <a:picLocks noChangeAspect="1"/>
-          </p:cNvPicPr>
-          <p:nvPr/>
-        </p:nvPicPr>
-        <p:blipFill>
-          <a:blip r:embed="rId3">
-            <a:extLst>
-              <a:ext uri="{28A0092B-C50C-407E-A947-70E740481C1C}">
-                <a14:useLocalDpi xmlns:a14="http://schemas.microsoft.com/office/drawing/2010/main" val="0"/>
-              </a:ext>
-            </a:extLst>
-          </a:blip>
-          <a:stretch>
-            <a:fillRect/>
-          </a:stretch>
-        </p:blipFill>
-        <p:spPr>
-          <a:xfrm>
-            <a:off x="3250190" y="2382775"/>
-            <a:ext cx="8941810" cy="896456"/>
-          </a:xfrm>
-          <a:prstGeom prst="rect">
-            <a:avLst/>
-          </a:prstGeom>
-        </p:spPr>
-      </p:pic>
     </p:spTree>
     <p:extLst>
       <p:ext uri="{BB962C8B-B14F-4D97-AF65-F5344CB8AC3E}">
-        <p14:creationId xmlns:p14="http://schemas.microsoft.com/office/powerpoint/2010/main" val="2398770436"/>
+        <p14:creationId xmlns:p14="http://schemas.microsoft.com/office/powerpoint/2010/main" val="2595389603"/>
       </p:ext>
     </p:extLst>
   </p:cSld>
@@ -22940,10 +22629,10 @@
       </p:sp>
       <p:pic>
         <p:nvPicPr>
-          <p:cNvPr id="3" name="그림 2">
+          <p:cNvPr id="7" name="그림 6" descr="개체이(가) 표시된 사진&#10;&#10;자동 생성된 설명">
             <a:extLst>
               <a:ext uri="{FF2B5EF4-FFF2-40B4-BE49-F238E27FC236}">
-                <a16:creationId xmlns:a16="http://schemas.microsoft.com/office/drawing/2014/main" id="{813B7CE5-A015-41C6-ABD6-91D1CD37ACEC}"/>
+                <a16:creationId xmlns:a16="http://schemas.microsoft.com/office/drawing/2014/main" id="{CF2022C2-1E22-4E46-9130-0E7C46DD3562}"/>
               </a:ext>
             </a:extLst>
           </p:cNvPr>
@@ -22966,8 +22655,8 @@
         </p:blipFill>
         <p:spPr>
           <a:xfrm>
-            <a:off x="3021590" y="4627597"/>
-            <a:ext cx="8999528" cy="570938"/>
+            <a:off x="490009" y="4256065"/>
+            <a:ext cx="11211982" cy="2027825"/>
           </a:xfrm>
           <a:prstGeom prst="rect">
             <a:avLst/>
@@ -22976,10 +22665,10 @@
       </p:pic>
       <p:pic>
         <p:nvPicPr>
-          <p:cNvPr id="19" name="그림 18" descr="개체이(가) 표시된 사진&#10;&#10;자동 생성된 설명">
+          <p:cNvPr id="9" name="그림 8" descr="개체이(가) 표시된 사진&#10;&#10;자동 생성된 설명">
             <a:extLst>
               <a:ext uri="{FF2B5EF4-FFF2-40B4-BE49-F238E27FC236}">
-                <a16:creationId xmlns:a16="http://schemas.microsoft.com/office/drawing/2014/main" id="{C4094134-359E-4777-B811-1319D4EBC2D8}"/>
+                <a16:creationId xmlns:a16="http://schemas.microsoft.com/office/drawing/2014/main" id="{33998EE7-E9BB-448D-884A-2F17EDEEA720}"/>
               </a:ext>
             </a:extLst>
           </p:cNvPr>
@@ -23002,7 +22691,7 @@
         </p:blipFill>
         <p:spPr>
           <a:xfrm>
-            <a:off x="3181265" y="2253687"/>
+            <a:off x="3250190" y="2382775"/>
             <a:ext cx="8941810" cy="896456"/>
           </a:xfrm>
           <a:prstGeom prst="rect">
@@ -23013,7 +22702,7 @@
     </p:spTree>
     <p:extLst>
       <p:ext uri="{BB962C8B-B14F-4D97-AF65-F5344CB8AC3E}">
-        <p14:creationId xmlns:p14="http://schemas.microsoft.com/office/powerpoint/2010/main" val="1107791543"/>
+        <p14:creationId xmlns:p14="http://schemas.microsoft.com/office/powerpoint/2010/main" val="2398770436"/>
       </p:ext>
     </p:extLst>
   </p:cSld>
@@ -23884,10 +23573,10 @@
       </p:sp>
       <p:pic>
         <p:nvPicPr>
-          <p:cNvPr id="19" name="그림 18" descr="개체이(가) 표시된 사진&#10;&#10;자동 생성된 설명">
+          <p:cNvPr id="3" name="그림 2">
             <a:extLst>
               <a:ext uri="{FF2B5EF4-FFF2-40B4-BE49-F238E27FC236}">
-                <a16:creationId xmlns:a16="http://schemas.microsoft.com/office/drawing/2014/main" id="{C4094134-359E-4777-B811-1319D4EBC2D8}"/>
+                <a16:creationId xmlns:a16="http://schemas.microsoft.com/office/drawing/2014/main" id="{813B7CE5-A015-41C6-ABD6-91D1CD37ACEC}"/>
               </a:ext>
             </a:extLst>
           </p:cNvPr>
@@ -23910,8 +23599,8 @@
         </p:blipFill>
         <p:spPr>
           <a:xfrm>
-            <a:off x="3181265" y="2253687"/>
-            <a:ext cx="8941810" cy="896456"/>
+            <a:off x="3021590" y="4627597"/>
+            <a:ext cx="8999528" cy="570938"/>
           </a:xfrm>
           <a:prstGeom prst="rect">
             <a:avLst/>
@@ -23920,10 +23609,10 @@
       </p:pic>
       <p:pic>
         <p:nvPicPr>
-          <p:cNvPr id="6" name="그림 5" descr="가구이(가) 표시된 사진&#10;&#10;자동 생성된 설명">
+          <p:cNvPr id="19" name="그림 18" descr="개체이(가) 표시된 사진&#10;&#10;자동 생성된 설명">
             <a:extLst>
               <a:ext uri="{FF2B5EF4-FFF2-40B4-BE49-F238E27FC236}">
-                <a16:creationId xmlns:a16="http://schemas.microsoft.com/office/drawing/2014/main" id="{6E4B3978-B740-4DE3-B4D8-F1397896F0A2}"/>
+                <a16:creationId xmlns:a16="http://schemas.microsoft.com/office/drawing/2014/main" id="{C4094134-359E-4777-B811-1319D4EBC2D8}"/>
               </a:ext>
             </a:extLst>
           </p:cNvPr>
@@ -23946,8 +23635,8 @@
         </p:blipFill>
         <p:spPr>
           <a:xfrm>
-            <a:off x="2419042" y="4475225"/>
-            <a:ext cx="9559598" cy="706981"/>
+            <a:off x="3181265" y="2253687"/>
+            <a:ext cx="8941810" cy="896456"/>
           </a:xfrm>
           <a:prstGeom prst="rect">
             <a:avLst/>
@@ -23957,7 +23646,7 @@
     </p:spTree>
     <p:extLst>
       <p:ext uri="{BB962C8B-B14F-4D97-AF65-F5344CB8AC3E}">
-        <p14:creationId xmlns:p14="http://schemas.microsoft.com/office/powerpoint/2010/main" val="2456965173"/>
+        <p14:creationId xmlns:p14="http://schemas.microsoft.com/office/powerpoint/2010/main" val="1107791543"/>
       </p:ext>
     </p:extLst>
   </p:cSld>
@@ -24828,10 +24517,10 @@
       </p:sp>
       <p:pic>
         <p:nvPicPr>
-          <p:cNvPr id="6" name="그림 5" descr="가구이(가) 표시된 사진&#10;&#10;자동 생성된 설명">
+          <p:cNvPr id="19" name="그림 18" descr="개체이(가) 표시된 사진&#10;&#10;자동 생성된 설명">
             <a:extLst>
               <a:ext uri="{FF2B5EF4-FFF2-40B4-BE49-F238E27FC236}">
-                <a16:creationId xmlns:a16="http://schemas.microsoft.com/office/drawing/2014/main" id="{6E4B3978-B740-4DE3-B4D8-F1397896F0A2}"/>
+                <a16:creationId xmlns:a16="http://schemas.microsoft.com/office/drawing/2014/main" id="{C4094134-359E-4777-B811-1319D4EBC2D8}"/>
               </a:ext>
             </a:extLst>
           </p:cNvPr>
@@ -24854,8 +24543,8 @@
         </p:blipFill>
         <p:spPr>
           <a:xfrm>
-            <a:off x="3061793" y="2617511"/>
-            <a:ext cx="9008286" cy="706981"/>
+            <a:off x="3181265" y="2253687"/>
+            <a:ext cx="8941810" cy="896456"/>
           </a:xfrm>
           <a:prstGeom prst="rect">
             <a:avLst/>
@@ -24864,10 +24553,10 @@
       </p:pic>
       <p:pic>
         <p:nvPicPr>
-          <p:cNvPr id="3" name="그림 2">
+          <p:cNvPr id="6" name="그림 5" descr="가구이(가) 표시된 사진&#10;&#10;자동 생성된 설명">
             <a:extLst>
               <a:ext uri="{FF2B5EF4-FFF2-40B4-BE49-F238E27FC236}">
-                <a16:creationId xmlns:a16="http://schemas.microsoft.com/office/drawing/2014/main" id="{A99F5539-0062-49A0-B95E-A6AC59FB7776}"/>
+                <a16:creationId xmlns:a16="http://schemas.microsoft.com/office/drawing/2014/main" id="{6E4B3978-B740-4DE3-B4D8-F1397896F0A2}"/>
               </a:ext>
             </a:extLst>
           </p:cNvPr>
@@ -24890,64 +24579,18 @@
         </p:blipFill>
         <p:spPr>
           <a:xfrm>
-            <a:off x="3061793" y="5341594"/>
-            <a:ext cx="9130207" cy="706981"/>
+            <a:off x="2419042" y="4475225"/>
+            <a:ext cx="9559598" cy="706981"/>
           </a:xfrm>
           <a:prstGeom prst="rect">
             <a:avLst/>
           </a:prstGeom>
         </p:spPr>
       </p:pic>
-      <p:sp>
-        <p:nvSpPr>
-          <p:cNvPr id="7" name="화살표: 위쪽/아래쪽 6">
-            <a:extLst>
-              <a:ext uri="{FF2B5EF4-FFF2-40B4-BE49-F238E27FC236}">
-                <a16:creationId xmlns:a16="http://schemas.microsoft.com/office/drawing/2014/main" id="{70510376-F6F9-46D3-BB4D-C7F810C34F12}"/>
-              </a:ext>
-            </a:extLst>
-          </p:cNvPr>
-          <p:cNvSpPr/>
-          <p:nvPr/>
-        </p:nvSpPr>
-        <p:spPr>
-          <a:xfrm>
-            <a:off x="7498692" y="3581415"/>
-            <a:ext cx="685800" cy="1422781"/>
-          </a:xfrm>
-          <a:prstGeom prst="upDownArrow">
-            <a:avLst/>
-          </a:prstGeom>
-        </p:spPr>
-        <p:style>
-          <a:lnRef idx="2">
-            <a:schemeClr val="accent1">
-              <a:shade val="50000"/>
-            </a:schemeClr>
-          </a:lnRef>
-          <a:fillRef idx="1">
-            <a:schemeClr val="accent1"/>
-          </a:fillRef>
-          <a:effectRef idx="0">
-            <a:schemeClr val="accent1"/>
-          </a:effectRef>
-          <a:fontRef idx="minor">
-            <a:schemeClr val="lt1"/>
-          </a:fontRef>
-        </p:style>
-        <p:txBody>
-          <a:bodyPr rtlCol="0" anchor="ctr"/>
-          <a:lstStyle/>
-          <a:p>
-            <a:pPr algn="ctr"/>
-            <a:endParaRPr lang="ko-KR" altLang="en-US"/>
-          </a:p>
-        </p:txBody>
-      </p:sp>
     </p:spTree>
     <p:extLst>
       <p:ext uri="{BB962C8B-B14F-4D97-AF65-F5344CB8AC3E}">
-        <p14:creationId xmlns:p14="http://schemas.microsoft.com/office/powerpoint/2010/main" val="2200261735"/>
+        <p14:creationId xmlns:p14="http://schemas.microsoft.com/office/powerpoint/2010/main" val="2456965173"/>
       </p:ext>
     </p:extLst>
   </p:cSld>
@@ -25798,7 +25441,7 @@
                 <a:ea typeface="KoPubWorld돋움체_Pro Bold" panose="00000800000000000000" pitchFamily="50" charset="-127"/>
                 <a:cs typeface="KoPubWorld돋움체_Pro Bold" panose="00000800000000000000" pitchFamily="50" charset="-127"/>
               </a:rPr>
-              <a:t>2 : </a:t>
+              <a:t>1 : </a:t>
             </a:r>
             <a:r>
               <a:rPr lang="ko-KR" altLang="en-US" sz="2800" b="1" dirty="0">
@@ -25806,7 +25449,7 @@
                 <a:ea typeface="KoPubWorld돋움체_Pro Bold" panose="00000800000000000000" pitchFamily="50" charset="-127"/>
                 <a:cs typeface="KoPubWorld돋움체_Pro Bold" panose="00000800000000000000" pitchFamily="50" charset="-127"/>
               </a:rPr>
-              <a:t>재귀해</a:t>
+              <a:t>최대 공통 부분 수열의 특성 파악하기</a:t>
             </a:r>
             <a:endParaRPr lang="en-US" altLang="ko-KR" sz="2800" b="1" dirty="0">
               <a:latin typeface="KoPubWorld돋움체_Pro Bold" panose="00000800000000000000" pitchFamily="50" charset="-127"/>
@@ -25818,10 +25461,10 @@
       </p:sp>
       <p:pic>
         <p:nvPicPr>
-          <p:cNvPr id="8" name="그림 7" descr="개체, 안테나, 시계이(가) 표시된 사진&#10;&#10;자동 생성된 설명">
+          <p:cNvPr id="6" name="그림 5" descr="가구이(가) 표시된 사진&#10;&#10;자동 생성된 설명">
             <a:extLst>
               <a:ext uri="{FF2B5EF4-FFF2-40B4-BE49-F238E27FC236}">
-                <a16:creationId xmlns:a16="http://schemas.microsoft.com/office/drawing/2014/main" id="{EF9304B9-916D-4187-8950-E1316561B878}"/>
+                <a16:creationId xmlns:a16="http://schemas.microsoft.com/office/drawing/2014/main" id="{6E4B3978-B740-4DE3-B4D8-F1397896F0A2}"/>
               </a:ext>
             </a:extLst>
           </p:cNvPr>
@@ -25844,8 +25487,8 @@
         </p:blipFill>
         <p:spPr>
           <a:xfrm>
-            <a:off x="3345501" y="2709739"/>
-            <a:ext cx="8545575" cy="1290842"/>
+            <a:off x="3061793" y="2617511"/>
+            <a:ext cx="9008286" cy="706981"/>
           </a:xfrm>
           <a:prstGeom prst="rect">
             <a:avLst/>
@@ -25854,10 +25497,10 @@
       </p:pic>
       <p:pic>
         <p:nvPicPr>
-          <p:cNvPr id="10" name="그림 9">
+          <p:cNvPr id="3" name="그림 2">
             <a:extLst>
               <a:ext uri="{FF2B5EF4-FFF2-40B4-BE49-F238E27FC236}">
-                <a16:creationId xmlns:a16="http://schemas.microsoft.com/office/drawing/2014/main" id="{C49113A1-CA8A-4AD5-B44D-8AF2ECCCA655}"/>
+                <a16:creationId xmlns:a16="http://schemas.microsoft.com/office/drawing/2014/main" id="{A99F5539-0062-49A0-B95E-A6AC59FB7776}"/>
               </a:ext>
             </a:extLst>
           </p:cNvPr>
@@ -25880,18 +25523,64 @@
         </p:blipFill>
         <p:spPr>
           <a:xfrm>
-            <a:off x="3414363" y="1794735"/>
-            <a:ext cx="8476713" cy="556164"/>
+            <a:off x="3061793" y="5341594"/>
+            <a:ext cx="9130207" cy="706981"/>
           </a:xfrm>
           <a:prstGeom prst="rect">
             <a:avLst/>
           </a:prstGeom>
         </p:spPr>
       </p:pic>
+      <p:sp>
+        <p:nvSpPr>
+          <p:cNvPr id="7" name="화살표: 위쪽/아래쪽 6">
+            <a:extLst>
+              <a:ext uri="{FF2B5EF4-FFF2-40B4-BE49-F238E27FC236}">
+                <a16:creationId xmlns:a16="http://schemas.microsoft.com/office/drawing/2014/main" id="{70510376-F6F9-46D3-BB4D-C7F810C34F12}"/>
+              </a:ext>
+            </a:extLst>
+          </p:cNvPr>
+          <p:cNvSpPr/>
+          <p:nvPr/>
+        </p:nvSpPr>
+        <p:spPr>
+          <a:xfrm>
+            <a:off x="7498692" y="3581415"/>
+            <a:ext cx="685800" cy="1422781"/>
+          </a:xfrm>
+          <a:prstGeom prst="upDownArrow">
+            <a:avLst/>
+          </a:prstGeom>
+        </p:spPr>
+        <p:style>
+          <a:lnRef idx="2">
+            <a:schemeClr val="accent1">
+              <a:shade val="50000"/>
+            </a:schemeClr>
+          </a:lnRef>
+          <a:fillRef idx="1">
+            <a:schemeClr val="accent1"/>
+          </a:fillRef>
+          <a:effectRef idx="0">
+            <a:schemeClr val="accent1"/>
+          </a:effectRef>
+          <a:fontRef idx="minor">
+            <a:schemeClr val="lt1"/>
+          </a:fontRef>
+        </p:style>
+        <p:txBody>
+          <a:bodyPr rtlCol="0" anchor="ctr"/>
+          <a:lstStyle/>
+          <a:p>
+            <a:pPr algn="ctr"/>
+            <a:endParaRPr lang="ko-KR" altLang="en-US"/>
+          </a:p>
+        </p:txBody>
+      </p:sp>
     </p:spTree>
     <p:extLst>
       <p:ext uri="{BB962C8B-B14F-4D97-AF65-F5344CB8AC3E}">
-        <p14:creationId xmlns:p14="http://schemas.microsoft.com/office/powerpoint/2010/main" val="2774960422"/>
+        <p14:creationId xmlns:p14="http://schemas.microsoft.com/office/powerpoint/2010/main" val="2200261735"/>
       </p:ext>
     </p:extLst>
   </p:cSld>
@@ -26537,8 +26226,8 @@
         </p:nvSpPr>
         <p:spPr>
           <a:xfrm>
-            <a:off x="3770575" y="253013"/>
-            <a:ext cx="8746212" cy="523220"/>
+            <a:off x="3746860" y="2008726"/>
+            <a:ext cx="8746212" cy="2492990"/>
           </a:xfrm>
           <a:prstGeom prst="rect">
             <a:avLst/>
@@ -26551,7 +26240,7 @@
           <a:lstStyle/>
           <a:p>
             <a:r>
-              <a:rPr lang="en-US" altLang="ko-KR" sz="2800" b="1" dirty="0">
+              <a:rPr lang="ko-KR" altLang="en-US" sz="5200" b="1" dirty="0">
                 <a:solidFill>
                   <a:srgbClr val="4C5064"/>
                 </a:solidFill>
@@ -26559,22 +26248,64 @@
                 <a:ea typeface="KoPubWorld돋움체_Pro Bold" panose="00000800000000000000" pitchFamily="50" charset="-127"/>
                 <a:cs typeface="KoPubWorld돋움체_Pro Bold" panose="00000800000000000000" pitchFamily="50" charset="-127"/>
               </a:rPr>
-              <a:t>15.4 </a:t>
-            </a:r>
-            <a:r>
-              <a:rPr lang="ko-KR" altLang="en-US" sz="2800" b="1" dirty="0">
-                <a:solidFill>
-                  <a:srgbClr val="4C5064"/>
+              <a:t>최대 공통 부분 수열 구하기</a:t>
+            </a:r>
+            <a:endParaRPr lang="en-US" altLang="ko-KR" sz="5200" b="1" dirty="0">
+              <a:solidFill>
+                <a:srgbClr val="4C5064"/>
+              </a:solidFill>
+              <a:latin typeface="KoPubWorld돋움체_Pro Bold" panose="00000800000000000000" pitchFamily="50" charset="-127"/>
+              <a:ea typeface="KoPubWorld돋움체_Pro Bold" panose="00000800000000000000" pitchFamily="50" charset="-127"/>
+              <a:cs typeface="KoPubWorld돋움체_Pro Bold" panose="00000800000000000000" pitchFamily="50" charset="-127"/>
+            </a:endParaRPr>
+          </a:p>
+          <a:p>
+            <a:endParaRPr lang="en-US" altLang="ko-KR" sz="5200" b="1" dirty="0">
+              <a:solidFill>
+                <a:srgbClr val="4C5064"/>
+              </a:solidFill>
+              <a:latin typeface="KoPubWorld돋움체_Pro Bold" panose="00000800000000000000" pitchFamily="50" charset="-127"/>
+              <a:ea typeface="KoPubWorld돋움체_Pro Bold" panose="00000800000000000000" pitchFamily="50" charset="-127"/>
+              <a:cs typeface="KoPubWorld돋움체_Pro Bold" panose="00000800000000000000" pitchFamily="50" charset="-127"/>
+            </a:endParaRPr>
+          </a:p>
+          <a:p>
+            <a:r>
+              <a:rPr lang="ko-KR" altLang="en-US" sz="5200" b="1" dirty="0">
+                <a:solidFill>
+                  <a:srgbClr val="0070C0"/>
                 </a:solidFill>
                 <a:latin typeface="KoPubWorld돋움체_Pro Bold" panose="00000800000000000000" pitchFamily="50" charset="-127"/>
                 <a:ea typeface="KoPubWorld돋움체_Pro Bold" panose="00000800000000000000" pitchFamily="50" charset="-127"/>
                 <a:cs typeface="KoPubWorld돋움체_Pro Bold" panose="00000800000000000000" pitchFamily="50" charset="-127"/>
               </a:rPr>
-              <a:t>최대 공통 부분 수열</a:t>
-            </a:r>
-            <a:endParaRPr lang="en-US" altLang="ko-KR" sz="2800" b="1" dirty="0">
+              <a:t>단계 </a:t>
+            </a:r>
+            <a:r>
+              <a:rPr lang="en-US" altLang="ko-KR" sz="5200" b="1" dirty="0">
+                <a:solidFill>
+                  <a:srgbClr val="0070C0"/>
+                </a:solidFill>
+                <a:latin typeface="KoPubWorld돋움체_Pro Bold" panose="00000800000000000000" pitchFamily="50" charset="-127"/>
+                <a:ea typeface="KoPubWorld돋움체_Pro Bold" panose="00000800000000000000" pitchFamily="50" charset="-127"/>
+                <a:cs typeface="KoPubWorld돋움체_Pro Bold" panose="00000800000000000000" pitchFamily="50" charset="-127"/>
+              </a:rPr>
+              <a:t>2 : </a:t>
+            </a:r>
+            <a:r>
+              <a:rPr lang="ko-KR" altLang="en-US" sz="5200" b="1" dirty="0">
+                <a:solidFill>
+                  <a:srgbClr val="0070C0"/>
+                </a:solidFill>
+                <a:latin typeface="KoPubWorld돋움체_Pro Bold" panose="00000800000000000000" pitchFamily="50" charset="-127"/>
+                <a:ea typeface="KoPubWorld돋움체_Pro Bold" panose="00000800000000000000" pitchFamily="50" charset="-127"/>
+                <a:cs typeface="KoPubWorld돋움체_Pro Bold" panose="00000800000000000000" pitchFamily="50" charset="-127"/>
+              </a:rPr>
+              <a:t>재귀해 구하기</a:t>
+            </a:r>
+            <a:endParaRPr lang="en-US" altLang="ko-KR" sz="5200" b="1" dirty="0">
               <a:solidFill>
-                <a:srgbClr val="4C5064"/>
+                <a:srgbClr val="0070C0"/>
               </a:solidFill>
               <a:latin typeface="KoPubWorld돋움체_Pro Bold" panose="00000800000000000000" pitchFamily="50" charset="-127"/>
               <a:ea typeface="KoPubWorld돋움체_Pro Bold" panose="00000800000000000000" pitchFamily="50" charset="-127"/>
@@ -26701,105 +26432,10 @@
           </a:p>
         </p:txBody>
       </p:sp>
-      <p:sp>
-        <p:nvSpPr>
-          <p:cNvPr id="27" name="직사각형 26">
-            <a:extLst>
-              <a:ext uri="{FF2B5EF4-FFF2-40B4-BE49-F238E27FC236}">
-                <a16:creationId xmlns:a16="http://schemas.microsoft.com/office/drawing/2014/main" id="{64D75CE9-6732-4643-A769-90A2B9533434}"/>
-              </a:ext>
-            </a:extLst>
-          </p:cNvPr>
-          <p:cNvSpPr/>
-          <p:nvPr/>
-        </p:nvSpPr>
-        <p:spPr>
-          <a:xfrm>
-            <a:off x="3770575" y="1162915"/>
-            <a:ext cx="8746212" cy="523220"/>
-          </a:xfrm>
-          <a:prstGeom prst="rect">
-            <a:avLst/>
-          </a:prstGeom>
-        </p:spPr>
-        <p:txBody>
-          <a:bodyPr wrap="square">
-            <a:spAutoFit/>
-          </a:bodyPr>
-          <a:lstStyle/>
-          <a:p>
-            <a:r>
-              <a:rPr lang="ko-KR" altLang="en-US" sz="2800" b="1" dirty="0">
-                <a:latin typeface="KoPubWorld돋움체_Pro Bold" panose="00000800000000000000" pitchFamily="50" charset="-127"/>
-                <a:ea typeface="KoPubWorld돋움체_Pro Bold" panose="00000800000000000000" pitchFamily="50" charset="-127"/>
-                <a:cs typeface="KoPubWorld돋움체_Pro Bold" panose="00000800000000000000" pitchFamily="50" charset="-127"/>
-              </a:rPr>
-              <a:t>단계 </a:t>
-            </a:r>
-            <a:r>
-              <a:rPr lang="en-US" altLang="ko-KR" sz="2800" b="1" dirty="0">
-                <a:latin typeface="KoPubWorld돋움체_Pro Bold" panose="00000800000000000000" pitchFamily="50" charset="-127"/>
-                <a:ea typeface="KoPubWorld돋움체_Pro Bold" panose="00000800000000000000" pitchFamily="50" charset="-127"/>
-                <a:cs typeface="KoPubWorld돋움체_Pro Bold" panose="00000800000000000000" pitchFamily="50" charset="-127"/>
-              </a:rPr>
-              <a:t>3 : LCS</a:t>
-            </a:r>
-            <a:r>
-              <a:rPr lang="ko-KR" altLang="en-US" sz="2800" b="1" dirty="0">
-                <a:latin typeface="KoPubWorld돋움체_Pro Bold" panose="00000800000000000000" pitchFamily="50" charset="-127"/>
-                <a:ea typeface="KoPubWorld돋움체_Pro Bold" panose="00000800000000000000" pitchFamily="50" charset="-127"/>
-                <a:cs typeface="KoPubWorld돋움체_Pro Bold" panose="00000800000000000000" pitchFamily="50" charset="-127"/>
-              </a:rPr>
-              <a:t>의 길이 계산</a:t>
-            </a:r>
-            <a:endParaRPr lang="en-US" altLang="ko-KR" sz="2800" b="1" dirty="0">
-              <a:latin typeface="KoPubWorld돋움체_Pro Bold" panose="00000800000000000000" pitchFamily="50" charset="-127"/>
-              <a:ea typeface="KoPubWorld돋움체_Pro Bold" panose="00000800000000000000" pitchFamily="50" charset="-127"/>
-              <a:cs typeface="KoPubWorld돋움체_Pro Bold" panose="00000800000000000000" pitchFamily="50" charset="-127"/>
-            </a:endParaRPr>
-          </a:p>
-        </p:txBody>
-      </p:sp>
-      <p:pic>
-        <p:nvPicPr>
-          <p:cNvPr id="3" name="그림 2">
-            <a:extLst>
-              <a:ext uri="{FF2B5EF4-FFF2-40B4-BE49-F238E27FC236}">
-                <a16:creationId xmlns:a16="http://schemas.microsoft.com/office/drawing/2014/main" id="{C25CF207-7E76-4BA0-93E2-0404928C5A42}"/>
-              </a:ext>
-            </a:extLst>
-          </p:cNvPr>
-          <p:cNvPicPr>
-            <a:picLocks noChangeAspect="1"/>
-          </p:cNvPicPr>
-          <p:nvPr/>
-        </p:nvPicPr>
-        <p:blipFill>
-          <a:blip r:embed="rId2">
-            <a:extLst>
-              <a:ext uri="{28A0092B-C50C-407E-A947-70E740481C1C}">
-                <a14:useLocalDpi xmlns:a14="http://schemas.microsoft.com/office/drawing/2010/main" val="0"/>
-              </a:ext>
-            </a:extLst>
-          </a:blip>
-          <a:stretch>
-            <a:fillRect/>
-          </a:stretch>
-        </p:blipFill>
-        <p:spPr>
-          <a:xfrm>
-            <a:off x="3897439" y="1569558"/>
-            <a:ext cx="6069516" cy="5133317"/>
-          </a:xfrm>
-          <a:prstGeom prst="rect">
-            <a:avLst/>
-          </a:prstGeom>
-        </p:spPr>
-      </p:pic>
     </p:spTree>
     <p:extLst>
       <p:ext uri="{BB962C8B-B14F-4D97-AF65-F5344CB8AC3E}">
-        <p14:creationId xmlns:p14="http://schemas.microsoft.com/office/powerpoint/2010/main" val="345859536"/>
+        <p14:creationId xmlns:p14="http://schemas.microsoft.com/office/powerpoint/2010/main" val="713484074"/>
       </p:ext>
     </p:extLst>
   </p:cSld>
@@ -28605,7 +28241,7 @@
                 <a:ea typeface="KoPubWorld돋움체_Pro Bold" panose="00000800000000000000" pitchFamily="50" charset="-127"/>
                 <a:cs typeface="KoPubWorld돋움체_Pro Bold" panose="00000800000000000000" pitchFamily="50" charset="-127"/>
               </a:rPr>
-              <a:t>3 : LCS</a:t>
+              <a:t>2 : </a:t>
             </a:r>
             <a:r>
               <a:rPr lang="ko-KR" altLang="en-US" sz="2800" b="1" dirty="0">
@@ -28613,7 +28249,7 @@
                 <a:ea typeface="KoPubWorld돋움체_Pro Bold" panose="00000800000000000000" pitchFamily="50" charset="-127"/>
                 <a:cs typeface="KoPubWorld돋움체_Pro Bold" panose="00000800000000000000" pitchFamily="50" charset="-127"/>
               </a:rPr>
-              <a:t>의 길이 계산</a:t>
+              <a:t>재귀해</a:t>
             </a:r>
             <a:endParaRPr lang="en-US" altLang="ko-KR" sz="2800" b="1" dirty="0">
               <a:latin typeface="KoPubWorld돋움체_Pro Bold" panose="00000800000000000000" pitchFamily="50" charset="-127"/>
@@ -28625,10 +28261,10 @@
       </p:sp>
       <p:pic>
         <p:nvPicPr>
-          <p:cNvPr id="6" name="그림 5">
+          <p:cNvPr id="8" name="그림 7" descr="개체, 안테나, 시계이(가) 표시된 사진&#10;&#10;자동 생성된 설명">
             <a:extLst>
               <a:ext uri="{FF2B5EF4-FFF2-40B4-BE49-F238E27FC236}">
-                <a16:creationId xmlns:a16="http://schemas.microsoft.com/office/drawing/2014/main" id="{7309BD27-F83F-46EE-87D4-67F0A7F264AF}"/>
+                <a16:creationId xmlns:a16="http://schemas.microsoft.com/office/drawing/2014/main" id="{EF9304B9-916D-4187-8950-E1316561B878}"/>
               </a:ext>
             </a:extLst>
           </p:cNvPr>
@@ -28651,8 +28287,44 @@
         </p:blipFill>
         <p:spPr>
           <a:xfrm>
-            <a:off x="4560437" y="1897247"/>
-            <a:ext cx="4575868" cy="4564513"/>
+            <a:off x="3345501" y="2709739"/>
+            <a:ext cx="8545575" cy="1290842"/>
+          </a:xfrm>
+          <a:prstGeom prst="rect">
+            <a:avLst/>
+          </a:prstGeom>
+        </p:spPr>
+      </p:pic>
+      <p:pic>
+        <p:nvPicPr>
+          <p:cNvPr id="10" name="그림 9">
+            <a:extLst>
+              <a:ext uri="{FF2B5EF4-FFF2-40B4-BE49-F238E27FC236}">
+                <a16:creationId xmlns:a16="http://schemas.microsoft.com/office/drawing/2014/main" id="{C49113A1-CA8A-4AD5-B44D-8AF2ECCCA655}"/>
+              </a:ext>
+            </a:extLst>
+          </p:cNvPr>
+          <p:cNvPicPr>
+            <a:picLocks noChangeAspect="1"/>
+          </p:cNvPicPr>
+          <p:nvPr/>
+        </p:nvPicPr>
+        <p:blipFill>
+          <a:blip r:embed="rId3">
+            <a:extLst>
+              <a:ext uri="{28A0092B-C50C-407E-A947-70E740481C1C}">
+                <a14:useLocalDpi xmlns:a14="http://schemas.microsoft.com/office/drawing/2010/main" val="0"/>
+              </a:ext>
+            </a:extLst>
+          </a:blip>
+          <a:stretch>
+            <a:fillRect/>
+          </a:stretch>
+        </p:blipFill>
+        <p:spPr>
+          <a:xfrm>
+            <a:off x="3414363" y="1794735"/>
+            <a:ext cx="8476713" cy="556164"/>
           </a:xfrm>
           <a:prstGeom prst="rect">
             <a:avLst/>
@@ -28662,7 +28334,7 @@
     </p:spTree>
     <p:extLst>
       <p:ext uri="{BB962C8B-B14F-4D97-AF65-F5344CB8AC3E}">
-        <p14:creationId xmlns:p14="http://schemas.microsoft.com/office/powerpoint/2010/main" val="3735564272"/>
+        <p14:creationId xmlns:p14="http://schemas.microsoft.com/office/powerpoint/2010/main" val="2774960422"/>
       </p:ext>
     </p:extLst>
   </p:cSld>
@@ -29308,8 +28980,8 @@
         </p:nvSpPr>
         <p:spPr>
           <a:xfrm>
-            <a:off x="3770575" y="253013"/>
-            <a:ext cx="8746212" cy="523220"/>
+            <a:off x="3746860" y="2008726"/>
+            <a:ext cx="8746212" cy="2492990"/>
           </a:xfrm>
           <a:prstGeom prst="rect">
             <a:avLst/>
@@ -29322,7 +28994,7 @@
           <a:lstStyle/>
           <a:p>
             <a:r>
-              <a:rPr lang="en-US" altLang="ko-KR" sz="2800" b="1" dirty="0">
+              <a:rPr lang="ko-KR" altLang="en-US" sz="5200" b="1" dirty="0">
                 <a:solidFill>
                   <a:srgbClr val="4C5064"/>
                 </a:solidFill>
@@ -29330,22 +29002,64 @@
                 <a:ea typeface="KoPubWorld돋움체_Pro Bold" panose="00000800000000000000" pitchFamily="50" charset="-127"/>
                 <a:cs typeface="KoPubWorld돋움체_Pro Bold" panose="00000800000000000000" pitchFamily="50" charset="-127"/>
               </a:rPr>
-              <a:t>15.4 </a:t>
-            </a:r>
-            <a:r>
-              <a:rPr lang="ko-KR" altLang="en-US" sz="2800" b="1" dirty="0">
-                <a:solidFill>
-                  <a:srgbClr val="4C5064"/>
+              <a:t>최대 공통 부분 수열 구하기</a:t>
+            </a:r>
+            <a:endParaRPr lang="en-US" altLang="ko-KR" sz="5200" b="1" dirty="0">
+              <a:solidFill>
+                <a:srgbClr val="4C5064"/>
+              </a:solidFill>
+              <a:latin typeface="KoPubWorld돋움체_Pro Bold" panose="00000800000000000000" pitchFamily="50" charset="-127"/>
+              <a:ea typeface="KoPubWorld돋움체_Pro Bold" panose="00000800000000000000" pitchFamily="50" charset="-127"/>
+              <a:cs typeface="KoPubWorld돋움체_Pro Bold" panose="00000800000000000000" pitchFamily="50" charset="-127"/>
+            </a:endParaRPr>
+          </a:p>
+          <a:p>
+            <a:endParaRPr lang="en-US" altLang="ko-KR" sz="5200" b="1" dirty="0">
+              <a:solidFill>
+                <a:srgbClr val="4C5064"/>
+              </a:solidFill>
+              <a:latin typeface="KoPubWorld돋움체_Pro Bold" panose="00000800000000000000" pitchFamily="50" charset="-127"/>
+              <a:ea typeface="KoPubWorld돋움체_Pro Bold" panose="00000800000000000000" pitchFamily="50" charset="-127"/>
+              <a:cs typeface="KoPubWorld돋움체_Pro Bold" panose="00000800000000000000" pitchFamily="50" charset="-127"/>
+            </a:endParaRPr>
+          </a:p>
+          <a:p>
+            <a:r>
+              <a:rPr lang="ko-KR" altLang="en-US" sz="5200" b="1" dirty="0">
+                <a:solidFill>
+                  <a:srgbClr val="0070C0"/>
                 </a:solidFill>
                 <a:latin typeface="KoPubWorld돋움체_Pro Bold" panose="00000800000000000000" pitchFamily="50" charset="-127"/>
                 <a:ea typeface="KoPubWorld돋움체_Pro Bold" panose="00000800000000000000" pitchFamily="50" charset="-127"/>
                 <a:cs typeface="KoPubWorld돋움체_Pro Bold" panose="00000800000000000000" pitchFamily="50" charset="-127"/>
               </a:rPr>
-              <a:t>최대 공통 부분 수열</a:t>
-            </a:r>
-            <a:endParaRPr lang="en-US" altLang="ko-KR" sz="2800" b="1" dirty="0">
+              <a:t>단계 </a:t>
+            </a:r>
+            <a:r>
+              <a:rPr lang="en-US" altLang="ko-KR" sz="5200" b="1" dirty="0">
+                <a:solidFill>
+                  <a:srgbClr val="0070C0"/>
+                </a:solidFill>
+                <a:latin typeface="KoPubWorld돋움체_Pro Bold" panose="00000800000000000000" pitchFamily="50" charset="-127"/>
+                <a:ea typeface="KoPubWorld돋움체_Pro Bold" panose="00000800000000000000" pitchFamily="50" charset="-127"/>
+                <a:cs typeface="KoPubWorld돋움체_Pro Bold" panose="00000800000000000000" pitchFamily="50" charset="-127"/>
+              </a:rPr>
+              <a:t>3 : LCS</a:t>
+            </a:r>
+            <a:r>
+              <a:rPr lang="ko-KR" altLang="en-US" sz="5200" b="1" dirty="0">
+                <a:solidFill>
+                  <a:srgbClr val="0070C0"/>
+                </a:solidFill>
+                <a:latin typeface="KoPubWorld돋움체_Pro Bold" panose="00000800000000000000" pitchFamily="50" charset="-127"/>
+                <a:ea typeface="KoPubWorld돋움체_Pro Bold" panose="00000800000000000000" pitchFamily="50" charset="-127"/>
+                <a:cs typeface="KoPubWorld돋움체_Pro Bold" panose="00000800000000000000" pitchFamily="50" charset="-127"/>
+              </a:rPr>
+              <a:t> 길이 계산</a:t>
+            </a:r>
+            <a:endParaRPr lang="en-US" altLang="ko-KR" sz="5200" b="1" dirty="0">
               <a:solidFill>
-                <a:srgbClr val="4C5064"/>
+                <a:srgbClr val="0070C0"/>
               </a:solidFill>
               <a:latin typeface="KoPubWorld돋움체_Pro Bold" panose="00000800000000000000" pitchFamily="50" charset="-127"/>
               <a:ea typeface="KoPubWorld돋움체_Pro Bold" panose="00000800000000000000" pitchFamily="50" charset="-127"/>
@@ -29472,105 +29186,10 @@
           </a:p>
         </p:txBody>
       </p:sp>
-      <p:sp>
-        <p:nvSpPr>
-          <p:cNvPr id="27" name="직사각형 26">
-            <a:extLst>
-              <a:ext uri="{FF2B5EF4-FFF2-40B4-BE49-F238E27FC236}">
-                <a16:creationId xmlns:a16="http://schemas.microsoft.com/office/drawing/2014/main" id="{64D75CE9-6732-4643-A769-90A2B9533434}"/>
-              </a:ext>
-            </a:extLst>
-          </p:cNvPr>
-          <p:cNvSpPr/>
-          <p:nvPr/>
-        </p:nvSpPr>
-        <p:spPr>
-          <a:xfrm>
-            <a:off x="3770575" y="1162915"/>
-            <a:ext cx="8746212" cy="523220"/>
-          </a:xfrm>
-          <a:prstGeom prst="rect">
-            <a:avLst/>
-          </a:prstGeom>
-        </p:spPr>
-        <p:txBody>
-          <a:bodyPr wrap="square">
-            <a:spAutoFit/>
-          </a:bodyPr>
-          <a:lstStyle/>
-          <a:p>
-            <a:r>
-              <a:rPr lang="ko-KR" altLang="en-US" sz="2800" b="1" dirty="0">
-                <a:latin typeface="KoPubWorld돋움체_Pro Bold" panose="00000800000000000000" pitchFamily="50" charset="-127"/>
-                <a:ea typeface="KoPubWorld돋움체_Pro Bold" panose="00000800000000000000" pitchFamily="50" charset="-127"/>
-                <a:cs typeface="KoPubWorld돋움체_Pro Bold" panose="00000800000000000000" pitchFamily="50" charset="-127"/>
-              </a:rPr>
-              <a:t>단계 </a:t>
-            </a:r>
-            <a:r>
-              <a:rPr lang="en-US" altLang="ko-KR" sz="2800" b="1" dirty="0">
-                <a:latin typeface="KoPubWorld돋움체_Pro Bold" panose="00000800000000000000" pitchFamily="50" charset="-127"/>
-                <a:ea typeface="KoPubWorld돋움체_Pro Bold" panose="00000800000000000000" pitchFamily="50" charset="-127"/>
-                <a:cs typeface="KoPubWorld돋움체_Pro Bold" panose="00000800000000000000" pitchFamily="50" charset="-127"/>
-              </a:rPr>
-              <a:t>4 : LCS </a:t>
-            </a:r>
-            <a:r>
-              <a:rPr lang="ko-KR" altLang="en-US" sz="2800" b="1" dirty="0">
-                <a:latin typeface="KoPubWorld돋움체_Pro Bold" panose="00000800000000000000" pitchFamily="50" charset="-127"/>
-                <a:ea typeface="KoPubWorld돋움체_Pro Bold" panose="00000800000000000000" pitchFamily="50" charset="-127"/>
-                <a:cs typeface="KoPubWorld돋움체_Pro Bold" panose="00000800000000000000" pitchFamily="50" charset="-127"/>
-              </a:rPr>
-              <a:t>구성하기</a:t>
-            </a:r>
-            <a:endParaRPr lang="en-US" altLang="ko-KR" sz="2800" b="1" dirty="0">
-              <a:latin typeface="KoPubWorld돋움체_Pro Bold" panose="00000800000000000000" pitchFamily="50" charset="-127"/>
-              <a:ea typeface="KoPubWorld돋움체_Pro Bold" panose="00000800000000000000" pitchFamily="50" charset="-127"/>
-              <a:cs typeface="KoPubWorld돋움체_Pro Bold" panose="00000800000000000000" pitchFamily="50" charset="-127"/>
-            </a:endParaRPr>
-          </a:p>
-        </p:txBody>
-      </p:sp>
-      <p:pic>
-        <p:nvPicPr>
-          <p:cNvPr id="3" name="그림 2">
-            <a:extLst>
-              <a:ext uri="{FF2B5EF4-FFF2-40B4-BE49-F238E27FC236}">
-                <a16:creationId xmlns:a16="http://schemas.microsoft.com/office/drawing/2014/main" id="{B4F7728D-A469-473A-B8BA-8D3C55F61FF0}"/>
-              </a:ext>
-            </a:extLst>
-          </p:cNvPr>
-          <p:cNvPicPr>
-            <a:picLocks noChangeAspect="1"/>
-          </p:cNvPicPr>
-          <p:nvPr/>
-        </p:nvPicPr>
-        <p:blipFill>
-          <a:blip r:embed="rId2">
-            <a:extLst>
-              <a:ext uri="{28A0092B-C50C-407E-A947-70E740481C1C}">
-                <a14:useLocalDpi xmlns:a14="http://schemas.microsoft.com/office/drawing/2010/main" val="0"/>
-              </a:ext>
-            </a:extLst>
-          </a:blip>
-          <a:stretch>
-            <a:fillRect/>
-          </a:stretch>
-        </p:blipFill>
-        <p:spPr>
-          <a:xfrm>
-            <a:off x="3870996" y="1934636"/>
-            <a:ext cx="6418854" cy="4054683"/>
-          </a:xfrm>
-          <a:prstGeom prst="rect">
-            <a:avLst/>
-          </a:prstGeom>
-        </p:spPr>
-      </p:pic>
     </p:spTree>
     <p:extLst>
       <p:ext uri="{BB962C8B-B14F-4D97-AF65-F5344CB8AC3E}">
-        <p14:creationId xmlns:p14="http://schemas.microsoft.com/office/powerpoint/2010/main" val="431944399"/>
+        <p14:creationId xmlns:p14="http://schemas.microsoft.com/office/powerpoint/2010/main" val="682054920"/>
       </p:ext>
     </p:extLst>
   </p:cSld>
@@ -30421,7 +30040,7 @@
                 <a:ea typeface="KoPubWorld돋움체_Pro Bold" panose="00000800000000000000" pitchFamily="50" charset="-127"/>
                 <a:cs typeface="KoPubWorld돋움체_Pro Bold" panose="00000800000000000000" pitchFamily="50" charset="-127"/>
               </a:rPr>
-              <a:t>4 : LCS </a:t>
+              <a:t>3 : LCS</a:t>
             </a:r>
             <a:r>
               <a:rPr lang="ko-KR" altLang="en-US" sz="2800" b="1" dirty="0">
@@ -30429,7 +30048,7 @@
                 <a:ea typeface="KoPubWorld돋움체_Pro Bold" panose="00000800000000000000" pitchFamily="50" charset="-127"/>
                 <a:cs typeface="KoPubWorld돋움체_Pro Bold" panose="00000800000000000000" pitchFamily="50" charset="-127"/>
               </a:rPr>
-              <a:t>구성하기</a:t>
+              <a:t>의 길이 계산</a:t>
             </a:r>
             <a:endParaRPr lang="en-US" altLang="ko-KR" sz="2800" b="1" dirty="0">
               <a:latin typeface="KoPubWorld돋움체_Pro Bold" panose="00000800000000000000" pitchFamily="50" charset="-127"/>
@@ -30441,10 +30060,10 @@
       </p:sp>
       <p:pic>
         <p:nvPicPr>
-          <p:cNvPr id="6" name="그림 5">
+          <p:cNvPr id="3" name="그림 2">
             <a:extLst>
               <a:ext uri="{FF2B5EF4-FFF2-40B4-BE49-F238E27FC236}">
-                <a16:creationId xmlns:a16="http://schemas.microsoft.com/office/drawing/2014/main" id="{C98F15D5-CA8C-4035-BF6C-B2EBA3D07898}"/>
+                <a16:creationId xmlns:a16="http://schemas.microsoft.com/office/drawing/2014/main" id="{C25CF207-7E76-4BA0-93E2-0404928C5A42}"/>
               </a:ext>
             </a:extLst>
           </p:cNvPr>
@@ -30467,8 +30086,8 @@
         </p:blipFill>
         <p:spPr>
           <a:xfrm>
-            <a:off x="4487665" y="1805807"/>
-            <a:ext cx="4938425" cy="4926170"/>
+            <a:off x="3897439" y="1569558"/>
+            <a:ext cx="6069516" cy="5133317"/>
           </a:xfrm>
           <a:prstGeom prst="rect">
             <a:avLst/>
@@ -30478,7 +30097,7 @@
     </p:spTree>
     <p:extLst>
       <p:ext uri="{BB962C8B-B14F-4D97-AF65-F5344CB8AC3E}">
-        <p14:creationId xmlns:p14="http://schemas.microsoft.com/office/powerpoint/2010/main" val="3860913894"/>
+        <p14:creationId xmlns:p14="http://schemas.microsoft.com/office/powerpoint/2010/main" val="345859536"/>
       </p:ext>
     </p:extLst>
   </p:cSld>
@@ -31321,7 +30940,23 @@
                 <a:ea typeface="KoPubWorld돋움체_Pro Bold" panose="00000800000000000000" pitchFamily="50" charset="-127"/>
                 <a:cs typeface="KoPubWorld돋움체_Pro Bold" panose="00000800000000000000" pitchFamily="50" charset="-127"/>
               </a:rPr>
-              <a:t>코드 향상시키기</a:t>
+              <a:t>단계 </a:t>
+            </a:r>
+            <a:r>
+              <a:rPr lang="en-US" altLang="ko-KR" sz="2800" b="1" dirty="0">
+                <a:latin typeface="KoPubWorld돋움체_Pro Bold" panose="00000800000000000000" pitchFamily="50" charset="-127"/>
+                <a:ea typeface="KoPubWorld돋움체_Pro Bold" panose="00000800000000000000" pitchFamily="50" charset="-127"/>
+                <a:cs typeface="KoPubWorld돋움체_Pro Bold" panose="00000800000000000000" pitchFamily="50" charset="-127"/>
+              </a:rPr>
+              <a:t>3 : LCS</a:t>
+            </a:r>
+            <a:r>
+              <a:rPr lang="ko-KR" altLang="en-US" sz="2800" b="1" dirty="0">
+                <a:latin typeface="KoPubWorld돋움체_Pro Bold" panose="00000800000000000000" pitchFamily="50" charset="-127"/>
+                <a:ea typeface="KoPubWorld돋움체_Pro Bold" panose="00000800000000000000" pitchFamily="50" charset="-127"/>
+                <a:cs typeface="KoPubWorld돋움체_Pro Bold" panose="00000800000000000000" pitchFamily="50" charset="-127"/>
+              </a:rPr>
+              <a:t>의 길이 계산</a:t>
             </a:r>
             <a:endParaRPr lang="en-US" altLang="ko-KR" sz="2800" b="1" dirty="0">
               <a:latin typeface="KoPubWorld돋움체_Pro Bold" panose="00000800000000000000" pitchFamily="50" charset="-127"/>
@@ -31333,10 +30968,10 @@
       </p:sp>
       <p:pic>
         <p:nvPicPr>
-          <p:cNvPr id="3" name="그림 2">
+          <p:cNvPr id="6" name="그림 5">
             <a:extLst>
               <a:ext uri="{FF2B5EF4-FFF2-40B4-BE49-F238E27FC236}">
-                <a16:creationId xmlns:a16="http://schemas.microsoft.com/office/drawing/2014/main" id="{B088DE2D-7613-4A69-8B92-1DB1DE7C6E73}"/>
+                <a16:creationId xmlns:a16="http://schemas.microsoft.com/office/drawing/2014/main" id="{7309BD27-F83F-46EE-87D4-67F0A7F264AF}"/>
               </a:ext>
             </a:extLst>
           </p:cNvPr>
@@ -31359,44 +30994,8 @@
         </p:blipFill>
         <p:spPr>
           <a:xfrm>
-            <a:off x="3708691" y="2133063"/>
-            <a:ext cx="3270318" cy="3262203"/>
-          </a:xfrm>
-          <a:prstGeom prst="rect">
-            <a:avLst/>
-          </a:prstGeom>
-        </p:spPr>
-      </p:pic>
-      <p:pic>
-        <p:nvPicPr>
-          <p:cNvPr id="8" name="그림 7">
-            <a:extLst>
-              <a:ext uri="{FF2B5EF4-FFF2-40B4-BE49-F238E27FC236}">
-                <a16:creationId xmlns:a16="http://schemas.microsoft.com/office/drawing/2014/main" id="{BB78407A-D18A-4202-B154-47E27A77DFF8}"/>
-              </a:ext>
-            </a:extLst>
-          </p:cNvPr>
-          <p:cNvPicPr>
-            <a:picLocks noChangeAspect="1"/>
-          </p:cNvPicPr>
-          <p:nvPr/>
-        </p:nvPicPr>
-        <p:blipFill>
-          <a:blip r:embed="rId3">
-            <a:extLst>
-              <a:ext uri="{28A0092B-C50C-407E-A947-70E740481C1C}">
-                <a14:useLocalDpi xmlns:a14="http://schemas.microsoft.com/office/drawing/2010/main" val="0"/>
-              </a:ext>
-            </a:extLst>
-          </a:blip>
-          <a:stretch>
-            <a:fillRect/>
-          </a:stretch>
-        </p:blipFill>
-        <p:spPr>
-          <a:xfrm>
-            <a:off x="8401506" y="3255220"/>
-            <a:ext cx="2940109" cy="1286299"/>
+            <a:off x="4560437" y="1897247"/>
+            <a:ext cx="4575868" cy="4564513"/>
           </a:xfrm>
           <a:prstGeom prst="rect">
             <a:avLst/>
@@ -31406,7 +31005,7 @@
     </p:spTree>
     <p:extLst>
       <p:ext uri="{BB962C8B-B14F-4D97-AF65-F5344CB8AC3E}">
-        <p14:creationId xmlns:p14="http://schemas.microsoft.com/office/powerpoint/2010/main" val="1052011482"/>
+        <p14:creationId xmlns:p14="http://schemas.microsoft.com/office/powerpoint/2010/main" val="3735564272"/>
       </p:ext>
     </p:extLst>
   </p:cSld>
@@ -32052,8 +31651,8 @@
         </p:nvSpPr>
         <p:spPr>
           <a:xfrm>
-            <a:off x="3770575" y="253013"/>
-            <a:ext cx="8746212" cy="523220"/>
+            <a:off x="3746860" y="2008726"/>
+            <a:ext cx="8746212" cy="2492990"/>
           </a:xfrm>
           <a:prstGeom prst="rect">
             <a:avLst/>
@@ -32066,7 +31665,7 @@
           <a:lstStyle/>
           <a:p>
             <a:r>
-              <a:rPr lang="en-US" altLang="ko-KR" sz="2800" b="1" dirty="0">
+              <a:rPr lang="ko-KR" altLang="en-US" sz="5200" b="1" dirty="0">
                 <a:solidFill>
                   <a:srgbClr val="4C5064"/>
                 </a:solidFill>
@@ -32074,22 +31673,64 @@
                 <a:ea typeface="KoPubWorld돋움체_Pro Bold" panose="00000800000000000000" pitchFamily="50" charset="-127"/>
                 <a:cs typeface="KoPubWorld돋움체_Pro Bold" panose="00000800000000000000" pitchFamily="50" charset="-127"/>
               </a:rPr>
-              <a:t>15.4 </a:t>
-            </a:r>
-            <a:r>
-              <a:rPr lang="ko-KR" altLang="en-US" sz="2800" b="1" dirty="0">
-                <a:solidFill>
-                  <a:srgbClr val="4C5064"/>
+              <a:t>최대 공통 부분 수열 구하기</a:t>
+            </a:r>
+            <a:endParaRPr lang="en-US" altLang="ko-KR" sz="5200" b="1" dirty="0">
+              <a:solidFill>
+                <a:srgbClr val="4C5064"/>
+              </a:solidFill>
+              <a:latin typeface="KoPubWorld돋움체_Pro Bold" panose="00000800000000000000" pitchFamily="50" charset="-127"/>
+              <a:ea typeface="KoPubWorld돋움체_Pro Bold" panose="00000800000000000000" pitchFamily="50" charset="-127"/>
+              <a:cs typeface="KoPubWorld돋움체_Pro Bold" panose="00000800000000000000" pitchFamily="50" charset="-127"/>
+            </a:endParaRPr>
+          </a:p>
+          <a:p>
+            <a:endParaRPr lang="en-US" altLang="ko-KR" sz="5200" b="1" dirty="0">
+              <a:solidFill>
+                <a:srgbClr val="4C5064"/>
+              </a:solidFill>
+              <a:latin typeface="KoPubWorld돋움체_Pro Bold" panose="00000800000000000000" pitchFamily="50" charset="-127"/>
+              <a:ea typeface="KoPubWorld돋움체_Pro Bold" panose="00000800000000000000" pitchFamily="50" charset="-127"/>
+              <a:cs typeface="KoPubWorld돋움체_Pro Bold" panose="00000800000000000000" pitchFamily="50" charset="-127"/>
+            </a:endParaRPr>
+          </a:p>
+          <a:p>
+            <a:r>
+              <a:rPr lang="ko-KR" altLang="en-US" sz="5200" b="1" dirty="0">
+                <a:solidFill>
+                  <a:srgbClr val="0070C0"/>
                 </a:solidFill>
                 <a:latin typeface="KoPubWorld돋움체_Pro Bold" panose="00000800000000000000" pitchFamily="50" charset="-127"/>
                 <a:ea typeface="KoPubWorld돋움체_Pro Bold" panose="00000800000000000000" pitchFamily="50" charset="-127"/>
                 <a:cs typeface="KoPubWorld돋움체_Pro Bold" panose="00000800000000000000" pitchFamily="50" charset="-127"/>
               </a:rPr>
-              <a:t>최대 공통 부분 수열</a:t>
-            </a:r>
-            <a:endParaRPr lang="en-US" altLang="ko-KR" sz="2800" b="1" dirty="0">
+              <a:t>단계 </a:t>
+            </a:r>
+            <a:r>
+              <a:rPr lang="en-US" altLang="ko-KR" sz="5200" b="1" dirty="0">
+                <a:solidFill>
+                  <a:srgbClr val="0070C0"/>
+                </a:solidFill>
+                <a:latin typeface="KoPubWorld돋움체_Pro Bold" panose="00000800000000000000" pitchFamily="50" charset="-127"/>
+                <a:ea typeface="KoPubWorld돋움체_Pro Bold" panose="00000800000000000000" pitchFamily="50" charset="-127"/>
+                <a:cs typeface="KoPubWorld돋움체_Pro Bold" panose="00000800000000000000" pitchFamily="50" charset="-127"/>
+              </a:rPr>
+              <a:t>4 : LCS</a:t>
+            </a:r>
+            <a:r>
+              <a:rPr lang="ko-KR" altLang="en-US" sz="5200" b="1" dirty="0">
+                <a:solidFill>
+                  <a:srgbClr val="0070C0"/>
+                </a:solidFill>
+                <a:latin typeface="KoPubWorld돋움체_Pro Bold" panose="00000800000000000000" pitchFamily="50" charset="-127"/>
+                <a:ea typeface="KoPubWorld돋움체_Pro Bold" panose="00000800000000000000" pitchFamily="50" charset="-127"/>
+                <a:cs typeface="KoPubWorld돋움체_Pro Bold" panose="00000800000000000000" pitchFamily="50" charset="-127"/>
+              </a:rPr>
+              <a:t> 구성하기</a:t>
+            </a:r>
+            <a:endParaRPr lang="en-US" altLang="ko-KR" sz="5200" b="1" dirty="0">
               <a:solidFill>
-                <a:srgbClr val="4C5064"/>
+                <a:srgbClr val="0070C0"/>
               </a:solidFill>
               <a:latin typeface="KoPubWorld돋움체_Pro Bold" panose="00000800000000000000" pitchFamily="50" charset="-127"/>
               <a:ea typeface="KoPubWorld돋움체_Pro Bold" panose="00000800000000000000" pitchFamily="50" charset="-127"/>
@@ -32216,221 +31857,10 @@
           </a:p>
         </p:txBody>
       </p:sp>
-      <p:sp>
-        <p:nvSpPr>
-          <p:cNvPr id="27" name="직사각형 26">
-            <a:extLst>
-              <a:ext uri="{FF2B5EF4-FFF2-40B4-BE49-F238E27FC236}">
-                <a16:creationId xmlns:a16="http://schemas.microsoft.com/office/drawing/2014/main" id="{64D75CE9-6732-4643-A769-90A2B9533434}"/>
-              </a:ext>
-            </a:extLst>
-          </p:cNvPr>
-          <p:cNvSpPr/>
-          <p:nvPr/>
-        </p:nvSpPr>
-        <p:spPr>
-          <a:xfrm>
-            <a:off x="3770575" y="1162915"/>
-            <a:ext cx="8746212" cy="523220"/>
-          </a:xfrm>
-          <a:prstGeom prst="rect">
-            <a:avLst/>
-          </a:prstGeom>
-        </p:spPr>
-        <p:txBody>
-          <a:bodyPr wrap="square">
-            <a:spAutoFit/>
-          </a:bodyPr>
-          <a:lstStyle/>
-          <a:p>
-            <a:r>
-              <a:rPr lang="ko-KR" altLang="en-US" sz="2800" b="1" dirty="0">
-                <a:latin typeface="KoPubWorld돋움체_Pro Bold" panose="00000800000000000000" pitchFamily="50" charset="-127"/>
-                <a:ea typeface="KoPubWorld돋움체_Pro Bold" panose="00000800000000000000" pitchFamily="50" charset="-127"/>
-                <a:cs typeface="KoPubWorld돋움체_Pro Bold" panose="00000800000000000000" pitchFamily="50" charset="-127"/>
-              </a:rPr>
-              <a:t>코드 향상시키기</a:t>
-            </a:r>
-            <a:endParaRPr lang="en-US" altLang="ko-KR" sz="2800" b="1" dirty="0">
-              <a:latin typeface="KoPubWorld돋움체_Pro Bold" panose="00000800000000000000" pitchFamily="50" charset="-127"/>
-              <a:ea typeface="KoPubWorld돋움체_Pro Bold" panose="00000800000000000000" pitchFamily="50" charset="-127"/>
-              <a:cs typeface="KoPubWorld돋움체_Pro Bold" panose="00000800000000000000" pitchFamily="50" charset="-127"/>
-            </a:endParaRPr>
-          </a:p>
-        </p:txBody>
-      </p:sp>
-      <p:pic>
-        <p:nvPicPr>
-          <p:cNvPr id="3" name="그림 2">
-            <a:extLst>
-              <a:ext uri="{FF2B5EF4-FFF2-40B4-BE49-F238E27FC236}">
-                <a16:creationId xmlns:a16="http://schemas.microsoft.com/office/drawing/2014/main" id="{B088DE2D-7613-4A69-8B92-1DB1DE7C6E73}"/>
-              </a:ext>
-            </a:extLst>
-          </p:cNvPr>
-          <p:cNvPicPr>
-            <a:picLocks noChangeAspect="1"/>
-          </p:cNvPicPr>
-          <p:nvPr/>
-        </p:nvPicPr>
-        <p:blipFill>
-          <a:blip r:embed="rId2">
-            <a:extLst>
-              <a:ext uri="{28A0092B-C50C-407E-A947-70E740481C1C}">
-                <a14:useLocalDpi xmlns:a14="http://schemas.microsoft.com/office/drawing/2010/main" val="0"/>
-              </a:ext>
-            </a:extLst>
-          </a:blip>
-          <a:stretch>
-            <a:fillRect/>
-          </a:stretch>
-        </p:blipFill>
-        <p:spPr>
-          <a:xfrm>
-            <a:off x="3746859" y="1659609"/>
-            <a:ext cx="5275207" cy="5262117"/>
-          </a:xfrm>
-          <a:prstGeom prst="rect">
-            <a:avLst/>
-          </a:prstGeom>
-        </p:spPr>
-      </p:pic>
-      <p:sp>
-        <p:nvSpPr>
-          <p:cNvPr id="2" name="직사각형 1">
-            <a:extLst>
-              <a:ext uri="{FF2B5EF4-FFF2-40B4-BE49-F238E27FC236}">
-                <a16:creationId xmlns:a16="http://schemas.microsoft.com/office/drawing/2014/main" id="{DDD335F0-5920-4BB3-9F58-3BB2B7BC71E9}"/>
-              </a:ext>
-            </a:extLst>
-          </p:cNvPr>
-          <p:cNvSpPr/>
-          <p:nvPr/>
-        </p:nvSpPr>
-        <p:spPr>
-          <a:xfrm>
-            <a:off x="4946194" y="2743369"/>
-            <a:ext cx="1173480" cy="1283563"/>
-          </a:xfrm>
-          <a:prstGeom prst="rect">
-            <a:avLst/>
-          </a:prstGeom>
-          <a:noFill/>
-          <a:ln w="76200"/>
-        </p:spPr>
-        <p:style>
-          <a:lnRef idx="2">
-            <a:schemeClr val="accent6"/>
-          </a:lnRef>
-          <a:fillRef idx="1">
-            <a:schemeClr val="lt1"/>
-          </a:fillRef>
-          <a:effectRef idx="0">
-            <a:schemeClr val="accent6"/>
-          </a:effectRef>
-          <a:fontRef idx="minor">
-            <a:schemeClr val="dk1"/>
-          </a:fontRef>
-        </p:style>
-        <p:txBody>
-          <a:bodyPr rtlCol="0" anchor="ctr"/>
-          <a:lstStyle/>
-          <a:p>
-            <a:pPr algn="ctr"/>
-            <a:endParaRPr lang="ko-KR" altLang="en-US">
-              <a:noFill/>
-            </a:endParaRPr>
-          </a:p>
-        </p:txBody>
-      </p:sp>
-      <p:sp>
-        <p:nvSpPr>
-          <p:cNvPr id="18" name="직사각형 17">
-            <a:extLst>
-              <a:ext uri="{FF2B5EF4-FFF2-40B4-BE49-F238E27FC236}">
-                <a16:creationId xmlns:a16="http://schemas.microsoft.com/office/drawing/2014/main" id="{AF6CD686-8D41-4F6F-9B7B-94AA645D59E1}"/>
-              </a:ext>
-            </a:extLst>
-          </p:cNvPr>
-          <p:cNvSpPr/>
-          <p:nvPr/>
-        </p:nvSpPr>
-        <p:spPr>
-          <a:xfrm>
-            <a:off x="5835697" y="3671455"/>
-            <a:ext cx="1173480" cy="1283563"/>
-          </a:xfrm>
-          <a:prstGeom prst="rect">
-            <a:avLst/>
-          </a:prstGeom>
-          <a:noFill/>
-          <a:ln w="76200"/>
-        </p:spPr>
-        <p:style>
-          <a:lnRef idx="2">
-            <a:schemeClr val="accent6"/>
-          </a:lnRef>
-          <a:fillRef idx="1">
-            <a:schemeClr val="lt1"/>
-          </a:fillRef>
-          <a:effectRef idx="0">
-            <a:schemeClr val="accent6"/>
-          </a:effectRef>
-          <a:fontRef idx="minor">
-            <a:schemeClr val="dk1"/>
-          </a:fontRef>
-        </p:style>
-        <p:txBody>
-          <a:bodyPr rtlCol="0" anchor="ctr"/>
-          <a:lstStyle/>
-          <a:p>
-            <a:pPr algn="ctr"/>
-            <a:endParaRPr lang="ko-KR" altLang="en-US">
-              <a:noFill/>
-            </a:endParaRPr>
-          </a:p>
-        </p:txBody>
-      </p:sp>
-      <p:pic>
-        <p:nvPicPr>
-          <p:cNvPr id="7" name="그림 6" descr="개체, 시계이(가) 표시된 사진&#10;&#10;자동 생성된 설명">
-            <a:extLst>
-              <a:ext uri="{FF2B5EF4-FFF2-40B4-BE49-F238E27FC236}">
-                <a16:creationId xmlns:a16="http://schemas.microsoft.com/office/drawing/2014/main" id="{E125B57A-5CFD-4B85-847D-9366C4EBE4F2}"/>
-              </a:ext>
-            </a:extLst>
-          </p:cNvPr>
-          <p:cNvPicPr>
-            <a:picLocks noChangeAspect="1"/>
-          </p:cNvPicPr>
-          <p:nvPr/>
-        </p:nvPicPr>
-        <p:blipFill>
-          <a:blip r:embed="rId3">
-            <a:extLst>
-              <a:ext uri="{28A0092B-C50C-407E-A947-70E740481C1C}">
-                <a14:useLocalDpi xmlns:a14="http://schemas.microsoft.com/office/drawing/2010/main" val="0"/>
-              </a:ext>
-            </a:extLst>
-          </a:blip>
-          <a:stretch>
-            <a:fillRect/>
-          </a:stretch>
-        </p:blipFill>
-        <p:spPr>
-          <a:xfrm>
-            <a:off x="8471323" y="3671455"/>
-            <a:ext cx="3500156" cy="1027219"/>
-          </a:xfrm>
-          <a:prstGeom prst="rect">
-            <a:avLst/>
-          </a:prstGeom>
-        </p:spPr>
-      </p:pic>
     </p:spTree>
     <p:extLst>
       <p:ext uri="{BB962C8B-B14F-4D97-AF65-F5344CB8AC3E}">
-        <p14:creationId xmlns:p14="http://schemas.microsoft.com/office/powerpoint/2010/main" val="3307177780"/>
+        <p14:creationId xmlns:p14="http://schemas.microsoft.com/office/powerpoint/2010/main" val="22723325"/>
       </p:ext>
     </p:extLst>
   </p:cSld>
@@ -33254,8 +32684,8 @@
         </p:nvSpPr>
         <p:spPr>
           <a:xfrm>
-            <a:off x="6126515" y="2841179"/>
-            <a:ext cx="3372366" cy="1631216"/>
+            <a:off x="3770575" y="1162915"/>
+            <a:ext cx="8746212" cy="523220"/>
           </a:xfrm>
           <a:prstGeom prst="rect">
             <a:avLst/>
@@ -33267,20 +32697,3786 @@
           </a:bodyPr>
           <a:lstStyle/>
           <a:p>
-            <a:pPr algn="ctr"/>
-            <a:r>
-              <a:rPr lang="ko-KR" altLang="en-US" sz="10000" b="1" dirty="0">
+            <a:r>
+              <a:rPr lang="ko-KR" altLang="en-US" sz="2800" b="1" dirty="0">
                 <a:latin typeface="KoPubWorld돋움체_Pro Bold" panose="00000800000000000000" pitchFamily="50" charset="-127"/>
                 <a:ea typeface="KoPubWorld돋움체_Pro Bold" panose="00000800000000000000" pitchFamily="50" charset="-127"/>
                 <a:cs typeface="KoPubWorld돋움체_Pro Bold" panose="00000800000000000000" pitchFamily="50" charset="-127"/>
               </a:rPr>
-              <a:t>끝</a:t>
-            </a:r>
-            <a:endParaRPr lang="en-US" altLang="ko-KR" sz="10000" b="1" dirty="0">
+              <a:t>단계 </a:t>
+            </a:r>
+            <a:r>
+              <a:rPr lang="en-US" altLang="ko-KR" sz="2800" b="1" dirty="0">
+                <a:latin typeface="KoPubWorld돋움체_Pro Bold" panose="00000800000000000000" pitchFamily="50" charset="-127"/>
+                <a:ea typeface="KoPubWorld돋움체_Pro Bold" panose="00000800000000000000" pitchFamily="50" charset="-127"/>
+                <a:cs typeface="KoPubWorld돋움체_Pro Bold" panose="00000800000000000000" pitchFamily="50" charset="-127"/>
+              </a:rPr>
+              <a:t>4 : LCS </a:t>
+            </a:r>
+            <a:r>
+              <a:rPr lang="ko-KR" altLang="en-US" sz="2800" b="1" dirty="0">
+                <a:latin typeface="KoPubWorld돋움체_Pro Bold" panose="00000800000000000000" pitchFamily="50" charset="-127"/>
+                <a:ea typeface="KoPubWorld돋움체_Pro Bold" panose="00000800000000000000" pitchFamily="50" charset="-127"/>
+                <a:cs typeface="KoPubWorld돋움체_Pro Bold" panose="00000800000000000000" pitchFamily="50" charset="-127"/>
+              </a:rPr>
+              <a:t>구성하기</a:t>
+            </a:r>
+            <a:endParaRPr lang="en-US" altLang="ko-KR" sz="2800" b="1" dirty="0">
               <a:latin typeface="KoPubWorld돋움체_Pro Bold" panose="00000800000000000000" pitchFamily="50" charset="-127"/>
               <a:ea typeface="KoPubWorld돋움체_Pro Bold" panose="00000800000000000000" pitchFamily="50" charset="-127"/>
               <a:cs typeface="KoPubWorld돋움체_Pro Bold" panose="00000800000000000000" pitchFamily="50" charset="-127"/>
             </a:endParaRPr>
+          </a:p>
+        </p:txBody>
+      </p:sp>
+      <p:pic>
+        <p:nvPicPr>
+          <p:cNvPr id="3" name="그림 2">
+            <a:extLst>
+              <a:ext uri="{FF2B5EF4-FFF2-40B4-BE49-F238E27FC236}">
+                <a16:creationId xmlns:a16="http://schemas.microsoft.com/office/drawing/2014/main" id="{B4F7728D-A469-473A-B8BA-8D3C55F61FF0}"/>
+              </a:ext>
+            </a:extLst>
+          </p:cNvPr>
+          <p:cNvPicPr>
+            <a:picLocks noChangeAspect="1"/>
+          </p:cNvPicPr>
+          <p:nvPr/>
+        </p:nvPicPr>
+        <p:blipFill>
+          <a:blip r:embed="rId2">
+            <a:extLst>
+              <a:ext uri="{28A0092B-C50C-407E-A947-70E740481C1C}">
+                <a14:useLocalDpi xmlns:a14="http://schemas.microsoft.com/office/drawing/2010/main" val="0"/>
+              </a:ext>
+            </a:extLst>
+          </a:blip>
+          <a:stretch>
+            <a:fillRect/>
+          </a:stretch>
+        </p:blipFill>
+        <p:spPr>
+          <a:xfrm>
+            <a:off x="3870996" y="1934636"/>
+            <a:ext cx="6418854" cy="4054683"/>
+          </a:xfrm>
+          <a:prstGeom prst="rect">
+            <a:avLst/>
+          </a:prstGeom>
+        </p:spPr>
+      </p:pic>
+    </p:spTree>
+    <p:extLst>
+      <p:ext uri="{BB962C8B-B14F-4D97-AF65-F5344CB8AC3E}">
+        <p14:creationId xmlns:p14="http://schemas.microsoft.com/office/powerpoint/2010/main" val="431944399"/>
+      </p:ext>
+    </p:extLst>
+  </p:cSld>
+  <p:clrMapOvr>
+    <a:masterClrMapping/>
+  </p:clrMapOvr>
+</p:sld>
+</file>
+
+<file path=ppt/slides/slide36.xml><?xml version="1.0" encoding="utf-8"?>
+<p:sld xmlns:a="http://schemas.openxmlformats.org/drawingml/2006/main" xmlns:r="http://schemas.openxmlformats.org/officeDocument/2006/relationships" xmlns:p="http://schemas.openxmlformats.org/presentationml/2006/main">
+  <p:cSld>
+    <p:spTree>
+      <p:nvGrpSpPr>
+        <p:cNvPr id="1" name=""/>
+        <p:cNvGrpSpPr/>
+        <p:nvPr/>
+      </p:nvGrpSpPr>
+      <p:grpSpPr>
+        <a:xfrm>
+          <a:off x="0" y="0"/>
+          <a:ext cx="0" cy="0"/>
+          <a:chOff x="0" y="0"/>
+          <a:chExt cx="0" cy="0"/>
+        </a:xfrm>
+      </p:grpSpPr>
+      <p:cxnSp>
+        <p:nvCxnSpPr>
+          <p:cNvPr id="5" name="직선 연결선 4"/>
+          <p:cNvCxnSpPr>
+            <a:cxnSpLocks/>
+          </p:cNvCxnSpPr>
+          <p:nvPr/>
+        </p:nvCxnSpPr>
+        <p:spPr>
+          <a:xfrm>
+            <a:off x="2857355" y="3155151"/>
+            <a:ext cx="0" cy="795412"/>
+          </a:xfrm>
+          <a:prstGeom prst="line">
+            <a:avLst/>
+          </a:prstGeom>
+          <a:ln>
+            <a:solidFill>
+              <a:schemeClr val="bg2">
+                <a:lumMod val="75000"/>
+              </a:schemeClr>
+            </a:solidFill>
+          </a:ln>
+        </p:spPr>
+        <p:style>
+          <a:lnRef idx="1">
+            <a:schemeClr val="accent1"/>
+          </a:lnRef>
+          <a:fillRef idx="0">
+            <a:schemeClr val="accent1"/>
+          </a:fillRef>
+          <a:effectRef idx="0">
+            <a:schemeClr val="accent1"/>
+          </a:effectRef>
+          <a:fontRef idx="minor">
+            <a:schemeClr val="tx1"/>
+          </a:fontRef>
+        </p:style>
+      </p:cxnSp>
+      <p:grpSp>
+        <p:nvGrpSpPr>
+          <p:cNvPr id="4" name="그룹 3"/>
+          <p:cNvGrpSpPr/>
+          <p:nvPr/>
+        </p:nvGrpSpPr>
+        <p:grpSpPr>
+          <a:xfrm>
+            <a:off x="8159" y="0"/>
+            <a:ext cx="3997833" cy="2841179"/>
+            <a:chOff x="6061526" y="-6350"/>
+            <a:chExt cx="3663949" cy="2292349"/>
+          </a:xfrm>
+        </p:grpSpPr>
+        <p:sp>
+          <p:nvSpPr>
+            <p:cNvPr id="26" name="자유형 25"/>
+            <p:cNvSpPr/>
+            <p:nvPr/>
+          </p:nvSpPr>
+          <p:spPr>
+            <a:xfrm flipV="1">
+              <a:off x="9250495" y="-6350"/>
+              <a:ext cx="474980" cy="464409"/>
+            </a:xfrm>
+            <a:custGeom>
+              <a:avLst/>
+              <a:gdLst>
+                <a:gd name="connsiteX0" fmla="*/ 415242 w 474980"/>
+                <a:gd name="connsiteY0" fmla="*/ 464409 h 464409"/>
+                <a:gd name="connsiteX1" fmla="*/ 466685 w 474980"/>
+                <a:gd name="connsiteY1" fmla="*/ 464409 h 464409"/>
+                <a:gd name="connsiteX2" fmla="*/ 463920 w 474980"/>
+                <a:gd name="connsiteY2" fmla="*/ 458059 h 464409"/>
+                <a:gd name="connsiteX3" fmla="*/ 474980 w 474980"/>
+                <a:gd name="connsiteY3" fmla="*/ 458059 h 464409"/>
+                <a:gd name="connsiteX4" fmla="*/ 462181 w 474980"/>
+                <a:gd name="connsiteY4" fmla="*/ 454066 h 464409"/>
+                <a:gd name="connsiteX5" fmla="*/ 264460 w 474980"/>
+                <a:gd name="connsiteY5" fmla="*/ 0 h 464409"/>
+                <a:gd name="connsiteX6" fmla="*/ 0 w 474980"/>
+                <a:gd name="connsiteY6" fmla="*/ 458059 h 464409"/>
+                <a:gd name="connsiteX7" fmla="*/ 395329 w 474980"/>
+                <a:gd name="connsiteY7" fmla="*/ 458059 h 464409"/>
+              </a:gdLst>
+              <a:ahLst/>
+              <a:cxnLst>
+                <a:cxn ang="0">
+                  <a:pos x="connsiteX0" y="connsiteY0"/>
+                </a:cxn>
+                <a:cxn ang="0">
+                  <a:pos x="connsiteX1" y="connsiteY1"/>
+                </a:cxn>
+                <a:cxn ang="0">
+                  <a:pos x="connsiteX2" y="connsiteY2"/>
+                </a:cxn>
+                <a:cxn ang="0">
+                  <a:pos x="connsiteX3" y="connsiteY3"/>
+                </a:cxn>
+                <a:cxn ang="0">
+                  <a:pos x="connsiteX4" y="connsiteY4"/>
+                </a:cxn>
+                <a:cxn ang="0">
+                  <a:pos x="connsiteX5" y="connsiteY5"/>
+                </a:cxn>
+                <a:cxn ang="0">
+                  <a:pos x="connsiteX6" y="connsiteY6"/>
+                </a:cxn>
+                <a:cxn ang="0">
+                  <a:pos x="connsiteX7" y="connsiteY7"/>
+                </a:cxn>
+              </a:cxnLst>
+              <a:rect l="l" t="t" r="r" b="b"/>
+              <a:pathLst>
+                <a:path w="474980" h="464409">
+                  <a:moveTo>
+                    <a:pt x="415242" y="464409"/>
+                  </a:moveTo>
+                  <a:lnTo>
+                    <a:pt x="466685" y="464409"/>
+                  </a:lnTo>
+                  <a:lnTo>
+                    <a:pt x="463920" y="458059"/>
+                  </a:lnTo>
+                  <a:lnTo>
+                    <a:pt x="474980" y="458059"/>
+                  </a:lnTo>
+                  <a:lnTo>
+                    <a:pt x="462181" y="454066"/>
+                  </a:lnTo>
+                  <a:lnTo>
+                    <a:pt x="264460" y="0"/>
+                  </a:lnTo>
+                  <a:lnTo>
+                    <a:pt x="0" y="458059"/>
+                  </a:lnTo>
+                  <a:lnTo>
+                    <a:pt x="395329" y="458059"/>
+                  </a:lnTo>
+                  <a:close/>
+                </a:path>
+              </a:pathLst>
+            </a:custGeom>
+            <a:solidFill>
+              <a:srgbClr val="FFC000"/>
+            </a:solidFill>
+            <a:ln>
+              <a:noFill/>
+            </a:ln>
+          </p:spPr>
+          <p:style>
+            <a:lnRef idx="2">
+              <a:schemeClr val="accent1">
+                <a:shade val="50000"/>
+              </a:schemeClr>
+            </a:lnRef>
+            <a:fillRef idx="1">
+              <a:schemeClr val="accent1"/>
+            </a:fillRef>
+            <a:effectRef idx="0">
+              <a:schemeClr val="accent1"/>
+            </a:effectRef>
+            <a:fontRef idx="minor">
+              <a:schemeClr val="lt1"/>
+            </a:fontRef>
+          </p:style>
+          <p:txBody>
+            <a:bodyPr wrap="square" rtlCol="0" anchor="ctr">
+              <a:noAutofit/>
+            </a:bodyPr>
+            <a:lstStyle/>
+            <a:p>
+              <a:pPr algn="ctr"/>
+              <a:endParaRPr lang="ko-KR" altLang="en-US"/>
+            </a:p>
+          </p:txBody>
+        </p:sp>
+        <p:sp>
+          <p:nvSpPr>
+            <p:cNvPr id="14" name="자유형 13"/>
+            <p:cNvSpPr/>
+            <p:nvPr/>
+          </p:nvSpPr>
+          <p:spPr>
+            <a:xfrm flipV="1">
+              <a:off x="6061526" y="0"/>
+              <a:ext cx="3430733" cy="1916145"/>
+            </a:xfrm>
+            <a:custGeom>
+              <a:avLst/>
+              <a:gdLst>
+                <a:gd name="connsiteX0" fmla="*/ 0 w 3430733"/>
+                <a:gd name="connsiteY0" fmla="*/ 1916145 h 1916145"/>
+                <a:gd name="connsiteX1" fmla="*/ 3136179 w 3430733"/>
+                <a:gd name="connsiteY1" fmla="*/ 1916145 h 1916145"/>
+                <a:gd name="connsiteX2" fmla="*/ 3430733 w 3430733"/>
+                <a:gd name="connsiteY2" fmla="*/ 1405963 h 1916145"/>
+                <a:gd name="connsiteX3" fmla="*/ 2818514 w 3430733"/>
+                <a:gd name="connsiteY3" fmla="*/ 0 h 1916145"/>
+                <a:gd name="connsiteX4" fmla="*/ 1797554 w 3430733"/>
+                <a:gd name="connsiteY4" fmla="*/ 0 h 1916145"/>
+                <a:gd name="connsiteX5" fmla="*/ 0 w 3430733"/>
+                <a:gd name="connsiteY5" fmla="*/ 773145 h 1916145"/>
+                <a:gd name="connsiteX6" fmla="*/ 0 w 3430733"/>
+                <a:gd name="connsiteY6" fmla="*/ 1916145 h 1916145"/>
+              </a:gdLst>
+              <a:ahLst/>
+              <a:cxnLst>
+                <a:cxn ang="0">
+                  <a:pos x="connsiteX0" y="connsiteY0"/>
+                </a:cxn>
+                <a:cxn ang="0">
+                  <a:pos x="connsiteX1" y="connsiteY1"/>
+                </a:cxn>
+                <a:cxn ang="0">
+                  <a:pos x="connsiteX2" y="connsiteY2"/>
+                </a:cxn>
+                <a:cxn ang="0">
+                  <a:pos x="connsiteX3" y="connsiteY3"/>
+                </a:cxn>
+                <a:cxn ang="0">
+                  <a:pos x="connsiteX4" y="connsiteY4"/>
+                </a:cxn>
+                <a:cxn ang="0">
+                  <a:pos x="connsiteX5" y="connsiteY5"/>
+                </a:cxn>
+                <a:cxn ang="0">
+                  <a:pos x="connsiteX6" y="connsiteY6"/>
+                </a:cxn>
+              </a:cxnLst>
+              <a:rect l="l" t="t" r="r" b="b"/>
+              <a:pathLst>
+                <a:path w="3430733" h="1916145">
+                  <a:moveTo>
+                    <a:pt x="0" y="1916145"/>
+                  </a:moveTo>
+                  <a:lnTo>
+                    <a:pt x="3136179" y="1916145"/>
+                  </a:lnTo>
+                  <a:lnTo>
+                    <a:pt x="3430733" y="1405963"/>
+                  </a:lnTo>
+                  <a:lnTo>
+                    <a:pt x="2818514" y="0"/>
+                  </a:lnTo>
+                  <a:lnTo>
+                    <a:pt x="1797554" y="0"/>
+                  </a:lnTo>
+                  <a:lnTo>
+                    <a:pt x="0" y="773145"/>
+                  </a:lnTo>
+                  <a:lnTo>
+                    <a:pt x="0" y="1916145"/>
+                  </a:lnTo>
+                  <a:close/>
+                </a:path>
+              </a:pathLst>
+            </a:custGeom>
+            <a:solidFill>
+              <a:srgbClr val="41C9D3"/>
+            </a:solidFill>
+            <a:ln>
+              <a:noFill/>
+            </a:ln>
+          </p:spPr>
+          <p:style>
+            <a:lnRef idx="2">
+              <a:schemeClr val="accent1">
+                <a:shade val="50000"/>
+              </a:schemeClr>
+            </a:lnRef>
+            <a:fillRef idx="1">
+              <a:schemeClr val="accent1"/>
+            </a:fillRef>
+            <a:effectRef idx="0">
+              <a:schemeClr val="accent1"/>
+            </a:effectRef>
+            <a:fontRef idx="minor">
+              <a:schemeClr val="lt1"/>
+            </a:fontRef>
+          </p:style>
+          <p:txBody>
+            <a:bodyPr rtlCol="0" anchor="ctr"/>
+            <a:lstStyle/>
+            <a:p>
+              <a:pPr algn="ctr"/>
+              <a:endParaRPr lang="ko-KR" altLang="en-US"/>
+            </a:p>
+          </p:txBody>
+        </p:sp>
+        <p:sp>
+          <p:nvSpPr>
+            <p:cNvPr id="11" name="자유형 10"/>
+            <p:cNvSpPr/>
+            <p:nvPr/>
+          </p:nvSpPr>
+          <p:spPr>
+            <a:xfrm flipV="1">
+              <a:off x="7965376" y="1961863"/>
+              <a:ext cx="894756" cy="324136"/>
+            </a:xfrm>
+            <a:custGeom>
+              <a:avLst/>
+              <a:gdLst>
+                <a:gd name="connsiteX0" fmla="*/ 0 w 894756"/>
+                <a:gd name="connsiteY0" fmla="*/ 324136 h 324136"/>
+                <a:gd name="connsiteX1" fmla="*/ 894756 w 894756"/>
+                <a:gd name="connsiteY1" fmla="*/ 324136 h 324136"/>
+                <a:gd name="connsiteX2" fmla="*/ 753613 w 894756"/>
+                <a:gd name="connsiteY2" fmla="*/ 0 h 324136"/>
+                <a:gd name="connsiteX3" fmla="*/ 0 w 894756"/>
+                <a:gd name="connsiteY3" fmla="*/ 324136 h 324136"/>
+              </a:gdLst>
+              <a:ahLst/>
+              <a:cxnLst>
+                <a:cxn ang="0">
+                  <a:pos x="connsiteX0" y="connsiteY0"/>
+                </a:cxn>
+                <a:cxn ang="0">
+                  <a:pos x="connsiteX1" y="connsiteY1"/>
+                </a:cxn>
+                <a:cxn ang="0">
+                  <a:pos x="connsiteX2" y="connsiteY2"/>
+                </a:cxn>
+                <a:cxn ang="0">
+                  <a:pos x="connsiteX3" y="connsiteY3"/>
+                </a:cxn>
+              </a:cxnLst>
+              <a:rect l="l" t="t" r="r" b="b"/>
+              <a:pathLst>
+                <a:path w="894756" h="324136">
+                  <a:moveTo>
+                    <a:pt x="0" y="324136"/>
+                  </a:moveTo>
+                  <a:lnTo>
+                    <a:pt x="894756" y="324136"/>
+                  </a:lnTo>
+                  <a:lnTo>
+                    <a:pt x="753613" y="0"/>
+                  </a:lnTo>
+                  <a:lnTo>
+                    <a:pt x="0" y="324136"/>
+                  </a:lnTo>
+                  <a:close/>
+                </a:path>
+              </a:pathLst>
+            </a:custGeom>
+            <a:solidFill>
+              <a:srgbClr val="4C5064"/>
+            </a:solidFill>
+            <a:ln>
+              <a:noFill/>
+            </a:ln>
+          </p:spPr>
+          <p:style>
+            <a:lnRef idx="2">
+              <a:schemeClr val="accent1">
+                <a:shade val="50000"/>
+              </a:schemeClr>
+            </a:lnRef>
+            <a:fillRef idx="1">
+              <a:schemeClr val="accent1"/>
+            </a:fillRef>
+            <a:effectRef idx="0">
+              <a:schemeClr val="accent1"/>
+            </a:effectRef>
+            <a:fontRef idx="minor">
+              <a:schemeClr val="lt1"/>
+            </a:fontRef>
+          </p:style>
+          <p:txBody>
+            <a:bodyPr rtlCol="0" anchor="ctr"/>
+            <a:lstStyle/>
+            <a:p>
+              <a:pPr algn="ctr"/>
+              <a:endParaRPr lang="ko-KR" altLang="en-US"/>
+            </a:p>
+          </p:txBody>
+        </p:sp>
+      </p:grpSp>
+      <p:sp>
+        <p:nvSpPr>
+          <p:cNvPr id="22" name="직사각형 21"/>
+          <p:cNvSpPr/>
+          <p:nvPr/>
+        </p:nvSpPr>
+        <p:spPr>
+          <a:xfrm>
+            <a:off x="-10891" y="303681"/>
+            <a:ext cx="3719582" cy="800219"/>
+          </a:xfrm>
+          <a:prstGeom prst="rect">
+            <a:avLst/>
+          </a:prstGeom>
+        </p:spPr>
+        <p:txBody>
+          <a:bodyPr wrap="square">
+            <a:spAutoFit/>
+          </a:bodyPr>
+          <a:lstStyle/>
+          <a:p>
+            <a:pPr algn="ctr"/>
+            <a:r>
+              <a:rPr lang="en-US" altLang="ko-KR" dirty="0">
+                <a:solidFill>
+                  <a:schemeClr val="bg1"/>
+                </a:solidFill>
+                <a:latin typeface="KoPubWorld돋움체 Bold" panose="00000800000000000000" pitchFamily="2" charset="-127"/>
+                <a:ea typeface="KoPubWorld돋움체 Bold" panose="00000800000000000000" pitchFamily="2" charset="-127"/>
+                <a:cs typeface="KoPubWorld돋움체 Bold" panose="00000800000000000000" pitchFamily="2" charset="-127"/>
+              </a:rPr>
+              <a:t>Introduction to Algorithms</a:t>
+            </a:r>
+          </a:p>
+          <a:p>
+            <a:pPr algn="ctr"/>
+            <a:r>
+              <a:rPr lang="en-US" altLang="ko-KR" sz="2800" b="1" dirty="0">
+                <a:solidFill>
+                  <a:schemeClr val="bg1"/>
+                </a:solidFill>
+                <a:latin typeface="KoPubWorld돋움체 Bold" panose="00000800000000000000" pitchFamily="2" charset="-127"/>
+                <a:ea typeface="KoPubWorld돋움체 Bold" panose="00000800000000000000" pitchFamily="2" charset="-127"/>
+                <a:cs typeface="KoPubWorld돋움체 Bold" panose="00000800000000000000" pitchFamily="2" charset="-127"/>
+              </a:rPr>
+              <a:t>15. </a:t>
+            </a:r>
+            <a:r>
+              <a:rPr lang="ko-KR" altLang="en-US" sz="2800" b="1" dirty="0">
+                <a:solidFill>
+                  <a:schemeClr val="bg1"/>
+                </a:solidFill>
+                <a:latin typeface="KoPubWorld돋움체 Bold" panose="00000800000000000000" pitchFamily="2" charset="-127"/>
+                <a:ea typeface="KoPubWorld돋움체 Bold" panose="00000800000000000000" pitchFamily="2" charset="-127"/>
+                <a:cs typeface="KoPubWorld돋움체 Bold" panose="00000800000000000000" pitchFamily="2" charset="-127"/>
+              </a:rPr>
+              <a:t>동적 프로그래밍</a:t>
+            </a:r>
+            <a:endParaRPr lang="en-US" altLang="ko-KR" sz="2800" b="1" dirty="0">
+              <a:solidFill>
+                <a:schemeClr val="bg1"/>
+              </a:solidFill>
+              <a:latin typeface="KoPubWorld돋움체 Bold" panose="00000800000000000000" pitchFamily="2" charset="-127"/>
+              <a:ea typeface="KoPubWorld돋움체 Bold" panose="00000800000000000000" pitchFamily="2" charset="-127"/>
+              <a:cs typeface="KoPubWorld돋움체 Bold" panose="00000800000000000000" pitchFamily="2" charset="-127"/>
+            </a:endParaRPr>
+          </a:p>
+        </p:txBody>
+      </p:sp>
+      <p:sp>
+        <p:nvSpPr>
+          <p:cNvPr id="41" name="타원 40"/>
+          <p:cNvSpPr/>
+          <p:nvPr/>
+        </p:nvSpPr>
+        <p:spPr>
+          <a:xfrm>
+            <a:off x="2693119" y="2926753"/>
+            <a:ext cx="328471" cy="328468"/>
+          </a:xfrm>
+          <a:prstGeom prst="ellipse">
+            <a:avLst/>
+          </a:prstGeom>
+          <a:solidFill>
+            <a:schemeClr val="bg1">
+              <a:lumMod val="85000"/>
+            </a:schemeClr>
+          </a:solidFill>
+          <a:ln w="15875">
+            <a:noFill/>
+          </a:ln>
+        </p:spPr>
+        <p:style>
+          <a:lnRef idx="2">
+            <a:schemeClr val="accent1">
+              <a:shade val="50000"/>
+            </a:schemeClr>
+          </a:lnRef>
+          <a:fillRef idx="1">
+            <a:schemeClr val="accent1"/>
+          </a:fillRef>
+          <a:effectRef idx="0">
+            <a:schemeClr val="accent1"/>
+          </a:effectRef>
+          <a:fontRef idx="minor">
+            <a:schemeClr val="lt1"/>
+          </a:fontRef>
+        </p:style>
+        <p:txBody>
+          <a:bodyPr lIns="0" tIns="0" rIns="0" bIns="0" rtlCol="0" anchor="ctr"/>
+          <a:lstStyle/>
+          <a:p>
+            <a:pPr algn="ctr"/>
+            <a:r>
+              <a:rPr lang="en-US" altLang="ko-KR" sz="900" b="1" dirty="0">
+                <a:solidFill>
+                  <a:prstClr val="white"/>
+                </a:solidFill>
+              </a:rPr>
+              <a:t>01</a:t>
+            </a:r>
+            <a:endParaRPr lang="ko-KR" altLang="en-US" sz="900" b="1" dirty="0">
+              <a:solidFill>
+                <a:prstClr val="white"/>
+              </a:solidFill>
+            </a:endParaRPr>
+          </a:p>
+        </p:txBody>
+      </p:sp>
+      <p:sp>
+        <p:nvSpPr>
+          <p:cNvPr id="53" name="타원 52"/>
+          <p:cNvSpPr/>
+          <p:nvPr/>
+        </p:nvSpPr>
+        <p:spPr>
+          <a:xfrm>
+            <a:off x="2693119" y="3767897"/>
+            <a:ext cx="328471" cy="328468"/>
+          </a:xfrm>
+          <a:prstGeom prst="ellipse">
+            <a:avLst/>
+          </a:prstGeom>
+          <a:solidFill>
+            <a:srgbClr val="00B0F0"/>
+          </a:solidFill>
+          <a:ln w="15875">
+            <a:noFill/>
+          </a:ln>
+        </p:spPr>
+        <p:style>
+          <a:lnRef idx="2">
+            <a:schemeClr val="accent1">
+              <a:shade val="50000"/>
+            </a:schemeClr>
+          </a:lnRef>
+          <a:fillRef idx="1">
+            <a:schemeClr val="accent1"/>
+          </a:fillRef>
+          <a:effectRef idx="0">
+            <a:schemeClr val="accent1"/>
+          </a:effectRef>
+          <a:fontRef idx="minor">
+            <a:schemeClr val="lt1"/>
+          </a:fontRef>
+        </p:style>
+        <p:txBody>
+          <a:bodyPr lIns="0" tIns="0" rIns="0" bIns="0" rtlCol="0" anchor="ctr"/>
+          <a:lstStyle/>
+          <a:p>
+            <a:pPr algn="ctr"/>
+            <a:r>
+              <a:rPr lang="en-US" altLang="ko-KR" sz="900" b="1" dirty="0">
+                <a:solidFill>
+                  <a:prstClr val="white"/>
+                </a:solidFill>
+              </a:rPr>
+              <a:t>02</a:t>
+            </a:r>
+            <a:endParaRPr lang="ko-KR" altLang="en-US" sz="900" b="1" dirty="0">
+              <a:solidFill>
+                <a:prstClr val="white"/>
+              </a:solidFill>
+            </a:endParaRPr>
+          </a:p>
+        </p:txBody>
+      </p:sp>
+      <p:cxnSp>
+        <p:nvCxnSpPr>
+          <p:cNvPr id="47" name="직선 연결선 46"/>
+          <p:cNvCxnSpPr>
+            <a:stCxn id="14" idx="5"/>
+          </p:cNvCxnSpPr>
+          <p:nvPr/>
+        </p:nvCxnSpPr>
+        <p:spPr>
+          <a:xfrm flipH="1">
+            <a:off x="-1568455" y="1424525"/>
+            <a:ext cx="1576614" cy="1020225"/>
+          </a:xfrm>
+          <a:prstGeom prst="line">
+            <a:avLst/>
+          </a:prstGeom>
+          <a:ln>
+            <a:solidFill>
+              <a:schemeClr val="bg2">
+                <a:lumMod val="75000"/>
+              </a:schemeClr>
+            </a:solidFill>
+          </a:ln>
+        </p:spPr>
+        <p:style>
+          <a:lnRef idx="1">
+            <a:schemeClr val="accent1"/>
+          </a:lnRef>
+          <a:fillRef idx="0">
+            <a:schemeClr val="accent1"/>
+          </a:fillRef>
+          <a:effectRef idx="0">
+            <a:schemeClr val="accent1"/>
+          </a:effectRef>
+          <a:fontRef idx="minor">
+            <a:schemeClr val="tx1"/>
+          </a:fontRef>
+        </p:style>
+      </p:cxnSp>
+      <p:sp>
+        <p:nvSpPr>
+          <p:cNvPr id="24" name="직사각형 23">
+            <a:extLst>
+              <a:ext uri="{FF2B5EF4-FFF2-40B4-BE49-F238E27FC236}">
+                <a16:creationId xmlns:a16="http://schemas.microsoft.com/office/drawing/2014/main" id="{EA2EB32F-BFD3-4F41-A447-F35E1AC057A8}"/>
+              </a:ext>
+            </a:extLst>
+          </p:cNvPr>
+          <p:cNvSpPr/>
+          <p:nvPr/>
+        </p:nvSpPr>
+        <p:spPr>
+          <a:xfrm>
+            <a:off x="3770575" y="253013"/>
+            <a:ext cx="8746212" cy="523220"/>
+          </a:xfrm>
+          <a:prstGeom prst="rect">
+            <a:avLst/>
+          </a:prstGeom>
+        </p:spPr>
+        <p:txBody>
+          <a:bodyPr wrap="square">
+            <a:spAutoFit/>
+          </a:bodyPr>
+          <a:lstStyle/>
+          <a:p>
+            <a:r>
+              <a:rPr lang="en-US" altLang="ko-KR" sz="2800" b="1" dirty="0">
+                <a:solidFill>
+                  <a:srgbClr val="4C5064"/>
+                </a:solidFill>
+                <a:latin typeface="KoPubWorld돋움체_Pro Bold" panose="00000800000000000000" pitchFamily="50" charset="-127"/>
+                <a:ea typeface="KoPubWorld돋움체_Pro Bold" panose="00000800000000000000" pitchFamily="50" charset="-127"/>
+                <a:cs typeface="KoPubWorld돋움체_Pro Bold" panose="00000800000000000000" pitchFamily="50" charset="-127"/>
+              </a:rPr>
+              <a:t>15.4 </a:t>
+            </a:r>
+            <a:r>
+              <a:rPr lang="ko-KR" altLang="en-US" sz="2800" b="1" dirty="0">
+                <a:solidFill>
+                  <a:srgbClr val="4C5064"/>
+                </a:solidFill>
+                <a:latin typeface="KoPubWorld돋움체_Pro Bold" panose="00000800000000000000" pitchFamily="50" charset="-127"/>
+                <a:ea typeface="KoPubWorld돋움체_Pro Bold" panose="00000800000000000000" pitchFamily="50" charset="-127"/>
+                <a:cs typeface="KoPubWorld돋움체_Pro Bold" panose="00000800000000000000" pitchFamily="50" charset="-127"/>
+              </a:rPr>
+              <a:t>최대 공통 부분 수열</a:t>
+            </a:r>
+            <a:endParaRPr lang="en-US" altLang="ko-KR" sz="2800" b="1" dirty="0">
+              <a:solidFill>
+                <a:srgbClr val="4C5064"/>
+              </a:solidFill>
+              <a:latin typeface="KoPubWorld돋움체_Pro Bold" panose="00000800000000000000" pitchFamily="50" charset="-127"/>
+              <a:ea typeface="KoPubWorld돋움체_Pro Bold" panose="00000800000000000000" pitchFamily="50" charset="-127"/>
+              <a:cs typeface="KoPubWorld돋움체_Pro Bold" panose="00000800000000000000" pitchFamily="50" charset="-127"/>
+            </a:endParaRPr>
+          </a:p>
+        </p:txBody>
+      </p:sp>
+      <p:sp>
+        <p:nvSpPr>
+          <p:cNvPr id="20" name="TextBox 19">
+            <a:extLst>
+              <a:ext uri="{FF2B5EF4-FFF2-40B4-BE49-F238E27FC236}">
+                <a16:creationId xmlns:a16="http://schemas.microsoft.com/office/drawing/2014/main" id="{91203404-6D16-4372-A35E-A4FA56BFCAC2}"/>
+              </a:ext>
+            </a:extLst>
+          </p:cNvPr>
+          <p:cNvSpPr txBox="1"/>
+          <p:nvPr/>
+        </p:nvSpPr>
+        <p:spPr>
+          <a:xfrm>
+            <a:off x="-103354" y="2982934"/>
+            <a:ext cx="2677001" cy="307777"/>
+          </a:xfrm>
+          <a:prstGeom prst="rect">
+            <a:avLst/>
+          </a:prstGeom>
+          <a:noFill/>
+        </p:spPr>
+        <p:txBody>
+          <a:bodyPr wrap="square" rtlCol="0">
+            <a:spAutoFit/>
+          </a:bodyPr>
+          <a:lstStyle/>
+          <a:p>
+            <a:pPr algn="r"/>
+            <a:r>
+              <a:rPr lang="en-US" altLang="ko-KR" sz="1400" b="1" i="1" dirty="0">
+                <a:solidFill>
+                  <a:srgbClr val="4C5064"/>
+                </a:solidFill>
+                <a:latin typeface="+mn-ea"/>
+                <a:cs typeface="Aharoni" panose="02010803020104030203" pitchFamily="2" charset="-79"/>
+              </a:rPr>
+              <a:t>15.3 </a:t>
+            </a:r>
+            <a:r>
+              <a:rPr lang="ko-KR" altLang="en-US" sz="1400" b="1" i="1" dirty="0">
+                <a:solidFill>
+                  <a:srgbClr val="4C5064"/>
+                </a:solidFill>
+                <a:latin typeface="+mn-ea"/>
+                <a:cs typeface="Aharoni" panose="02010803020104030203" pitchFamily="2" charset="-79"/>
+              </a:rPr>
+              <a:t>동적 프로그래밍의 요소</a:t>
+            </a:r>
+            <a:endParaRPr lang="ko-KR" altLang="en-US" sz="1100" i="1" dirty="0">
+              <a:solidFill>
+                <a:srgbClr val="4C5064"/>
+              </a:solidFill>
+              <a:latin typeface="+mn-ea"/>
+              <a:cs typeface="Aharoni" panose="02010803020104030203" pitchFamily="2" charset="-79"/>
+            </a:endParaRPr>
+          </a:p>
+        </p:txBody>
+      </p:sp>
+      <p:sp>
+        <p:nvSpPr>
+          <p:cNvPr id="21" name="TextBox 20">
+            <a:extLst>
+              <a:ext uri="{FF2B5EF4-FFF2-40B4-BE49-F238E27FC236}">
+                <a16:creationId xmlns:a16="http://schemas.microsoft.com/office/drawing/2014/main" id="{70EDDE0D-A33B-4174-8BFA-F2C3DC6A020C}"/>
+              </a:ext>
+            </a:extLst>
+          </p:cNvPr>
+          <p:cNvSpPr txBox="1"/>
+          <p:nvPr/>
+        </p:nvSpPr>
+        <p:spPr>
+          <a:xfrm>
+            <a:off x="-148116" y="3764165"/>
+            <a:ext cx="2677001" cy="307777"/>
+          </a:xfrm>
+          <a:prstGeom prst="rect">
+            <a:avLst/>
+          </a:prstGeom>
+          <a:noFill/>
+        </p:spPr>
+        <p:txBody>
+          <a:bodyPr wrap="square" rtlCol="0">
+            <a:spAutoFit/>
+          </a:bodyPr>
+          <a:lstStyle/>
+          <a:p>
+            <a:pPr algn="r"/>
+            <a:r>
+              <a:rPr lang="en-US" altLang="ko-KR" sz="1400" b="1" i="1" dirty="0">
+                <a:solidFill>
+                  <a:srgbClr val="4C5064"/>
+                </a:solidFill>
+                <a:latin typeface="+mn-ea"/>
+                <a:cs typeface="Aharoni" panose="02010803020104030203" pitchFamily="2" charset="-79"/>
+              </a:rPr>
+              <a:t>15.4 </a:t>
+            </a:r>
+            <a:r>
+              <a:rPr lang="ko-KR" altLang="en-US" sz="1400" b="1" i="1" dirty="0">
+                <a:solidFill>
+                  <a:srgbClr val="4C5064"/>
+                </a:solidFill>
+                <a:latin typeface="+mn-ea"/>
+                <a:cs typeface="Aharoni" panose="02010803020104030203" pitchFamily="2" charset="-79"/>
+              </a:rPr>
+              <a:t>최대 공통 부분 수열</a:t>
+            </a:r>
+            <a:endParaRPr lang="ko-KR" altLang="en-US" sz="1100" i="1" dirty="0">
+              <a:solidFill>
+                <a:srgbClr val="4C5064"/>
+              </a:solidFill>
+              <a:latin typeface="+mn-ea"/>
+              <a:cs typeface="Aharoni" panose="02010803020104030203" pitchFamily="2" charset="-79"/>
+            </a:endParaRPr>
+          </a:p>
+        </p:txBody>
+      </p:sp>
+      <p:sp>
+        <p:nvSpPr>
+          <p:cNvPr id="27" name="직사각형 26">
+            <a:extLst>
+              <a:ext uri="{FF2B5EF4-FFF2-40B4-BE49-F238E27FC236}">
+                <a16:creationId xmlns:a16="http://schemas.microsoft.com/office/drawing/2014/main" id="{64D75CE9-6732-4643-A769-90A2B9533434}"/>
+              </a:ext>
+            </a:extLst>
+          </p:cNvPr>
+          <p:cNvSpPr/>
+          <p:nvPr/>
+        </p:nvSpPr>
+        <p:spPr>
+          <a:xfrm>
+            <a:off x="3770575" y="1162915"/>
+            <a:ext cx="8746212" cy="523220"/>
+          </a:xfrm>
+          <a:prstGeom prst="rect">
+            <a:avLst/>
+          </a:prstGeom>
+        </p:spPr>
+        <p:txBody>
+          <a:bodyPr wrap="square">
+            <a:spAutoFit/>
+          </a:bodyPr>
+          <a:lstStyle/>
+          <a:p>
+            <a:r>
+              <a:rPr lang="ko-KR" altLang="en-US" sz="2800" b="1" dirty="0">
+                <a:latin typeface="KoPubWorld돋움체_Pro Bold" panose="00000800000000000000" pitchFamily="50" charset="-127"/>
+                <a:ea typeface="KoPubWorld돋움체_Pro Bold" panose="00000800000000000000" pitchFamily="50" charset="-127"/>
+                <a:cs typeface="KoPubWorld돋움체_Pro Bold" panose="00000800000000000000" pitchFamily="50" charset="-127"/>
+              </a:rPr>
+              <a:t>단계 </a:t>
+            </a:r>
+            <a:r>
+              <a:rPr lang="en-US" altLang="ko-KR" sz="2800" b="1" dirty="0">
+                <a:latin typeface="KoPubWorld돋움체_Pro Bold" panose="00000800000000000000" pitchFamily="50" charset="-127"/>
+                <a:ea typeface="KoPubWorld돋움체_Pro Bold" panose="00000800000000000000" pitchFamily="50" charset="-127"/>
+                <a:cs typeface="KoPubWorld돋움체_Pro Bold" panose="00000800000000000000" pitchFamily="50" charset="-127"/>
+              </a:rPr>
+              <a:t>4 : LCS </a:t>
+            </a:r>
+            <a:r>
+              <a:rPr lang="ko-KR" altLang="en-US" sz="2800" b="1" dirty="0">
+                <a:latin typeface="KoPubWorld돋움체_Pro Bold" panose="00000800000000000000" pitchFamily="50" charset="-127"/>
+                <a:ea typeface="KoPubWorld돋움체_Pro Bold" panose="00000800000000000000" pitchFamily="50" charset="-127"/>
+                <a:cs typeface="KoPubWorld돋움체_Pro Bold" panose="00000800000000000000" pitchFamily="50" charset="-127"/>
+              </a:rPr>
+              <a:t>구성하기</a:t>
+            </a:r>
+            <a:endParaRPr lang="en-US" altLang="ko-KR" sz="2800" b="1" dirty="0">
+              <a:latin typeface="KoPubWorld돋움체_Pro Bold" panose="00000800000000000000" pitchFamily="50" charset="-127"/>
+              <a:ea typeface="KoPubWorld돋움체_Pro Bold" panose="00000800000000000000" pitchFamily="50" charset="-127"/>
+              <a:cs typeface="KoPubWorld돋움체_Pro Bold" panose="00000800000000000000" pitchFamily="50" charset="-127"/>
+            </a:endParaRPr>
+          </a:p>
+        </p:txBody>
+      </p:sp>
+      <p:pic>
+        <p:nvPicPr>
+          <p:cNvPr id="6" name="그림 5">
+            <a:extLst>
+              <a:ext uri="{FF2B5EF4-FFF2-40B4-BE49-F238E27FC236}">
+                <a16:creationId xmlns:a16="http://schemas.microsoft.com/office/drawing/2014/main" id="{C98F15D5-CA8C-4035-BF6C-B2EBA3D07898}"/>
+              </a:ext>
+            </a:extLst>
+          </p:cNvPr>
+          <p:cNvPicPr>
+            <a:picLocks noChangeAspect="1"/>
+          </p:cNvPicPr>
+          <p:nvPr/>
+        </p:nvPicPr>
+        <p:blipFill>
+          <a:blip r:embed="rId2">
+            <a:extLst>
+              <a:ext uri="{28A0092B-C50C-407E-A947-70E740481C1C}">
+                <a14:useLocalDpi xmlns:a14="http://schemas.microsoft.com/office/drawing/2010/main" val="0"/>
+              </a:ext>
+            </a:extLst>
+          </a:blip>
+          <a:stretch>
+            <a:fillRect/>
+          </a:stretch>
+        </p:blipFill>
+        <p:spPr>
+          <a:xfrm>
+            <a:off x="4487665" y="1805807"/>
+            <a:ext cx="4938425" cy="4926170"/>
+          </a:xfrm>
+          <a:prstGeom prst="rect">
+            <a:avLst/>
+          </a:prstGeom>
+        </p:spPr>
+      </p:pic>
+    </p:spTree>
+    <p:extLst>
+      <p:ext uri="{BB962C8B-B14F-4D97-AF65-F5344CB8AC3E}">
+        <p14:creationId xmlns:p14="http://schemas.microsoft.com/office/powerpoint/2010/main" val="3860913894"/>
+      </p:ext>
+    </p:extLst>
+  </p:cSld>
+  <p:clrMapOvr>
+    <a:masterClrMapping/>
+  </p:clrMapOvr>
+</p:sld>
+</file>
+
+<file path=ppt/slides/slide37.xml><?xml version="1.0" encoding="utf-8"?>
+<p:sld xmlns:a="http://schemas.openxmlformats.org/drawingml/2006/main" xmlns:r="http://schemas.openxmlformats.org/officeDocument/2006/relationships" xmlns:p="http://schemas.openxmlformats.org/presentationml/2006/main">
+  <p:cSld>
+    <p:spTree>
+      <p:nvGrpSpPr>
+        <p:cNvPr id="1" name=""/>
+        <p:cNvGrpSpPr/>
+        <p:nvPr/>
+      </p:nvGrpSpPr>
+      <p:grpSpPr>
+        <a:xfrm>
+          <a:off x="0" y="0"/>
+          <a:ext cx="0" cy="0"/>
+          <a:chOff x="0" y="0"/>
+          <a:chExt cx="0" cy="0"/>
+        </a:xfrm>
+      </p:grpSpPr>
+      <p:cxnSp>
+        <p:nvCxnSpPr>
+          <p:cNvPr id="5" name="직선 연결선 4"/>
+          <p:cNvCxnSpPr>
+            <a:cxnSpLocks/>
+          </p:cNvCxnSpPr>
+          <p:nvPr/>
+        </p:nvCxnSpPr>
+        <p:spPr>
+          <a:xfrm>
+            <a:off x="2857355" y="3155151"/>
+            <a:ext cx="0" cy="795412"/>
+          </a:xfrm>
+          <a:prstGeom prst="line">
+            <a:avLst/>
+          </a:prstGeom>
+          <a:ln>
+            <a:solidFill>
+              <a:schemeClr val="bg2">
+                <a:lumMod val="75000"/>
+              </a:schemeClr>
+            </a:solidFill>
+          </a:ln>
+        </p:spPr>
+        <p:style>
+          <a:lnRef idx="1">
+            <a:schemeClr val="accent1"/>
+          </a:lnRef>
+          <a:fillRef idx="0">
+            <a:schemeClr val="accent1"/>
+          </a:fillRef>
+          <a:effectRef idx="0">
+            <a:schemeClr val="accent1"/>
+          </a:effectRef>
+          <a:fontRef idx="minor">
+            <a:schemeClr val="tx1"/>
+          </a:fontRef>
+        </p:style>
+      </p:cxnSp>
+      <p:grpSp>
+        <p:nvGrpSpPr>
+          <p:cNvPr id="4" name="그룹 3"/>
+          <p:cNvGrpSpPr/>
+          <p:nvPr/>
+        </p:nvGrpSpPr>
+        <p:grpSpPr>
+          <a:xfrm>
+            <a:off x="8159" y="0"/>
+            <a:ext cx="3997833" cy="2841179"/>
+            <a:chOff x="6061526" y="-6350"/>
+            <a:chExt cx="3663949" cy="2292349"/>
+          </a:xfrm>
+        </p:grpSpPr>
+        <p:sp>
+          <p:nvSpPr>
+            <p:cNvPr id="26" name="자유형 25"/>
+            <p:cNvSpPr/>
+            <p:nvPr/>
+          </p:nvSpPr>
+          <p:spPr>
+            <a:xfrm flipV="1">
+              <a:off x="9250495" y="-6350"/>
+              <a:ext cx="474980" cy="464409"/>
+            </a:xfrm>
+            <a:custGeom>
+              <a:avLst/>
+              <a:gdLst>
+                <a:gd name="connsiteX0" fmla="*/ 415242 w 474980"/>
+                <a:gd name="connsiteY0" fmla="*/ 464409 h 464409"/>
+                <a:gd name="connsiteX1" fmla="*/ 466685 w 474980"/>
+                <a:gd name="connsiteY1" fmla="*/ 464409 h 464409"/>
+                <a:gd name="connsiteX2" fmla="*/ 463920 w 474980"/>
+                <a:gd name="connsiteY2" fmla="*/ 458059 h 464409"/>
+                <a:gd name="connsiteX3" fmla="*/ 474980 w 474980"/>
+                <a:gd name="connsiteY3" fmla="*/ 458059 h 464409"/>
+                <a:gd name="connsiteX4" fmla="*/ 462181 w 474980"/>
+                <a:gd name="connsiteY4" fmla="*/ 454066 h 464409"/>
+                <a:gd name="connsiteX5" fmla="*/ 264460 w 474980"/>
+                <a:gd name="connsiteY5" fmla="*/ 0 h 464409"/>
+                <a:gd name="connsiteX6" fmla="*/ 0 w 474980"/>
+                <a:gd name="connsiteY6" fmla="*/ 458059 h 464409"/>
+                <a:gd name="connsiteX7" fmla="*/ 395329 w 474980"/>
+                <a:gd name="connsiteY7" fmla="*/ 458059 h 464409"/>
+              </a:gdLst>
+              <a:ahLst/>
+              <a:cxnLst>
+                <a:cxn ang="0">
+                  <a:pos x="connsiteX0" y="connsiteY0"/>
+                </a:cxn>
+                <a:cxn ang="0">
+                  <a:pos x="connsiteX1" y="connsiteY1"/>
+                </a:cxn>
+                <a:cxn ang="0">
+                  <a:pos x="connsiteX2" y="connsiteY2"/>
+                </a:cxn>
+                <a:cxn ang="0">
+                  <a:pos x="connsiteX3" y="connsiteY3"/>
+                </a:cxn>
+                <a:cxn ang="0">
+                  <a:pos x="connsiteX4" y="connsiteY4"/>
+                </a:cxn>
+                <a:cxn ang="0">
+                  <a:pos x="connsiteX5" y="connsiteY5"/>
+                </a:cxn>
+                <a:cxn ang="0">
+                  <a:pos x="connsiteX6" y="connsiteY6"/>
+                </a:cxn>
+                <a:cxn ang="0">
+                  <a:pos x="connsiteX7" y="connsiteY7"/>
+                </a:cxn>
+              </a:cxnLst>
+              <a:rect l="l" t="t" r="r" b="b"/>
+              <a:pathLst>
+                <a:path w="474980" h="464409">
+                  <a:moveTo>
+                    <a:pt x="415242" y="464409"/>
+                  </a:moveTo>
+                  <a:lnTo>
+                    <a:pt x="466685" y="464409"/>
+                  </a:lnTo>
+                  <a:lnTo>
+                    <a:pt x="463920" y="458059"/>
+                  </a:lnTo>
+                  <a:lnTo>
+                    <a:pt x="474980" y="458059"/>
+                  </a:lnTo>
+                  <a:lnTo>
+                    <a:pt x="462181" y="454066"/>
+                  </a:lnTo>
+                  <a:lnTo>
+                    <a:pt x="264460" y="0"/>
+                  </a:lnTo>
+                  <a:lnTo>
+                    <a:pt x="0" y="458059"/>
+                  </a:lnTo>
+                  <a:lnTo>
+                    <a:pt x="395329" y="458059"/>
+                  </a:lnTo>
+                  <a:close/>
+                </a:path>
+              </a:pathLst>
+            </a:custGeom>
+            <a:solidFill>
+              <a:srgbClr val="FFC000"/>
+            </a:solidFill>
+            <a:ln>
+              <a:noFill/>
+            </a:ln>
+          </p:spPr>
+          <p:style>
+            <a:lnRef idx="2">
+              <a:schemeClr val="accent1">
+                <a:shade val="50000"/>
+              </a:schemeClr>
+            </a:lnRef>
+            <a:fillRef idx="1">
+              <a:schemeClr val="accent1"/>
+            </a:fillRef>
+            <a:effectRef idx="0">
+              <a:schemeClr val="accent1"/>
+            </a:effectRef>
+            <a:fontRef idx="minor">
+              <a:schemeClr val="lt1"/>
+            </a:fontRef>
+          </p:style>
+          <p:txBody>
+            <a:bodyPr wrap="square" rtlCol="0" anchor="ctr">
+              <a:noAutofit/>
+            </a:bodyPr>
+            <a:lstStyle/>
+            <a:p>
+              <a:pPr algn="ctr"/>
+              <a:endParaRPr lang="ko-KR" altLang="en-US"/>
+            </a:p>
+          </p:txBody>
+        </p:sp>
+        <p:sp>
+          <p:nvSpPr>
+            <p:cNvPr id="14" name="자유형 13"/>
+            <p:cNvSpPr/>
+            <p:nvPr/>
+          </p:nvSpPr>
+          <p:spPr>
+            <a:xfrm flipV="1">
+              <a:off x="6061526" y="0"/>
+              <a:ext cx="3430733" cy="1916145"/>
+            </a:xfrm>
+            <a:custGeom>
+              <a:avLst/>
+              <a:gdLst>
+                <a:gd name="connsiteX0" fmla="*/ 0 w 3430733"/>
+                <a:gd name="connsiteY0" fmla="*/ 1916145 h 1916145"/>
+                <a:gd name="connsiteX1" fmla="*/ 3136179 w 3430733"/>
+                <a:gd name="connsiteY1" fmla="*/ 1916145 h 1916145"/>
+                <a:gd name="connsiteX2" fmla="*/ 3430733 w 3430733"/>
+                <a:gd name="connsiteY2" fmla="*/ 1405963 h 1916145"/>
+                <a:gd name="connsiteX3" fmla="*/ 2818514 w 3430733"/>
+                <a:gd name="connsiteY3" fmla="*/ 0 h 1916145"/>
+                <a:gd name="connsiteX4" fmla="*/ 1797554 w 3430733"/>
+                <a:gd name="connsiteY4" fmla="*/ 0 h 1916145"/>
+                <a:gd name="connsiteX5" fmla="*/ 0 w 3430733"/>
+                <a:gd name="connsiteY5" fmla="*/ 773145 h 1916145"/>
+                <a:gd name="connsiteX6" fmla="*/ 0 w 3430733"/>
+                <a:gd name="connsiteY6" fmla="*/ 1916145 h 1916145"/>
+              </a:gdLst>
+              <a:ahLst/>
+              <a:cxnLst>
+                <a:cxn ang="0">
+                  <a:pos x="connsiteX0" y="connsiteY0"/>
+                </a:cxn>
+                <a:cxn ang="0">
+                  <a:pos x="connsiteX1" y="connsiteY1"/>
+                </a:cxn>
+                <a:cxn ang="0">
+                  <a:pos x="connsiteX2" y="connsiteY2"/>
+                </a:cxn>
+                <a:cxn ang="0">
+                  <a:pos x="connsiteX3" y="connsiteY3"/>
+                </a:cxn>
+                <a:cxn ang="0">
+                  <a:pos x="connsiteX4" y="connsiteY4"/>
+                </a:cxn>
+                <a:cxn ang="0">
+                  <a:pos x="connsiteX5" y="connsiteY5"/>
+                </a:cxn>
+                <a:cxn ang="0">
+                  <a:pos x="connsiteX6" y="connsiteY6"/>
+                </a:cxn>
+              </a:cxnLst>
+              <a:rect l="l" t="t" r="r" b="b"/>
+              <a:pathLst>
+                <a:path w="3430733" h="1916145">
+                  <a:moveTo>
+                    <a:pt x="0" y="1916145"/>
+                  </a:moveTo>
+                  <a:lnTo>
+                    <a:pt x="3136179" y="1916145"/>
+                  </a:lnTo>
+                  <a:lnTo>
+                    <a:pt x="3430733" y="1405963"/>
+                  </a:lnTo>
+                  <a:lnTo>
+                    <a:pt x="2818514" y="0"/>
+                  </a:lnTo>
+                  <a:lnTo>
+                    <a:pt x="1797554" y="0"/>
+                  </a:lnTo>
+                  <a:lnTo>
+                    <a:pt x="0" y="773145"/>
+                  </a:lnTo>
+                  <a:lnTo>
+                    <a:pt x="0" y="1916145"/>
+                  </a:lnTo>
+                  <a:close/>
+                </a:path>
+              </a:pathLst>
+            </a:custGeom>
+            <a:solidFill>
+              <a:srgbClr val="41C9D3"/>
+            </a:solidFill>
+            <a:ln>
+              <a:noFill/>
+            </a:ln>
+          </p:spPr>
+          <p:style>
+            <a:lnRef idx="2">
+              <a:schemeClr val="accent1">
+                <a:shade val="50000"/>
+              </a:schemeClr>
+            </a:lnRef>
+            <a:fillRef idx="1">
+              <a:schemeClr val="accent1"/>
+            </a:fillRef>
+            <a:effectRef idx="0">
+              <a:schemeClr val="accent1"/>
+            </a:effectRef>
+            <a:fontRef idx="minor">
+              <a:schemeClr val="lt1"/>
+            </a:fontRef>
+          </p:style>
+          <p:txBody>
+            <a:bodyPr rtlCol="0" anchor="ctr"/>
+            <a:lstStyle/>
+            <a:p>
+              <a:pPr algn="ctr"/>
+              <a:endParaRPr lang="ko-KR" altLang="en-US"/>
+            </a:p>
+          </p:txBody>
+        </p:sp>
+        <p:sp>
+          <p:nvSpPr>
+            <p:cNvPr id="11" name="자유형 10"/>
+            <p:cNvSpPr/>
+            <p:nvPr/>
+          </p:nvSpPr>
+          <p:spPr>
+            <a:xfrm flipV="1">
+              <a:off x="7965376" y="1961863"/>
+              <a:ext cx="894756" cy="324136"/>
+            </a:xfrm>
+            <a:custGeom>
+              <a:avLst/>
+              <a:gdLst>
+                <a:gd name="connsiteX0" fmla="*/ 0 w 894756"/>
+                <a:gd name="connsiteY0" fmla="*/ 324136 h 324136"/>
+                <a:gd name="connsiteX1" fmla="*/ 894756 w 894756"/>
+                <a:gd name="connsiteY1" fmla="*/ 324136 h 324136"/>
+                <a:gd name="connsiteX2" fmla="*/ 753613 w 894756"/>
+                <a:gd name="connsiteY2" fmla="*/ 0 h 324136"/>
+                <a:gd name="connsiteX3" fmla="*/ 0 w 894756"/>
+                <a:gd name="connsiteY3" fmla="*/ 324136 h 324136"/>
+              </a:gdLst>
+              <a:ahLst/>
+              <a:cxnLst>
+                <a:cxn ang="0">
+                  <a:pos x="connsiteX0" y="connsiteY0"/>
+                </a:cxn>
+                <a:cxn ang="0">
+                  <a:pos x="connsiteX1" y="connsiteY1"/>
+                </a:cxn>
+                <a:cxn ang="0">
+                  <a:pos x="connsiteX2" y="connsiteY2"/>
+                </a:cxn>
+                <a:cxn ang="0">
+                  <a:pos x="connsiteX3" y="connsiteY3"/>
+                </a:cxn>
+              </a:cxnLst>
+              <a:rect l="l" t="t" r="r" b="b"/>
+              <a:pathLst>
+                <a:path w="894756" h="324136">
+                  <a:moveTo>
+                    <a:pt x="0" y="324136"/>
+                  </a:moveTo>
+                  <a:lnTo>
+                    <a:pt x="894756" y="324136"/>
+                  </a:lnTo>
+                  <a:lnTo>
+                    <a:pt x="753613" y="0"/>
+                  </a:lnTo>
+                  <a:lnTo>
+                    <a:pt x="0" y="324136"/>
+                  </a:lnTo>
+                  <a:close/>
+                </a:path>
+              </a:pathLst>
+            </a:custGeom>
+            <a:solidFill>
+              <a:srgbClr val="4C5064"/>
+            </a:solidFill>
+            <a:ln>
+              <a:noFill/>
+            </a:ln>
+          </p:spPr>
+          <p:style>
+            <a:lnRef idx="2">
+              <a:schemeClr val="accent1">
+                <a:shade val="50000"/>
+              </a:schemeClr>
+            </a:lnRef>
+            <a:fillRef idx="1">
+              <a:schemeClr val="accent1"/>
+            </a:fillRef>
+            <a:effectRef idx="0">
+              <a:schemeClr val="accent1"/>
+            </a:effectRef>
+            <a:fontRef idx="minor">
+              <a:schemeClr val="lt1"/>
+            </a:fontRef>
+          </p:style>
+          <p:txBody>
+            <a:bodyPr rtlCol="0" anchor="ctr"/>
+            <a:lstStyle/>
+            <a:p>
+              <a:pPr algn="ctr"/>
+              <a:endParaRPr lang="ko-KR" altLang="en-US"/>
+            </a:p>
+          </p:txBody>
+        </p:sp>
+      </p:grpSp>
+      <p:sp>
+        <p:nvSpPr>
+          <p:cNvPr id="22" name="직사각형 21"/>
+          <p:cNvSpPr/>
+          <p:nvPr/>
+        </p:nvSpPr>
+        <p:spPr>
+          <a:xfrm>
+            <a:off x="-10891" y="303681"/>
+            <a:ext cx="3719582" cy="800219"/>
+          </a:xfrm>
+          <a:prstGeom prst="rect">
+            <a:avLst/>
+          </a:prstGeom>
+        </p:spPr>
+        <p:txBody>
+          <a:bodyPr wrap="square">
+            <a:spAutoFit/>
+          </a:bodyPr>
+          <a:lstStyle/>
+          <a:p>
+            <a:pPr algn="ctr"/>
+            <a:r>
+              <a:rPr lang="en-US" altLang="ko-KR" dirty="0">
+                <a:solidFill>
+                  <a:schemeClr val="bg1"/>
+                </a:solidFill>
+                <a:latin typeface="KoPubWorld돋움체 Bold" panose="00000800000000000000" pitchFamily="2" charset="-127"/>
+                <a:ea typeface="KoPubWorld돋움체 Bold" panose="00000800000000000000" pitchFamily="2" charset="-127"/>
+                <a:cs typeface="KoPubWorld돋움체 Bold" panose="00000800000000000000" pitchFamily="2" charset="-127"/>
+              </a:rPr>
+              <a:t>Introduction to Algorithms</a:t>
+            </a:r>
+          </a:p>
+          <a:p>
+            <a:pPr algn="ctr"/>
+            <a:r>
+              <a:rPr lang="en-US" altLang="ko-KR" sz="2800" b="1" dirty="0">
+                <a:solidFill>
+                  <a:schemeClr val="bg1"/>
+                </a:solidFill>
+                <a:latin typeface="KoPubWorld돋움체 Bold" panose="00000800000000000000" pitchFamily="2" charset="-127"/>
+                <a:ea typeface="KoPubWorld돋움체 Bold" panose="00000800000000000000" pitchFamily="2" charset="-127"/>
+                <a:cs typeface="KoPubWorld돋움체 Bold" panose="00000800000000000000" pitchFamily="2" charset="-127"/>
+              </a:rPr>
+              <a:t>15. </a:t>
+            </a:r>
+            <a:r>
+              <a:rPr lang="ko-KR" altLang="en-US" sz="2800" b="1" dirty="0">
+                <a:solidFill>
+                  <a:schemeClr val="bg1"/>
+                </a:solidFill>
+                <a:latin typeface="KoPubWorld돋움체 Bold" panose="00000800000000000000" pitchFamily="2" charset="-127"/>
+                <a:ea typeface="KoPubWorld돋움체 Bold" panose="00000800000000000000" pitchFamily="2" charset="-127"/>
+                <a:cs typeface="KoPubWorld돋움체 Bold" panose="00000800000000000000" pitchFamily="2" charset="-127"/>
+              </a:rPr>
+              <a:t>동적 프로그래밍</a:t>
+            </a:r>
+            <a:endParaRPr lang="en-US" altLang="ko-KR" sz="2800" b="1" dirty="0">
+              <a:solidFill>
+                <a:schemeClr val="bg1"/>
+              </a:solidFill>
+              <a:latin typeface="KoPubWorld돋움체 Bold" panose="00000800000000000000" pitchFamily="2" charset="-127"/>
+              <a:ea typeface="KoPubWorld돋움체 Bold" panose="00000800000000000000" pitchFamily="2" charset="-127"/>
+              <a:cs typeface="KoPubWorld돋움체 Bold" panose="00000800000000000000" pitchFamily="2" charset="-127"/>
+            </a:endParaRPr>
+          </a:p>
+        </p:txBody>
+      </p:sp>
+      <p:sp>
+        <p:nvSpPr>
+          <p:cNvPr id="41" name="타원 40"/>
+          <p:cNvSpPr/>
+          <p:nvPr/>
+        </p:nvSpPr>
+        <p:spPr>
+          <a:xfrm>
+            <a:off x="2693119" y="2926753"/>
+            <a:ext cx="328471" cy="328468"/>
+          </a:xfrm>
+          <a:prstGeom prst="ellipse">
+            <a:avLst/>
+          </a:prstGeom>
+          <a:solidFill>
+            <a:schemeClr val="bg1">
+              <a:lumMod val="85000"/>
+            </a:schemeClr>
+          </a:solidFill>
+          <a:ln w="15875">
+            <a:noFill/>
+          </a:ln>
+        </p:spPr>
+        <p:style>
+          <a:lnRef idx="2">
+            <a:schemeClr val="accent1">
+              <a:shade val="50000"/>
+            </a:schemeClr>
+          </a:lnRef>
+          <a:fillRef idx="1">
+            <a:schemeClr val="accent1"/>
+          </a:fillRef>
+          <a:effectRef idx="0">
+            <a:schemeClr val="accent1"/>
+          </a:effectRef>
+          <a:fontRef idx="minor">
+            <a:schemeClr val="lt1"/>
+          </a:fontRef>
+        </p:style>
+        <p:txBody>
+          <a:bodyPr lIns="0" tIns="0" rIns="0" bIns="0" rtlCol="0" anchor="ctr"/>
+          <a:lstStyle/>
+          <a:p>
+            <a:pPr algn="ctr"/>
+            <a:r>
+              <a:rPr lang="en-US" altLang="ko-KR" sz="900" b="1" dirty="0">
+                <a:solidFill>
+                  <a:prstClr val="white"/>
+                </a:solidFill>
+              </a:rPr>
+              <a:t>01</a:t>
+            </a:r>
+            <a:endParaRPr lang="ko-KR" altLang="en-US" sz="900" b="1" dirty="0">
+              <a:solidFill>
+                <a:prstClr val="white"/>
+              </a:solidFill>
+            </a:endParaRPr>
+          </a:p>
+        </p:txBody>
+      </p:sp>
+      <p:sp>
+        <p:nvSpPr>
+          <p:cNvPr id="53" name="타원 52"/>
+          <p:cNvSpPr/>
+          <p:nvPr/>
+        </p:nvSpPr>
+        <p:spPr>
+          <a:xfrm>
+            <a:off x="2693119" y="3767897"/>
+            <a:ext cx="328471" cy="328468"/>
+          </a:xfrm>
+          <a:prstGeom prst="ellipse">
+            <a:avLst/>
+          </a:prstGeom>
+          <a:solidFill>
+            <a:srgbClr val="00B0F0"/>
+          </a:solidFill>
+          <a:ln w="15875">
+            <a:noFill/>
+          </a:ln>
+        </p:spPr>
+        <p:style>
+          <a:lnRef idx="2">
+            <a:schemeClr val="accent1">
+              <a:shade val="50000"/>
+            </a:schemeClr>
+          </a:lnRef>
+          <a:fillRef idx="1">
+            <a:schemeClr val="accent1"/>
+          </a:fillRef>
+          <a:effectRef idx="0">
+            <a:schemeClr val="accent1"/>
+          </a:effectRef>
+          <a:fontRef idx="minor">
+            <a:schemeClr val="lt1"/>
+          </a:fontRef>
+        </p:style>
+        <p:txBody>
+          <a:bodyPr lIns="0" tIns="0" rIns="0" bIns="0" rtlCol="0" anchor="ctr"/>
+          <a:lstStyle/>
+          <a:p>
+            <a:pPr algn="ctr"/>
+            <a:r>
+              <a:rPr lang="en-US" altLang="ko-KR" sz="900" b="1" dirty="0">
+                <a:solidFill>
+                  <a:prstClr val="white"/>
+                </a:solidFill>
+              </a:rPr>
+              <a:t>02</a:t>
+            </a:r>
+            <a:endParaRPr lang="ko-KR" altLang="en-US" sz="900" b="1" dirty="0">
+              <a:solidFill>
+                <a:prstClr val="white"/>
+              </a:solidFill>
+            </a:endParaRPr>
+          </a:p>
+        </p:txBody>
+      </p:sp>
+      <p:cxnSp>
+        <p:nvCxnSpPr>
+          <p:cNvPr id="47" name="직선 연결선 46"/>
+          <p:cNvCxnSpPr>
+            <a:stCxn id="14" idx="5"/>
+          </p:cNvCxnSpPr>
+          <p:nvPr/>
+        </p:nvCxnSpPr>
+        <p:spPr>
+          <a:xfrm flipH="1">
+            <a:off x="-1568455" y="1424525"/>
+            <a:ext cx="1576614" cy="1020225"/>
+          </a:xfrm>
+          <a:prstGeom prst="line">
+            <a:avLst/>
+          </a:prstGeom>
+          <a:ln>
+            <a:solidFill>
+              <a:schemeClr val="bg2">
+                <a:lumMod val="75000"/>
+              </a:schemeClr>
+            </a:solidFill>
+          </a:ln>
+        </p:spPr>
+        <p:style>
+          <a:lnRef idx="1">
+            <a:schemeClr val="accent1"/>
+          </a:lnRef>
+          <a:fillRef idx="0">
+            <a:schemeClr val="accent1"/>
+          </a:fillRef>
+          <a:effectRef idx="0">
+            <a:schemeClr val="accent1"/>
+          </a:effectRef>
+          <a:fontRef idx="minor">
+            <a:schemeClr val="tx1"/>
+          </a:fontRef>
+        </p:style>
+      </p:cxnSp>
+      <p:sp>
+        <p:nvSpPr>
+          <p:cNvPr id="24" name="직사각형 23">
+            <a:extLst>
+              <a:ext uri="{FF2B5EF4-FFF2-40B4-BE49-F238E27FC236}">
+                <a16:creationId xmlns:a16="http://schemas.microsoft.com/office/drawing/2014/main" id="{EA2EB32F-BFD3-4F41-A447-F35E1AC057A8}"/>
+              </a:ext>
+            </a:extLst>
+          </p:cNvPr>
+          <p:cNvSpPr/>
+          <p:nvPr/>
+        </p:nvSpPr>
+        <p:spPr>
+          <a:xfrm>
+            <a:off x="3770575" y="253013"/>
+            <a:ext cx="8746212" cy="523220"/>
+          </a:xfrm>
+          <a:prstGeom prst="rect">
+            <a:avLst/>
+          </a:prstGeom>
+        </p:spPr>
+        <p:txBody>
+          <a:bodyPr wrap="square">
+            <a:spAutoFit/>
+          </a:bodyPr>
+          <a:lstStyle/>
+          <a:p>
+            <a:r>
+              <a:rPr lang="en-US" altLang="ko-KR" sz="2800" b="1" dirty="0">
+                <a:solidFill>
+                  <a:srgbClr val="4C5064"/>
+                </a:solidFill>
+                <a:latin typeface="KoPubWorld돋움체_Pro Bold" panose="00000800000000000000" pitchFamily="50" charset="-127"/>
+                <a:ea typeface="KoPubWorld돋움체_Pro Bold" panose="00000800000000000000" pitchFamily="50" charset="-127"/>
+                <a:cs typeface="KoPubWorld돋움체_Pro Bold" panose="00000800000000000000" pitchFamily="50" charset="-127"/>
+              </a:rPr>
+              <a:t>15.4 </a:t>
+            </a:r>
+            <a:r>
+              <a:rPr lang="ko-KR" altLang="en-US" sz="2800" b="1" dirty="0">
+                <a:solidFill>
+                  <a:srgbClr val="4C5064"/>
+                </a:solidFill>
+                <a:latin typeface="KoPubWorld돋움체_Pro Bold" panose="00000800000000000000" pitchFamily="50" charset="-127"/>
+                <a:ea typeface="KoPubWorld돋움체_Pro Bold" panose="00000800000000000000" pitchFamily="50" charset="-127"/>
+                <a:cs typeface="KoPubWorld돋움체_Pro Bold" panose="00000800000000000000" pitchFamily="50" charset="-127"/>
+              </a:rPr>
+              <a:t>최대 공통 부분 수열</a:t>
+            </a:r>
+            <a:endParaRPr lang="en-US" altLang="ko-KR" sz="2800" b="1" dirty="0">
+              <a:solidFill>
+                <a:srgbClr val="4C5064"/>
+              </a:solidFill>
+              <a:latin typeface="KoPubWorld돋움체_Pro Bold" panose="00000800000000000000" pitchFamily="50" charset="-127"/>
+              <a:ea typeface="KoPubWorld돋움체_Pro Bold" panose="00000800000000000000" pitchFamily="50" charset="-127"/>
+              <a:cs typeface="KoPubWorld돋움체_Pro Bold" panose="00000800000000000000" pitchFamily="50" charset="-127"/>
+            </a:endParaRPr>
+          </a:p>
+        </p:txBody>
+      </p:sp>
+      <p:sp>
+        <p:nvSpPr>
+          <p:cNvPr id="20" name="TextBox 19">
+            <a:extLst>
+              <a:ext uri="{FF2B5EF4-FFF2-40B4-BE49-F238E27FC236}">
+                <a16:creationId xmlns:a16="http://schemas.microsoft.com/office/drawing/2014/main" id="{91203404-6D16-4372-A35E-A4FA56BFCAC2}"/>
+              </a:ext>
+            </a:extLst>
+          </p:cNvPr>
+          <p:cNvSpPr txBox="1"/>
+          <p:nvPr/>
+        </p:nvSpPr>
+        <p:spPr>
+          <a:xfrm>
+            <a:off x="-103354" y="2982934"/>
+            <a:ext cx="2677001" cy="307777"/>
+          </a:xfrm>
+          <a:prstGeom prst="rect">
+            <a:avLst/>
+          </a:prstGeom>
+          <a:noFill/>
+        </p:spPr>
+        <p:txBody>
+          <a:bodyPr wrap="square" rtlCol="0">
+            <a:spAutoFit/>
+          </a:bodyPr>
+          <a:lstStyle/>
+          <a:p>
+            <a:pPr algn="r"/>
+            <a:r>
+              <a:rPr lang="en-US" altLang="ko-KR" sz="1400" b="1" i="1" dirty="0">
+                <a:solidFill>
+                  <a:srgbClr val="4C5064"/>
+                </a:solidFill>
+                <a:latin typeface="+mn-ea"/>
+                <a:cs typeface="Aharoni" panose="02010803020104030203" pitchFamily="2" charset="-79"/>
+              </a:rPr>
+              <a:t>15.3 </a:t>
+            </a:r>
+            <a:r>
+              <a:rPr lang="ko-KR" altLang="en-US" sz="1400" b="1" i="1" dirty="0">
+                <a:solidFill>
+                  <a:srgbClr val="4C5064"/>
+                </a:solidFill>
+                <a:latin typeface="+mn-ea"/>
+                <a:cs typeface="Aharoni" panose="02010803020104030203" pitchFamily="2" charset="-79"/>
+              </a:rPr>
+              <a:t>동적 프로그래밍의 요소</a:t>
+            </a:r>
+            <a:endParaRPr lang="ko-KR" altLang="en-US" sz="1100" i="1" dirty="0">
+              <a:solidFill>
+                <a:srgbClr val="4C5064"/>
+              </a:solidFill>
+              <a:latin typeface="+mn-ea"/>
+              <a:cs typeface="Aharoni" panose="02010803020104030203" pitchFamily="2" charset="-79"/>
+            </a:endParaRPr>
+          </a:p>
+        </p:txBody>
+      </p:sp>
+      <p:sp>
+        <p:nvSpPr>
+          <p:cNvPr id="21" name="TextBox 20">
+            <a:extLst>
+              <a:ext uri="{FF2B5EF4-FFF2-40B4-BE49-F238E27FC236}">
+                <a16:creationId xmlns:a16="http://schemas.microsoft.com/office/drawing/2014/main" id="{70EDDE0D-A33B-4174-8BFA-F2C3DC6A020C}"/>
+              </a:ext>
+            </a:extLst>
+          </p:cNvPr>
+          <p:cNvSpPr txBox="1"/>
+          <p:nvPr/>
+        </p:nvSpPr>
+        <p:spPr>
+          <a:xfrm>
+            <a:off x="-148116" y="3764165"/>
+            <a:ext cx="2677001" cy="307777"/>
+          </a:xfrm>
+          <a:prstGeom prst="rect">
+            <a:avLst/>
+          </a:prstGeom>
+          <a:noFill/>
+        </p:spPr>
+        <p:txBody>
+          <a:bodyPr wrap="square" rtlCol="0">
+            <a:spAutoFit/>
+          </a:bodyPr>
+          <a:lstStyle/>
+          <a:p>
+            <a:pPr algn="r"/>
+            <a:r>
+              <a:rPr lang="en-US" altLang="ko-KR" sz="1400" b="1" i="1" dirty="0">
+                <a:solidFill>
+                  <a:srgbClr val="4C5064"/>
+                </a:solidFill>
+                <a:latin typeface="+mn-ea"/>
+                <a:cs typeface="Aharoni" panose="02010803020104030203" pitchFamily="2" charset="-79"/>
+              </a:rPr>
+              <a:t>15.4 </a:t>
+            </a:r>
+            <a:r>
+              <a:rPr lang="ko-KR" altLang="en-US" sz="1400" b="1" i="1" dirty="0">
+                <a:solidFill>
+                  <a:srgbClr val="4C5064"/>
+                </a:solidFill>
+                <a:latin typeface="+mn-ea"/>
+                <a:cs typeface="Aharoni" panose="02010803020104030203" pitchFamily="2" charset="-79"/>
+              </a:rPr>
+              <a:t>최대 공통 부분 수열</a:t>
+            </a:r>
+            <a:endParaRPr lang="ko-KR" altLang="en-US" sz="1100" i="1" dirty="0">
+              <a:solidFill>
+                <a:srgbClr val="4C5064"/>
+              </a:solidFill>
+              <a:latin typeface="+mn-ea"/>
+              <a:cs typeface="Aharoni" panose="02010803020104030203" pitchFamily="2" charset="-79"/>
+            </a:endParaRPr>
+          </a:p>
+        </p:txBody>
+      </p:sp>
+      <p:sp>
+        <p:nvSpPr>
+          <p:cNvPr id="27" name="직사각형 26">
+            <a:extLst>
+              <a:ext uri="{FF2B5EF4-FFF2-40B4-BE49-F238E27FC236}">
+                <a16:creationId xmlns:a16="http://schemas.microsoft.com/office/drawing/2014/main" id="{64D75CE9-6732-4643-A769-90A2B9533434}"/>
+              </a:ext>
+            </a:extLst>
+          </p:cNvPr>
+          <p:cNvSpPr/>
+          <p:nvPr/>
+        </p:nvSpPr>
+        <p:spPr>
+          <a:xfrm>
+            <a:off x="3770575" y="1162915"/>
+            <a:ext cx="8746212" cy="523220"/>
+          </a:xfrm>
+          <a:prstGeom prst="rect">
+            <a:avLst/>
+          </a:prstGeom>
+        </p:spPr>
+        <p:txBody>
+          <a:bodyPr wrap="square">
+            <a:spAutoFit/>
+          </a:bodyPr>
+          <a:lstStyle/>
+          <a:p>
+            <a:r>
+              <a:rPr lang="ko-KR" altLang="en-US" sz="2800" b="1" dirty="0">
+                <a:latin typeface="KoPubWorld돋움체_Pro Bold" panose="00000800000000000000" pitchFamily="50" charset="-127"/>
+                <a:ea typeface="KoPubWorld돋움체_Pro Bold" panose="00000800000000000000" pitchFamily="50" charset="-127"/>
+                <a:cs typeface="KoPubWorld돋움체_Pro Bold" panose="00000800000000000000" pitchFamily="50" charset="-127"/>
+              </a:rPr>
+              <a:t>코드 향상시키기</a:t>
+            </a:r>
+            <a:endParaRPr lang="en-US" altLang="ko-KR" sz="2800" b="1" dirty="0">
+              <a:latin typeface="KoPubWorld돋움체_Pro Bold" panose="00000800000000000000" pitchFamily="50" charset="-127"/>
+              <a:ea typeface="KoPubWorld돋움체_Pro Bold" panose="00000800000000000000" pitchFamily="50" charset="-127"/>
+              <a:cs typeface="KoPubWorld돋움체_Pro Bold" panose="00000800000000000000" pitchFamily="50" charset="-127"/>
+            </a:endParaRPr>
+          </a:p>
+        </p:txBody>
+      </p:sp>
+      <p:pic>
+        <p:nvPicPr>
+          <p:cNvPr id="3" name="그림 2">
+            <a:extLst>
+              <a:ext uri="{FF2B5EF4-FFF2-40B4-BE49-F238E27FC236}">
+                <a16:creationId xmlns:a16="http://schemas.microsoft.com/office/drawing/2014/main" id="{B088DE2D-7613-4A69-8B92-1DB1DE7C6E73}"/>
+              </a:ext>
+            </a:extLst>
+          </p:cNvPr>
+          <p:cNvPicPr>
+            <a:picLocks noChangeAspect="1"/>
+          </p:cNvPicPr>
+          <p:nvPr/>
+        </p:nvPicPr>
+        <p:blipFill>
+          <a:blip r:embed="rId2">
+            <a:extLst>
+              <a:ext uri="{28A0092B-C50C-407E-A947-70E740481C1C}">
+                <a14:useLocalDpi xmlns:a14="http://schemas.microsoft.com/office/drawing/2010/main" val="0"/>
+              </a:ext>
+            </a:extLst>
+          </a:blip>
+          <a:stretch>
+            <a:fillRect/>
+          </a:stretch>
+        </p:blipFill>
+        <p:spPr>
+          <a:xfrm>
+            <a:off x="3708691" y="2133063"/>
+            <a:ext cx="3270318" cy="3262203"/>
+          </a:xfrm>
+          <a:prstGeom prst="rect">
+            <a:avLst/>
+          </a:prstGeom>
+        </p:spPr>
+      </p:pic>
+      <p:pic>
+        <p:nvPicPr>
+          <p:cNvPr id="8" name="그림 7">
+            <a:extLst>
+              <a:ext uri="{FF2B5EF4-FFF2-40B4-BE49-F238E27FC236}">
+                <a16:creationId xmlns:a16="http://schemas.microsoft.com/office/drawing/2014/main" id="{BB78407A-D18A-4202-B154-47E27A77DFF8}"/>
+              </a:ext>
+            </a:extLst>
+          </p:cNvPr>
+          <p:cNvPicPr>
+            <a:picLocks noChangeAspect="1"/>
+          </p:cNvPicPr>
+          <p:nvPr/>
+        </p:nvPicPr>
+        <p:blipFill>
+          <a:blip r:embed="rId3">
+            <a:extLst>
+              <a:ext uri="{28A0092B-C50C-407E-A947-70E740481C1C}">
+                <a14:useLocalDpi xmlns:a14="http://schemas.microsoft.com/office/drawing/2010/main" val="0"/>
+              </a:ext>
+            </a:extLst>
+          </a:blip>
+          <a:stretch>
+            <a:fillRect/>
+          </a:stretch>
+        </p:blipFill>
+        <p:spPr>
+          <a:xfrm>
+            <a:off x="8401506" y="3255220"/>
+            <a:ext cx="2940109" cy="1286299"/>
+          </a:xfrm>
+          <a:prstGeom prst="rect">
+            <a:avLst/>
+          </a:prstGeom>
+        </p:spPr>
+      </p:pic>
+    </p:spTree>
+    <p:extLst>
+      <p:ext uri="{BB962C8B-B14F-4D97-AF65-F5344CB8AC3E}">
+        <p14:creationId xmlns:p14="http://schemas.microsoft.com/office/powerpoint/2010/main" val="1052011482"/>
+      </p:ext>
+    </p:extLst>
+  </p:cSld>
+  <p:clrMapOvr>
+    <a:masterClrMapping/>
+  </p:clrMapOvr>
+</p:sld>
+</file>
+
+<file path=ppt/slides/slide38.xml><?xml version="1.0" encoding="utf-8"?>
+<p:sld xmlns:a="http://schemas.openxmlformats.org/drawingml/2006/main" xmlns:r="http://schemas.openxmlformats.org/officeDocument/2006/relationships" xmlns:p="http://schemas.openxmlformats.org/presentationml/2006/main">
+  <p:cSld>
+    <p:spTree>
+      <p:nvGrpSpPr>
+        <p:cNvPr id="1" name=""/>
+        <p:cNvGrpSpPr/>
+        <p:nvPr/>
+      </p:nvGrpSpPr>
+      <p:grpSpPr>
+        <a:xfrm>
+          <a:off x="0" y="0"/>
+          <a:ext cx="0" cy="0"/>
+          <a:chOff x="0" y="0"/>
+          <a:chExt cx="0" cy="0"/>
+        </a:xfrm>
+      </p:grpSpPr>
+      <p:cxnSp>
+        <p:nvCxnSpPr>
+          <p:cNvPr id="5" name="직선 연결선 4"/>
+          <p:cNvCxnSpPr>
+            <a:cxnSpLocks/>
+          </p:cNvCxnSpPr>
+          <p:nvPr/>
+        </p:nvCxnSpPr>
+        <p:spPr>
+          <a:xfrm>
+            <a:off x="2857355" y="3155151"/>
+            <a:ext cx="0" cy="795412"/>
+          </a:xfrm>
+          <a:prstGeom prst="line">
+            <a:avLst/>
+          </a:prstGeom>
+          <a:ln>
+            <a:solidFill>
+              <a:schemeClr val="bg2">
+                <a:lumMod val="75000"/>
+              </a:schemeClr>
+            </a:solidFill>
+          </a:ln>
+        </p:spPr>
+        <p:style>
+          <a:lnRef idx="1">
+            <a:schemeClr val="accent1"/>
+          </a:lnRef>
+          <a:fillRef idx="0">
+            <a:schemeClr val="accent1"/>
+          </a:fillRef>
+          <a:effectRef idx="0">
+            <a:schemeClr val="accent1"/>
+          </a:effectRef>
+          <a:fontRef idx="minor">
+            <a:schemeClr val="tx1"/>
+          </a:fontRef>
+        </p:style>
+      </p:cxnSp>
+      <p:grpSp>
+        <p:nvGrpSpPr>
+          <p:cNvPr id="4" name="그룹 3"/>
+          <p:cNvGrpSpPr/>
+          <p:nvPr/>
+        </p:nvGrpSpPr>
+        <p:grpSpPr>
+          <a:xfrm>
+            <a:off x="8159" y="0"/>
+            <a:ext cx="3997833" cy="2841179"/>
+            <a:chOff x="6061526" y="-6350"/>
+            <a:chExt cx="3663949" cy="2292349"/>
+          </a:xfrm>
+        </p:grpSpPr>
+        <p:sp>
+          <p:nvSpPr>
+            <p:cNvPr id="26" name="자유형 25"/>
+            <p:cNvSpPr/>
+            <p:nvPr/>
+          </p:nvSpPr>
+          <p:spPr>
+            <a:xfrm flipV="1">
+              <a:off x="9250495" y="-6350"/>
+              <a:ext cx="474980" cy="464409"/>
+            </a:xfrm>
+            <a:custGeom>
+              <a:avLst/>
+              <a:gdLst>
+                <a:gd name="connsiteX0" fmla="*/ 415242 w 474980"/>
+                <a:gd name="connsiteY0" fmla="*/ 464409 h 464409"/>
+                <a:gd name="connsiteX1" fmla="*/ 466685 w 474980"/>
+                <a:gd name="connsiteY1" fmla="*/ 464409 h 464409"/>
+                <a:gd name="connsiteX2" fmla="*/ 463920 w 474980"/>
+                <a:gd name="connsiteY2" fmla="*/ 458059 h 464409"/>
+                <a:gd name="connsiteX3" fmla="*/ 474980 w 474980"/>
+                <a:gd name="connsiteY3" fmla="*/ 458059 h 464409"/>
+                <a:gd name="connsiteX4" fmla="*/ 462181 w 474980"/>
+                <a:gd name="connsiteY4" fmla="*/ 454066 h 464409"/>
+                <a:gd name="connsiteX5" fmla="*/ 264460 w 474980"/>
+                <a:gd name="connsiteY5" fmla="*/ 0 h 464409"/>
+                <a:gd name="connsiteX6" fmla="*/ 0 w 474980"/>
+                <a:gd name="connsiteY6" fmla="*/ 458059 h 464409"/>
+                <a:gd name="connsiteX7" fmla="*/ 395329 w 474980"/>
+                <a:gd name="connsiteY7" fmla="*/ 458059 h 464409"/>
+              </a:gdLst>
+              <a:ahLst/>
+              <a:cxnLst>
+                <a:cxn ang="0">
+                  <a:pos x="connsiteX0" y="connsiteY0"/>
+                </a:cxn>
+                <a:cxn ang="0">
+                  <a:pos x="connsiteX1" y="connsiteY1"/>
+                </a:cxn>
+                <a:cxn ang="0">
+                  <a:pos x="connsiteX2" y="connsiteY2"/>
+                </a:cxn>
+                <a:cxn ang="0">
+                  <a:pos x="connsiteX3" y="connsiteY3"/>
+                </a:cxn>
+                <a:cxn ang="0">
+                  <a:pos x="connsiteX4" y="connsiteY4"/>
+                </a:cxn>
+                <a:cxn ang="0">
+                  <a:pos x="connsiteX5" y="connsiteY5"/>
+                </a:cxn>
+                <a:cxn ang="0">
+                  <a:pos x="connsiteX6" y="connsiteY6"/>
+                </a:cxn>
+                <a:cxn ang="0">
+                  <a:pos x="connsiteX7" y="connsiteY7"/>
+                </a:cxn>
+              </a:cxnLst>
+              <a:rect l="l" t="t" r="r" b="b"/>
+              <a:pathLst>
+                <a:path w="474980" h="464409">
+                  <a:moveTo>
+                    <a:pt x="415242" y="464409"/>
+                  </a:moveTo>
+                  <a:lnTo>
+                    <a:pt x="466685" y="464409"/>
+                  </a:lnTo>
+                  <a:lnTo>
+                    <a:pt x="463920" y="458059"/>
+                  </a:lnTo>
+                  <a:lnTo>
+                    <a:pt x="474980" y="458059"/>
+                  </a:lnTo>
+                  <a:lnTo>
+                    <a:pt x="462181" y="454066"/>
+                  </a:lnTo>
+                  <a:lnTo>
+                    <a:pt x="264460" y="0"/>
+                  </a:lnTo>
+                  <a:lnTo>
+                    <a:pt x="0" y="458059"/>
+                  </a:lnTo>
+                  <a:lnTo>
+                    <a:pt x="395329" y="458059"/>
+                  </a:lnTo>
+                  <a:close/>
+                </a:path>
+              </a:pathLst>
+            </a:custGeom>
+            <a:solidFill>
+              <a:srgbClr val="FFC000"/>
+            </a:solidFill>
+            <a:ln>
+              <a:noFill/>
+            </a:ln>
+          </p:spPr>
+          <p:style>
+            <a:lnRef idx="2">
+              <a:schemeClr val="accent1">
+                <a:shade val="50000"/>
+              </a:schemeClr>
+            </a:lnRef>
+            <a:fillRef idx="1">
+              <a:schemeClr val="accent1"/>
+            </a:fillRef>
+            <a:effectRef idx="0">
+              <a:schemeClr val="accent1"/>
+            </a:effectRef>
+            <a:fontRef idx="minor">
+              <a:schemeClr val="lt1"/>
+            </a:fontRef>
+          </p:style>
+          <p:txBody>
+            <a:bodyPr wrap="square" rtlCol="0" anchor="ctr">
+              <a:noAutofit/>
+            </a:bodyPr>
+            <a:lstStyle/>
+            <a:p>
+              <a:pPr algn="ctr"/>
+              <a:endParaRPr lang="ko-KR" altLang="en-US"/>
+            </a:p>
+          </p:txBody>
+        </p:sp>
+        <p:sp>
+          <p:nvSpPr>
+            <p:cNvPr id="14" name="자유형 13"/>
+            <p:cNvSpPr/>
+            <p:nvPr/>
+          </p:nvSpPr>
+          <p:spPr>
+            <a:xfrm flipV="1">
+              <a:off x="6061526" y="0"/>
+              <a:ext cx="3430733" cy="1916145"/>
+            </a:xfrm>
+            <a:custGeom>
+              <a:avLst/>
+              <a:gdLst>
+                <a:gd name="connsiteX0" fmla="*/ 0 w 3430733"/>
+                <a:gd name="connsiteY0" fmla="*/ 1916145 h 1916145"/>
+                <a:gd name="connsiteX1" fmla="*/ 3136179 w 3430733"/>
+                <a:gd name="connsiteY1" fmla="*/ 1916145 h 1916145"/>
+                <a:gd name="connsiteX2" fmla="*/ 3430733 w 3430733"/>
+                <a:gd name="connsiteY2" fmla="*/ 1405963 h 1916145"/>
+                <a:gd name="connsiteX3" fmla="*/ 2818514 w 3430733"/>
+                <a:gd name="connsiteY3" fmla="*/ 0 h 1916145"/>
+                <a:gd name="connsiteX4" fmla="*/ 1797554 w 3430733"/>
+                <a:gd name="connsiteY4" fmla="*/ 0 h 1916145"/>
+                <a:gd name="connsiteX5" fmla="*/ 0 w 3430733"/>
+                <a:gd name="connsiteY5" fmla="*/ 773145 h 1916145"/>
+                <a:gd name="connsiteX6" fmla="*/ 0 w 3430733"/>
+                <a:gd name="connsiteY6" fmla="*/ 1916145 h 1916145"/>
+              </a:gdLst>
+              <a:ahLst/>
+              <a:cxnLst>
+                <a:cxn ang="0">
+                  <a:pos x="connsiteX0" y="connsiteY0"/>
+                </a:cxn>
+                <a:cxn ang="0">
+                  <a:pos x="connsiteX1" y="connsiteY1"/>
+                </a:cxn>
+                <a:cxn ang="0">
+                  <a:pos x="connsiteX2" y="connsiteY2"/>
+                </a:cxn>
+                <a:cxn ang="0">
+                  <a:pos x="connsiteX3" y="connsiteY3"/>
+                </a:cxn>
+                <a:cxn ang="0">
+                  <a:pos x="connsiteX4" y="connsiteY4"/>
+                </a:cxn>
+                <a:cxn ang="0">
+                  <a:pos x="connsiteX5" y="connsiteY5"/>
+                </a:cxn>
+                <a:cxn ang="0">
+                  <a:pos x="connsiteX6" y="connsiteY6"/>
+                </a:cxn>
+              </a:cxnLst>
+              <a:rect l="l" t="t" r="r" b="b"/>
+              <a:pathLst>
+                <a:path w="3430733" h="1916145">
+                  <a:moveTo>
+                    <a:pt x="0" y="1916145"/>
+                  </a:moveTo>
+                  <a:lnTo>
+                    <a:pt x="3136179" y="1916145"/>
+                  </a:lnTo>
+                  <a:lnTo>
+                    <a:pt x="3430733" y="1405963"/>
+                  </a:lnTo>
+                  <a:lnTo>
+                    <a:pt x="2818514" y="0"/>
+                  </a:lnTo>
+                  <a:lnTo>
+                    <a:pt x="1797554" y="0"/>
+                  </a:lnTo>
+                  <a:lnTo>
+                    <a:pt x="0" y="773145"/>
+                  </a:lnTo>
+                  <a:lnTo>
+                    <a:pt x="0" y="1916145"/>
+                  </a:lnTo>
+                  <a:close/>
+                </a:path>
+              </a:pathLst>
+            </a:custGeom>
+            <a:solidFill>
+              <a:srgbClr val="41C9D3"/>
+            </a:solidFill>
+            <a:ln>
+              <a:noFill/>
+            </a:ln>
+          </p:spPr>
+          <p:style>
+            <a:lnRef idx="2">
+              <a:schemeClr val="accent1">
+                <a:shade val="50000"/>
+              </a:schemeClr>
+            </a:lnRef>
+            <a:fillRef idx="1">
+              <a:schemeClr val="accent1"/>
+            </a:fillRef>
+            <a:effectRef idx="0">
+              <a:schemeClr val="accent1"/>
+            </a:effectRef>
+            <a:fontRef idx="minor">
+              <a:schemeClr val="lt1"/>
+            </a:fontRef>
+          </p:style>
+          <p:txBody>
+            <a:bodyPr rtlCol="0" anchor="ctr"/>
+            <a:lstStyle/>
+            <a:p>
+              <a:pPr algn="ctr"/>
+              <a:endParaRPr lang="ko-KR" altLang="en-US"/>
+            </a:p>
+          </p:txBody>
+        </p:sp>
+        <p:sp>
+          <p:nvSpPr>
+            <p:cNvPr id="11" name="자유형 10"/>
+            <p:cNvSpPr/>
+            <p:nvPr/>
+          </p:nvSpPr>
+          <p:spPr>
+            <a:xfrm flipV="1">
+              <a:off x="7965376" y="1961863"/>
+              <a:ext cx="894756" cy="324136"/>
+            </a:xfrm>
+            <a:custGeom>
+              <a:avLst/>
+              <a:gdLst>
+                <a:gd name="connsiteX0" fmla="*/ 0 w 894756"/>
+                <a:gd name="connsiteY0" fmla="*/ 324136 h 324136"/>
+                <a:gd name="connsiteX1" fmla="*/ 894756 w 894756"/>
+                <a:gd name="connsiteY1" fmla="*/ 324136 h 324136"/>
+                <a:gd name="connsiteX2" fmla="*/ 753613 w 894756"/>
+                <a:gd name="connsiteY2" fmla="*/ 0 h 324136"/>
+                <a:gd name="connsiteX3" fmla="*/ 0 w 894756"/>
+                <a:gd name="connsiteY3" fmla="*/ 324136 h 324136"/>
+              </a:gdLst>
+              <a:ahLst/>
+              <a:cxnLst>
+                <a:cxn ang="0">
+                  <a:pos x="connsiteX0" y="connsiteY0"/>
+                </a:cxn>
+                <a:cxn ang="0">
+                  <a:pos x="connsiteX1" y="connsiteY1"/>
+                </a:cxn>
+                <a:cxn ang="0">
+                  <a:pos x="connsiteX2" y="connsiteY2"/>
+                </a:cxn>
+                <a:cxn ang="0">
+                  <a:pos x="connsiteX3" y="connsiteY3"/>
+                </a:cxn>
+              </a:cxnLst>
+              <a:rect l="l" t="t" r="r" b="b"/>
+              <a:pathLst>
+                <a:path w="894756" h="324136">
+                  <a:moveTo>
+                    <a:pt x="0" y="324136"/>
+                  </a:moveTo>
+                  <a:lnTo>
+                    <a:pt x="894756" y="324136"/>
+                  </a:lnTo>
+                  <a:lnTo>
+                    <a:pt x="753613" y="0"/>
+                  </a:lnTo>
+                  <a:lnTo>
+                    <a:pt x="0" y="324136"/>
+                  </a:lnTo>
+                  <a:close/>
+                </a:path>
+              </a:pathLst>
+            </a:custGeom>
+            <a:solidFill>
+              <a:srgbClr val="4C5064"/>
+            </a:solidFill>
+            <a:ln>
+              <a:noFill/>
+            </a:ln>
+          </p:spPr>
+          <p:style>
+            <a:lnRef idx="2">
+              <a:schemeClr val="accent1">
+                <a:shade val="50000"/>
+              </a:schemeClr>
+            </a:lnRef>
+            <a:fillRef idx="1">
+              <a:schemeClr val="accent1"/>
+            </a:fillRef>
+            <a:effectRef idx="0">
+              <a:schemeClr val="accent1"/>
+            </a:effectRef>
+            <a:fontRef idx="minor">
+              <a:schemeClr val="lt1"/>
+            </a:fontRef>
+          </p:style>
+          <p:txBody>
+            <a:bodyPr rtlCol="0" anchor="ctr"/>
+            <a:lstStyle/>
+            <a:p>
+              <a:pPr algn="ctr"/>
+              <a:endParaRPr lang="ko-KR" altLang="en-US"/>
+            </a:p>
+          </p:txBody>
+        </p:sp>
+      </p:grpSp>
+      <p:sp>
+        <p:nvSpPr>
+          <p:cNvPr id="22" name="직사각형 21"/>
+          <p:cNvSpPr/>
+          <p:nvPr/>
+        </p:nvSpPr>
+        <p:spPr>
+          <a:xfrm>
+            <a:off x="-10891" y="303681"/>
+            <a:ext cx="3719582" cy="800219"/>
+          </a:xfrm>
+          <a:prstGeom prst="rect">
+            <a:avLst/>
+          </a:prstGeom>
+        </p:spPr>
+        <p:txBody>
+          <a:bodyPr wrap="square">
+            <a:spAutoFit/>
+          </a:bodyPr>
+          <a:lstStyle/>
+          <a:p>
+            <a:pPr algn="ctr"/>
+            <a:r>
+              <a:rPr lang="en-US" altLang="ko-KR" dirty="0">
+                <a:solidFill>
+                  <a:schemeClr val="bg1"/>
+                </a:solidFill>
+                <a:latin typeface="KoPubWorld돋움체 Bold" panose="00000800000000000000" pitchFamily="2" charset="-127"/>
+                <a:ea typeface="KoPubWorld돋움체 Bold" panose="00000800000000000000" pitchFamily="2" charset="-127"/>
+                <a:cs typeface="KoPubWorld돋움체 Bold" panose="00000800000000000000" pitchFamily="2" charset="-127"/>
+              </a:rPr>
+              <a:t>Introduction to Algorithms</a:t>
+            </a:r>
+          </a:p>
+          <a:p>
+            <a:pPr algn="ctr"/>
+            <a:r>
+              <a:rPr lang="en-US" altLang="ko-KR" sz="2800" b="1" dirty="0">
+                <a:solidFill>
+                  <a:schemeClr val="bg1"/>
+                </a:solidFill>
+                <a:latin typeface="KoPubWorld돋움체 Bold" panose="00000800000000000000" pitchFamily="2" charset="-127"/>
+                <a:ea typeface="KoPubWorld돋움체 Bold" panose="00000800000000000000" pitchFamily="2" charset="-127"/>
+                <a:cs typeface="KoPubWorld돋움체 Bold" panose="00000800000000000000" pitchFamily="2" charset="-127"/>
+              </a:rPr>
+              <a:t>15. </a:t>
+            </a:r>
+            <a:r>
+              <a:rPr lang="ko-KR" altLang="en-US" sz="2800" b="1" dirty="0">
+                <a:solidFill>
+                  <a:schemeClr val="bg1"/>
+                </a:solidFill>
+                <a:latin typeface="KoPubWorld돋움체 Bold" panose="00000800000000000000" pitchFamily="2" charset="-127"/>
+                <a:ea typeface="KoPubWorld돋움체 Bold" panose="00000800000000000000" pitchFamily="2" charset="-127"/>
+                <a:cs typeface="KoPubWorld돋움체 Bold" panose="00000800000000000000" pitchFamily="2" charset="-127"/>
+              </a:rPr>
+              <a:t>동적 프로그래밍</a:t>
+            </a:r>
+            <a:endParaRPr lang="en-US" altLang="ko-KR" sz="2800" b="1" dirty="0">
+              <a:solidFill>
+                <a:schemeClr val="bg1"/>
+              </a:solidFill>
+              <a:latin typeface="KoPubWorld돋움체 Bold" panose="00000800000000000000" pitchFamily="2" charset="-127"/>
+              <a:ea typeface="KoPubWorld돋움체 Bold" panose="00000800000000000000" pitchFamily="2" charset="-127"/>
+              <a:cs typeface="KoPubWorld돋움체 Bold" panose="00000800000000000000" pitchFamily="2" charset="-127"/>
+            </a:endParaRPr>
+          </a:p>
+        </p:txBody>
+      </p:sp>
+      <p:sp>
+        <p:nvSpPr>
+          <p:cNvPr id="41" name="타원 40"/>
+          <p:cNvSpPr/>
+          <p:nvPr/>
+        </p:nvSpPr>
+        <p:spPr>
+          <a:xfrm>
+            <a:off x="2693119" y="2926753"/>
+            <a:ext cx="328471" cy="328468"/>
+          </a:xfrm>
+          <a:prstGeom prst="ellipse">
+            <a:avLst/>
+          </a:prstGeom>
+          <a:solidFill>
+            <a:schemeClr val="bg1">
+              <a:lumMod val="85000"/>
+            </a:schemeClr>
+          </a:solidFill>
+          <a:ln w="15875">
+            <a:noFill/>
+          </a:ln>
+        </p:spPr>
+        <p:style>
+          <a:lnRef idx="2">
+            <a:schemeClr val="accent1">
+              <a:shade val="50000"/>
+            </a:schemeClr>
+          </a:lnRef>
+          <a:fillRef idx="1">
+            <a:schemeClr val="accent1"/>
+          </a:fillRef>
+          <a:effectRef idx="0">
+            <a:schemeClr val="accent1"/>
+          </a:effectRef>
+          <a:fontRef idx="minor">
+            <a:schemeClr val="lt1"/>
+          </a:fontRef>
+        </p:style>
+        <p:txBody>
+          <a:bodyPr lIns="0" tIns="0" rIns="0" bIns="0" rtlCol="0" anchor="ctr"/>
+          <a:lstStyle/>
+          <a:p>
+            <a:pPr algn="ctr"/>
+            <a:r>
+              <a:rPr lang="en-US" altLang="ko-KR" sz="900" b="1" dirty="0">
+                <a:solidFill>
+                  <a:prstClr val="white"/>
+                </a:solidFill>
+              </a:rPr>
+              <a:t>01</a:t>
+            </a:r>
+            <a:endParaRPr lang="ko-KR" altLang="en-US" sz="900" b="1" dirty="0">
+              <a:solidFill>
+                <a:prstClr val="white"/>
+              </a:solidFill>
+            </a:endParaRPr>
+          </a:p>
+        </p:txBody>
+      </p:sp>
+      <p:sp>
+        <p:nvSpPr>
+          <p:cNvPr id="53" name="타원 52"/>
+          <p:cNvSpPr/>
+          <p:nvPr/>
+        </p:nvSpPr>
+        <p:spPr>
+          <a:xfrm>
+            <a:off x="2693119" y="3767897"/>
+            <a:ext cx="328471" cy="328468"/>
+          </a:xfrm>
+          <a:prstGeom prst="ellipse">
+            <a:avLst/>
+          </a:prstGeom>
+          <a:solidFill>
+            <a:srgbClr val="00B0F0"/>
+          </a:solidFill>
+          <a:ln w="15875">
+            <a:noFill/>
+          </a:ln>
+        </p:spPr>
+        <p:style>
+          <a:lnRef idx="2">
+            <a:schemeClr val="accent1">
+              <a:shade val="50000"/>
+            </a:schemeClr>
+          </a:lnRef>
+          <a:fillRef idx="1">
+            <a:schemeClr val="accent1"/>
+          </a:fillRef>
+          <a:effectRef idx="0">
+            <a:schemeClr val="accent1"/>
+          </a:effectRef>
+          <a:fontRef idx="minor">
+            <a:schemeClr val="lt1"/>
+          </a:fontRef>
+        </p:style>
+        <p:txBody>
+          <a:bodyPr lIns="0" tIns="0" rIns="0" bIns="0" rtlCol="0" anchor="ctr"/>
+          <a:lstStyle/>
+          <a:p>
+            <a:pPr algn="ctr"/>
+            <a:r>
+              <a:rPr lang="en-US" altLang="ko-KR" sz="900" b="1" dirty="0">
+                <a:solidFill>
+                  <a:prstClr val="white"/>
+                </a:solidFill>
+              </a:rPr>
+              <a:t>02</a:t>
+            </a:r>
+            <a:endParaRPr lang="ko-KR" altLang="en-US" sz="900" b="1" dirty="0">
+              <a:solidFill>
+                <a:prstClr val="white"/>
+              </a:solidFill>
+            </a:endParaRPr>
+          </a:p>
+        </p:txBody>
+      </p:sp>
+      <p:cxnSp>
+        <p:nvCxnSpPr>
+          <p:cNvPr id="47" name="직선 연결선 46"/>
+          <p:cNvCxnSpPr>
+            <a:stCxn id="14" idx="5"/>
+          </p:cNvCxnSpPr>
+          <p:nvPr/>
+        </p:nvCxnSpPr>
+        <p:spPr>
+          <a:xfrm flipH="1">
+            <a:off x="-1568455" y="1424525"/>
+            <a:ext cx="1576614" cy="1020225"/>
+          </a:xfrm>
+          <a:prstGeom prst="line">
+            <a:avLst/>
+          </a:prstGeom>
+          <a:ln>
+            <a:solidFill>
+              <a:schemeClr val="bg2">
+                <a:lumMod val="75000"/>
+              </a:schemeClr>
+            </a:solidFill>
+          </a:ln>
+        </p:spPr>
+        <p:style>
+          <a:lnRef idx="1">
+            <a:schemeClr val="accent1"/>
+          </a:lnRef>
+          <a:fillRef idx="0">
+            <a:schemeClr val="accent1"/>
+          </a:fillRef>
+          <a:effectRef idx="0">
+            <a:schemeClr val="accent1"/>
+          </a:effectRef>
+          <a:fontRef idx="minor">
+            <a:schemeClr val="tx1"/>
+          </a:fontRef>
+        </p:style>
+      </p:cxnSp>
+      <p:sp>
+        <p:nvSpPr>
+          <p:cNvPr id="24" name="직사각형 23">
+            <a:extLst>
+              <a:ext uri="{FF2B5EF4-FFF2-40B4-BE49-F238E27FC236}">
+                <a16:creationId xmlns:a16="http://schemas.microsoft.com/office/drawing/2014/main" id="{EA2EB32F-BFD3-4F41-A447-F35E1AC057A8}"/>
+              </a:ext>
+            </a:extLst>
+          </p:cNvPr>
+          <p:cNvSpPr/>
+          <p:nvPr/>
+        </p:nvSpPr>
+        <p:spPr>
+          <a:xfrm>
+            <a:off x="3770575" y="253013"/>
+            <a:ext cx="8746212" cy="523220"/>
+          </a:xfrm>
+          <a:prstGeom prst="rect">
+            <a:avLst/>
+          </a:prstGeom>
+        </p:spPr>
+        <p:txBody>
+          <a:bodyPr wrap="square">
+            <a:spAutoFit/>
+          </a:bodyPr>
+          <a:lstStyle/>
+          <a:p>
+            <a:r>
+              <a:rPr lang="en-US" altLang="ko-KR" sz="2800" b="1" dirty="0">
+                <a:solidFill>
+                  <a:srgbClr val="4C5064"/>
+                </a:solidFill>
+                <a:latin typeface="KoPubWorld돋움체_Pro Bold" panose="00000800000000000000" pitchFamily="50" charset="-127"/>
+                <a:ea typeface="KoPubWorld돋움체_Pro Bold" panose="00000800000000000000" pitchFamily="50" charset="-127"/>
+                <a:cs typeface="KoPubWorld돋움체_Pro Bold" panose="00000800000000000000" pitchFamily="50" charset="-127"/>
+              </a:rPr>
+              <a:t>15.4 </a:t>
+            </a:r>
+            <a:r>
+              <a:rPr lang="ko-KR" altLang="en-US" sz="2800" b="1" dirty="0">
+                <a:solidFill>
+                  <a:srgbClr val="4C5064"/>
+                </a:solidFill>
+                <a:latin typeface="KoPubWorld돋움체_Pro Bold" panose="00000800000000000000" pitchFamily="50" charset="-127"/>
+                <a:ea typeface="KoPubWorld돋움체_Pro Bold" panose="00000800000000000000" pitchFamily="50" charset="-127"/>
+                <a:cs typeface="KoPubWorld돋움체_Pro Bold" panose="00000800000000000000" pitchFamily="50" charset="-127"/>
+              </a:rPr>
+              <a:t>최대 공통 부분 수열</a:t>
+            </a:r>
+            <a:endParaRPr lang="en-US" altLang="ko-KR" sz="2800" b="1" dirty="0">
+              <a:solidFill>
+                <a:srgbClr val="4C5064"/>
+              </a:solidFill>
+              <a:latin typeface="KoPubWorld돋움체_Pro Bold" panose="00000800000000000000" pitchFamily="50" charset="-127"/>
+              <a:ea typeface="KoPubWorld돋움체_Pro Bold" panose="00000800000000000000" pitchFamily="50" charset="-127"/>
+              <a:cs typeface="KoPubWorld돋움체_Pro Bold" panose="00000800000000000000" pitchFamily="50" charset="-127"/>
+            </a:endParaRPr>
+          </a:p>
+        </p:txBody>
+      </p:sp>
+      <p:sp>
+        <p:nvSpPr>
+          <p:cNvPr id="20" name="TextBox 19">
+            <a:extLst>
+              <a:ext uri="{FF2B5EF4-FFF2-40B4-BE49-F238E27FC236}">
+                <a16:creationId xmlns:a16="http://schemas.microsoft.com/office/drawing/2014/main" id="{91203404-6D16-4372-A35E-A4FA56BFCAC2}"/>
+              </a:ext>
+            </a:extLst>
+          </p:cNvPr>
+          <p:cNvSpPr txBox="1"/>
+          <p:nvPr/>
+        </p:nvSpPr>
+        <p:spPr>
+          <a:xfrm>
+            <a:off x="-103354" y="2982934"/>
+            <a:ext cx="2677001" cy="307777"/>
+          </a:xfrm>
+          <a:prstGeom prst="rect">
+            <a:avLst/>
+          </a:prstGeom>
+          <a:noFill/>
+        </p:spPr>
+        <p:txBody>
+          <a:bodyPr wrap="square" rtlCol="0">
+            <a:spAutoFit/>
+          </a:bodyPr>
+          <a:lstStyle/>
+          <a:p>
+            <a:pPr algn="r"/>
+            <a:r>
+              <a:rPr lang="en-US" altLang="ko-KR" sz="1400" b="1" i="1" dirty="0">
+                <a:solidFill>
+                  <a:srgbClr val="4C5064"/>
+                </a:solidFill>
+                <a:latin typeface="+mn-ea"/>
+                <a:cs typeface="Aharoni" panose="02010803020104030203" pitchFamily="2" charset="-79"/>
+              </a:rPr>
+              <a:t>15.3 </a:t>
+            </a:r>
+            <a:r>
+              <a:rPr lang="ko-KR" altLang="en-US" sz="1400" b="1" i="1" dirty="0">
+                <a:solidFill>
+                  <a:srgbClr val="4C5064"/>
+                </a:solidFill>
+                <a:latin typeface="+mn-ea"/>
+                <a:cs typeface="Aharoni" panose="02010803020104030203" pitchFamily="2" charset="-79"/>
+              </a:rPr>
+              <a:t>동적 프로그래밍의 요소</a:t>
+            </a:r>
+            <a:endParaRPr lang="ko-KR" altLang="en-US" sz="1100" i="1" dirty="0">
+              <a:solidFill>
+                <a:srgbClr val="4C5064"/>
+              </a:solidFill>
+              <a:latin typeface="+mn-ea"/>
+              <a:cs typeface="Aharoni" panose="02010803020104030203" pitchFamily="2" charset="-79"/>
+            </a:endParaRPr>
+          </a:p>
+        </p:txBody>
+      </p:sp>
+      <p:sp>
+        <p:nvSpPr>
+          <p:cNvPr id="21" name="TextBox 20">
+            <a:extLst>
+              <a:ext uri="{FF2B5EF4-FFF2-40B4-BE49-F238E27FC236}">
+                <a16:creationId xmlns:a16="http://schemas.microsoft.com/office/drawing/2014/main" id="{70EDDE0D-A33B-4174-8BFA-F2C3DC6A020C}"/>
+              </a:ext>
+            </a:extLst>
+          </p:cNvPr>
+          <p:cNvSpPr txBox="1"/>
+          <p:nvPr/>
+        </p:nvSpPr>
+        <p:spPr>
+          <a:xfrm>
+            <a:off x="-148116" y="3764165"/>
+            <a:ext cx="2677001" cy="307777"/>
+          </a:xfrm>
+          <a:prstGeom prst="rect">
+            <a:avLst/>
+          </a:prstGeom>
+          <a:noFill/>
+        </p:spPr>
+        <p:txBody>
+          <a:bodyPr wrap="square" rtlCol="0">
+            <a:spAutoFit/>
+          </a:bodyPr>
+          <a:lstStyle/>
+          <a:p>
+            <a:pPr algn="r"/>
+            <a:r>
+              <a:rPr lang="en-US" altLang="ko-KR" sz="1400" b="1" i="1" dirty="0">
+                <a:solidFill>
+                  <a:srgbClr val="4C5064"/>
+                </a:solidFill>
+                <a:latin typeface="+mn-ea"/>
+                <a:cs typeface="Aharoni" panose="02010803020104030203" pitchFamily="2" charset="-79"/>
+              </a:rPr>
+              <a:t>15.4 </a:t>
+            </a:r>
+            <a:r>
+              <a:rPr lang="ko-KR" altLang="en-US" sz="1400" b="1" i="1" dirty="0">
+                <a:solidFill>
+                  <a:srgbClr val="4C5064"/>
+                </a:solidFill>
+                <a:latin typeface="+mn-ea"/>
+                <a:cs typeface="Aharoni" panose="02010803020104030203" pitchFamily="2" charset="-79"/>
+              </a:rPr>
+              <a:t>최대 공통 부분 수열</a:t>
+            </a:r>
+            <a:endParaRPr lang="ko-KR" altLang="en-US" sz="1100" i="1" dirty="0">
+              <a:solidFill>
+                <a:srgbClr val="4C5064"/>
+              </a:solidFill>
+              <a:latin typeface="+mn-ea"/>
+              <a:cs typeface="Aharoni" panose="02010803020104030203" pitchFamily="2" charset="-79"/>
+            </a:endParaRPr>
+          </a:p>
+        </p:txBody>
+      </p:sp>
+      <p:sp>
+        <p:nvSpPr>
+          <p:cNvPr id="27" name="직사각형 26">
+            <a:extLst>
+              <a:ext uri="{FF2B5EF4-FFF2-40B4-BE49-F238E27FC236}">
+                <a16:creationId xmlns:a16="http://schemas.microsoft.com/office/drawing/2014/main" id="{64D75CE9-6732-4643-A769-90A2B9533434}"/>
+              </a:ext>
+            </a:extLst>
+          </p:cNvPr>
+          <p:cNvSpPr/>
+          <p:nvPr/>
+        </p:nvSpPr>
+        <p:spPr>
+          <a:xfrm>
+            <a:off x="3770575" y="1162915"/>
+            <a:ext cx="8746212" cy="523220"/>
+          </a:xfrm>
+          <a:prstGeom prst="rect">
+            <a:avLst/>
+          </a:prstGeom>
+        </p:spPr>
+        <p:txBody>
+          <a:bodyPr wrap="square">
+            <a:spAutoFit/>
+          </a:bodyPr>
+          <a:lstStyle/>
+          <a:p>
+            <a:r>
+              <a:rPr lang="ko-KR" altLang="en-US" sz="2800" b="1" dirty="0">
+                <a:latin typeface="KoPubWorld돋움체_Pro Bold" panose="00000800000000000000" pitchFamily="50" charset="-127"/>
+                <a:ea typeface="KoPubWorld돋움체_Pro Bold" panose="00000800000000000000" pitchFamily="50" charset="-127"/>
+                <a:cs typeface="KoPubWorld돋움체_Pro Bold" panose="00000800000000000000" pitchFamily="50" charset="-127"/>
+              </a:rPr>
+              <a:t>코드 향상시키기</a:t>
+            </a:r>
+            <a:endParaRPr lang="en-US" altLang="ko-KR" sz="2800" b="1" dirty="0">
+              <a:latin typeface="KoPubWorld돋움체_Pro Bold" panose="00000800000000000000" pitchFamily="50" charset="-127"/>
+              <a:ea typeface="KoPubWorld돋움체_Pro Bold" panose="00000800000000000000" pitchFamily="50" charset="-127"/>
+              <a:cs typeface="KoPubWorld돋움체_Pro Bold" panose="00000800000000000000" pitchFamily="50" charset="-127"/>
+            </a:endParaRPr>
+          </a:p>
+        </p:txBody>
+      </p:sp>
+      <p:pic>
+        <p:nvPicPr>
+          <p:cNvPr id="3" name="그림 2">
+            <a:extLst>
+              <a:ext uri="{FF2B5EF4-FFF2-40B4-BE49-F238E27FC236}">
+                <a16:creationId xmlns:a16="http://schemas.microsoft.com/office/drawing/2014/main" id="{B088DE2D-7613-4A69-8B92-1DB1DE7C6E73}"/>
+              </a:ext>
+            </a:extLst>
+          </p:cNvPr>
+          <p:cNvPicPr>
+            <a:picLocks noChangeAspect="1"/>
+          </p:cNvPicPr>
+          <p:nvPr/>
+        </p:nvPicPr>
+        <p:blipFill>
+          <a:blip r:embed="rId2">
+            <a:extLst>
+              <a:ext uri="{28A0092B-C50C-407E-A947-70E740481C1C}">
+                <a14:useLocalDpi xmlns:a14="http://schemas.microsoft.com/office/drawing/2010/main" val="0"/>
+              </a:ext>
+            </a:extLst>
+          </a:blip>
+          <a:stretch>
+            <a:fillRect/>
+          </a:stretch>
+        </p:blipFill>
+        <p:spPr>
+          <a:xfrm>
+            <a:off x="3746859" y="1659609"/>
+            <a:ext cx="5275207" cy="5262117"/>
+          </a:xfrm>
+          <a:prstGeom prst="rect">
+            <a:avLst/>
+          </a:prstGeom>
+        </p:spPr>
+      </p:pic>
+      <p:sp>
+        <p:nvSpPr>
+          <p:cNvPr id="2" name="직사각형 1">
+            <a:extLst>
+              <a:ext uri="{FF2B5EF4-FFF2-40B4-BE49-F238E27FC236}">
+                <a16:creationId xmlns:a16="http://schemas.microsoft.com/office/drawing/2014/main" id="{DDD335F0-5920-4BB3-9F58-3BB2B7BC71E9}"/>
+              </a:ext>
+            </a:extLst>
+          </p:cNvPr>
+          <p:cNvSpPr/>
+          <p:nvPr/>
+        </p:nvSpPr>
+        <p:spPr>
+          <a:xfrm>
+            <a:off x="4946194" y="2743369"/>
+            <a:ext cx="1173480" cy="1283563"/>
+          </a:xfrm>
+          <a:prstGeom prst="rect">
+            <a:avLst/>
+          </a:prstGeom>
+          <a:noFill/>
+          <a:ln w="76200"/>
+        </p:spPr>
+        <p:style>
+          <a:lnRef idx="2">
+            <a:schemeClr val="accent6"/>
+          </a:lnRef>
+          <a:fillRef idx="1">
+            <a:schemeClr val="lt1"/>
+          </a:fillRef>
+          <a:effectRef idx="0">
+            <a:schemeClr val="accent6"/>
+          </a:effectRef>
+          <a:fontRef idx="minor">
+            <a:schemeClr val="dk1"/>
+          </a:fontRef>
+        </p:style>
+        <p:txBody>
+          <a:bodyPr rtlCol="0" anchor="ctr"/>
+          <a:lstStyle/>
+          <a:p>
+            <a:pPr algn="ctr"/>
+            <a:endParaRPr lang="ko-KR" altLang="en-US">
+              <a:noFill/>
+            </a:endParaRPr>
+          </a:p>
+        </p:txBody>
+      </p:sp>
+      <p:sp>
+        <p:nvSpPr>
+          <p:cNvPr id="18" name="직사각형 17">
+            <a:extLst>
+              <a:ext uri="{FF2B5EF4-FFF2-40B4-BE49-F238E27FC236}">
+                <a16:creationId xmlns:a16="http://schemas.microsoft.com/office/drawing/2014/main" id="{AF6CD686-8D41-4F6F-9B7B-94AA645D59E1}"/>
+              </a:ext>
+            </a:extLst>
+          </p:cNvPr>
+          <p:cNvSpPr/>
+          <p:nvPr/>
+        </p:nvSpPr>
+        <p:spPr>
+          <a:xfrm>
+            <a:off x="5835697" y="3671455"/>
+            <a:ext cx="1173480" cy="1283563"/>
+          </a:xfrm>
+          <a:prstGeom prst="rect">
+            <a:avLst/>
+          </a:prstGeom>
+          <a:noFill/>
+          <a:ln w="76200"/>
+        </p:spPr>
+        <p:style>
+          <a:lnRef idx="2">
+            <a:schemeClr val="accent6"/>
+          </a:lnRef>
+          <a:fillRef idx="1">
+            <a:schemeClr val="lt1"/>
+          </a:fillRef>
+          <a:effectRef idx="0">
+            <a:schemeClr val="accent6"/>
+          </a:effectRef>
+          <a:fontRef idx="minor">
+            <a:schemeClr val="dk1"/>
+          </a:fontRef>
+        </p:style>
+        <p:txBody>
+          <a:bodyPr rtlCol="0" anchor="ctr"/>
+          <a:lstStyle/>
+          <a:p>
+            <a:pPr algn="ctr"/>
+            <a:endParaRPr lang="ko-KR" altLang="en-US">
+              <a:noFill/>
+            </a:endParaRPr>
+          </a:p>
+        </p:txBody>
+      </p:sp>
+      <p:pic>
+        <p:nvPicPr>
+          <p:cNvPr id="7" name="그림 6" descr="개체, 시계이(가) 표시된 사진&#10;&#10;자동 생성된 설명">
+            <a:extLst>
+              <a:ext uri="{FF2B5EF4-FFF2-40B4-BE49-F238E27FC236}">
+                <a16:creationId xmlns:a16="http://schemas.microsoft.com/office/drawing/2014/main" id="{E125B57A-5CFD-4B85-847D-9366C4EBE4F2}"/>
+              </a:ext>
+            </a:extLst>
+          </p:cNvPr>
+          <p:cNvPicPr>
+            <a:picLocks noChangeAspect="1"/>
+          </p:cNvPicPr>
+          <p:nvPr/>
+        </p:nvPicPr>
+        <p:blipFill>
+          <a:blip r:embed="rId3">
+            <a:extLst>
+              <a:ext uri="{28A0092B-C50C-407E-A947-70E740481C1C}">
+                <a14:useLocalDpi xmlns:a14="http://schemas.microsoft.com/office/drawing/2010/main" val="0"/>
+              </a:ext>
+            </a:extLst>
+          </a:blip>
+          <a:stretch>
+            <a:fillRect/>
+          </a:stretch>
+        </p:blipFill>
+        <p:spPr>
+          <a:xfrm>
+            <a:off x="8471323" y="3671455"/>
+            <a:ext cx="3500156" cy="1027219"/>
+          </a:xfrm>
+          <a:prstGeom prst="rect">
+            <a:avLst/>
+          </a:prstGeom>
+        </p:spPr>
+      </p:pic>
+    </p:spTree>
+    <p:extLst>
+      <p:ext uri="{BB962C8B-B14F-4D97-AF65-F5344CB8AC3E}">
+        <p14:creationId xmlns:p14="http://schemas.microsoft.com/office/powerpoint/2010/main" val="3307177780"/>
+      </p:ext>
+    </p:extLst>
+  </p:cSld>
+  <p:clrMapOvr>
+    <a:masterClrMapping/>
+  </p:clrMapOvr>
+</p:sld>
+</file>
+
+<file path=ppt/slides/slide39.xml><?xml version="1.0" encoding="utf-8"?>
+<p:sld xmlns:a="http://schemas.openxmlformats.org/drawingml/2006/main" xmlns:r="http://schemas.openxmlformats.org/officeDocument/2006/relationships" xmlns:p="http://schemas.openxmlformats.org/presentationml/2006/main">
+  <p:cSld>
+    <p:spTree>
+      <p:nvGrpSpPr>
+        <p:cNvPr id="1" name=""/>
+        <p:cNvGrpSpPr/>
+        <p:nvPr/>
+      </p:nvGrpSpPr>
+      <p:grpSpPr>
+        <a:xfrm>
+          <a:off x="0" y="0"/>
+          <a:ext cx="0" cy="0"/>
+          <a:chOff x="0" y="0"/>
+          <a:chExt cx="0" cy="0"/>
+        </a:xfrm>
+      </p:grpSpPr>
+      <p:cxnSp>
+        <p:nvCxnSpPr>
+          <p:cNvPr id="5" name="직선 연결선 4"/>
+          <p:cNvCxnSpPr>
+            <a:cxnSpLocks/>
+          </p:cNvCxnSpPr>
+          <p:nvPr/>
+        </p:nvCxnSpPr>
+        <p:spPr>
+          <a:xfrm>
+            <a:off x="2857355" y="3155151"/>
+            <a:ext cx="0" cy="795412"/>
+          </a:xfrm>
+          <a:prstGeom prst="line">
+            <a:avLst/>
+          </a:prstGeom>
+          <a:ln>
+            <a:solidFill>
+              <a:schemeClr val="bg2">
+                <a:lumMod val="75000"/>
+              </a:schemeClr>
+            </a:solidFill>
+          </a:ln>
+        </p:spPr>
+        <p:style>
+          <a:lnRef idx="1">
+            <a:schemeClr val="accent1"/>
+          </a:lnRef>
+          <a:fillRef idx="0">
+            <a:schemeClr val="accent1"/>
+          </a:fillRef>
+          <a:effectRef idx="0">
+            <a:schemeClr val="accent1"/>
+          </a:effectRef>
+          <a:fontRef idx="minor">
+            <a:schemeClr val="tx1"/>
+          </a:fontRef>
+        </p:style>
+      </p:cxnSp>
+      <p:grpSp>
+        <p:nvGrpSpPr>
+          <p:cNvPr id="4" name="그룹 3"/>
+          <p:cNvGrpSpPr/>
+          <p:nvPr/>
+        </p:nvGrpSpPr>
+        <p:grpSpPr>
+          <a:xfrm>
+            <a:off x="8159" y="0"/>
+            <a:ext cx="3997833" cy="2841179"/>
+            <a:chOff x="6061526" y="-6350"/>
+            <a:chExt cx="3663949" cy="2292349"/>
+          </a:xfrm>
+        </p:grpSpPr>
+        <p:sp>
+          <p:nvSpPr>
+            <p:cNvPr id="26" name="자유형 25"/>
+            <p:cNvSpPr/>
+            <p:nvPr/>
+          </p:nvSpPr>
+          <p:spPr>
+            <a:xfrm flipV="1">
+              <a:off x="9250495" y="-6350"/>
+              <a:ext cx="474980" cy="464409"/>
+            </a:xfrm>
+            <a:custGeom>
+              <a:avLst/>
+              <a:gdLst>
+                <a:gd name="connsiteX0" fmla="*/ 415242 w 474980"/>
+                <a:gd name="connsiteY0" fmla="*/ 464409 h 464409"/>
+                <a:gd name="connsiteX1" fmla="*/ 466685 w 474980"/>
+                <a:gd name="connsiteY1" fmla="*/ 464409 h 464409"/>
+                <a:gd name="connsiteX2" fmla="*/ 463920 w 474980"/>
+                <a:gd name="connsiteY2" fmla="*/ 458059 h 464409"/>
+                <a:gd name="connsiteX3" fmla="*/ 474980 w 474980"/>
+                <a:gd name="connsiteY3" fmla="*/ 458059 h 464409"/>
+                <a:gd name="connsiteX4" fmla="*/ 462181 w 474980"/>
+                <a:gd name="connsiteY4" fmla="*/ 454066 h 464409"/>
+                <a:gd name="connsiteX5" fmla="*/ 264460 w 474980"/>
+                <a:gd name="connsiteY5" fmla="*/ 0 h 464409"/>
+                <a:gd name="connsiteX6" fmla="*/ 0 w 474980"/>
+                <a:gd name="connsiteY6" fmla="*/ 458059 h 464409"/>
+                <a:gd name="connsiteX7" fmla="*/ 395329 w 474980"/>
+                <a:gd name="connsiteY7" fmla="*/ 458059 h 464409"/>
+              </a:gdLst>
+              <a:ahLst/>
+              <a:cxnLst>
+                <a:cxn ang="0">
+                  <a:pos x="connsiteX0" y="connsiteY0"/>
+                </a:cxn>
+                <a:cxn ang="0">
+                  <a:pos x="connsiteX1" y="connsiteY1"/>
+                </a:cxn>
+                <a:cxn ang="0">
+                  <a:pos x="connsiteX2" y="connsiteY2"/>
+                </a:cxn>
+                <a:cxn ang="0">
+                  <a:pos x="connsiteX3" y="connsiteY3"/>
+                </a:cxn>
+                <a:cxn ang="0">
+                  <a:pos x="connsiteX4" y="connsiteY4"/>
+                </a:cxn>
+                <a:cxn ang="0">
+                  <a:pos x="connsiteX5" y="connsiteY5"/>
+                </a:cxn>
+                <a:cxn ang="0">
+                  <a:pos x="connsiteX6" y="connsiteY6"/>
+                </a:cxn>
+                <a:cxn ang="0">
+                  <a:pos x="connsiteX7" y="connsiteY7"/>
+                </a:cxn>
+              </a:cxnLst>
+              <a:rect l="l" t="t" r="r" b="b"/>
+              <a:pathLst>
+                <a:path w="474980" h="464409">
+                  <a:moveTo>
+                    <a:pt x="415242" y="464409"/>
+                  </a:moveTo>
+                  <a:lnTo>
+                    <a:pt x="466685" y="464409"/>
+                  </a:lnTo>
+                  <a:lnTo>
+                    <a:pt x="463920" y="458059"/>
+                  </a:lnTo>
+                  <a:lnTo>
+                    <a:pt x="474980" y="458059"/>
+                  </a:lnTo>
+                  <a:lnTo>
+                    <a:pt x="462181" y="454066"/>
+                  </a:lnTo>
+                  <a:lnTo>
+                    <a:pt x="264460" y="0"/>
+                  </a:lnTo>
+                  <a:lnTo>
+                    <a:pt x="0" y="458059"/>
+                  </a:lnTo>
+                  <a:lnTo>
+                    <a:pt x="395329" y="458059"/>
+                  </a:lnTo>
+                  <a:close/>
+                </a:path>
+              </a:pathLst>
+            </a:custGeom>
+            <a:solidFill>
+              <a:srgbClr val="FFC000"/>
+            </a:solidFill>
+            <a:ln>
+              <a:noFill/>
+            </a:ln>
+          </p:spPr>
+          <p:style>
+            <a:lnRef idx="2">
+              <a:schemeClr val="accent1">
+                <a:shade val="50000"/>
+              </a:schemeClr>
+            </a:lnRef>
+            <a:fillRef idx="1">
+              <a:schemeClr val="accent1"/>
+            </a:fillRef>
+            <a:effectRef idx="0">
+              <a:schemeClr val="accent1"/>
+            </a:effectRef>
+            <a:fontRef idx="minor">
+              <a:schemeClr val="lt1"/>
+            </a:fontRef>
+          </p:style>
+          <p:txBody>
+            <a:bodyPr wrap="square" rtlCol="0" anchor="ctr">
+              <a:noAutofit/>
+            </a:bodyPr>
+            <a:lstStyle/>
+            <a:p>
+              <a:pPr algn="ctr"/>
+              <a:endParaRPr lang="ko-KR" altLang="en-US"/>
+            </a:p>
+          </p:txBody>
+        </p:sp>
+        <p:sp>
+          <p:nvSpPr>
+            <p:cNvPr id="14" name="자유형 13"/>
+            <p:cNvSpPr/>
+            <p:nvPr/>
+          </p:nvSpPr>
+          <p:spPr>
+            <a:xfrm flipV="1">
+              <a:off x="6061526" y="0"/>
+              <a:ext cx="3430733" cy="1916145"/>
+            </a:xfrm>
+            <a:custGeom>
+              <a:avLst/>
+              <a:gdLst>
+                <a:gd name="connsiteX0" fmla="*/ 0 w 3430733"/>
+                <a:gd name="connsiteY0" fmla="*/ 1916145 h 1916145"/>
+                <a:gd name="connsiteX1" fmla="*/ 3136179 w 3430733"/>
+                <a:gd name="connsiteY1" fmla="*/ 1916145 h 1916145"/>
+                <a:gd name="connsiteX2" fmla="*/ 3430733 w 3430733"/>
+                <a:gd name="connsiteY2" fmla="*/ 1405963 h 1916145"/>
+                <a:gd name="connsiteX3" fmla="*/ 2818514 w 3430733"/>
+                <a:gd name="connsiteY3" fmla="*/ 0 h 1916145"/>
+                <a:gd name="connsiteX4" fmla="*/ 1797554 w 3430733"/>
+                <a:gd name="connsiteY4" fmla="*/ 0 h 1916145"/>
+                <a:gd name="connsiteX5" fmla="*/ 0 w 3430733"/>
+                <a:gd name="connsiteY5" fmla="*/ 773145 h 1916145"/>
+                <a:gd name="connsiteX6" fmla="*/ 0 w 3430733"/>
+                <a:gd name="connsiteY6" fmla="*/ 1916145 h 1916145"/>
+              </a:gdLst>
+              <a:ahLst/>
+              <a:cxnLst>
+                <a:cxn ang="0">
+                  <a:pos x="connsiteX0" y="connsiteY0"/>
+                </a:cxn>
+                <a:cxn ang="0">
+                  <a:pos x="connsiteX1" y="connsiteY1"/>
+                </a:cxn>
+                <a:cxn ang="0">
+                  <a:pos x="connsiteX2" y="connsiteY2"/>
+                </a:cxn>
+                <a:cxn ang="0">
+                  <a:pos x="connsiteX3" y="connsiteY3"/>
+                </a:cxn>
+                <a:cxn ang="0">
+                  <a:pos x="connsiteX4" y="connsiteY4"/>
+                </a:cxn>
+                <a:cxn ang="0">
+                  <a:pos x="connsiteX5" y="connsiteY5"/>
+                </a:cxn>
+                <a:cxn ang="0">
+                  <a:pos x="connsiteX6" y="connsiteY6"/>
+                </a:cxn>
+              </a:cxnLst>
+              <a:rect l="l" t="t" r="r" b="b"/>
+              <a:pathLst>
+                <a:path w="3430733" h="1916145">
+                  <a:moveTo>
+                    <a:pt x="0" y="1916145"/>
+                  </a:moveTo>
+                  <a:lnTo>
+                    <a:pt x="3136179" y="1916145"/>
+                  </a:lnTo>
+                  <a:lnTo>
+                    <a:pt x="3430733" y="1405963"/>
+                  </a:lnTo>
+                  <a:lnTo>
+                    <a:pt x="2818514" y="0"/>
+                  </a:lnTo>
+                  <a:lnTo>
+                    <a:pt x="1797554" y="0"/>
+                  </a:lnTo>
+                  <a:lnTo>
+                    <a:pt x="0" y="773145"/>
+                  </a:lnTo>
+                  <a:lnTo>
+                    <a:pt x="0" y="1916145"/>
+                  </a:lnTo>
+                  <a:close/>
+                </a:path>
+              </a:pathLst>
+            </a:custGeom>
+            <a:solidFill>
+              <a:srgbClr val="41C9D3"/>
+            </a:solidFill>
+            <a:ln>
+              <a:noFill/>
+            </a:ln>
+          </p:spPr>
+          <p:style>
+            <a:lnRef idx="2">
+              <a:schemeClr val="accent1">
+                <a:shade val="50000"/>
+              </a:schemeClr>
+            </a:lnRef>
+            <a:fillRef idx="1">
+              <a:schemeClr val="accent1"/>
+            </a:fillRef>
+            <a:effectRef idx="0">
+              <a:schemeClr val="accent1"/>
+            </a:effectRef>
+            <a:fontRef idx="minor">
+              <a:schemeClr val="lt1"/>
+            </a:fontRef>
+          </p:style>
+          <p:txBody>
+            <a:bodyPr rtlCol="0" anchor="ctr"/>
+            <a:lstStyle/>
+            <a:p>
+              <a:pPr algn="ctr"/>
+              <a:endParaRPr lang="ko-KR" altLang="en-US"/>
+            </a:p>
+          </p:txBody>
+        </p:sp>
+        <p:sp>
+          <p:nvSpPr>
+            <p:cNvPr id="11" name="자유형 10"/>
+            <p:cNvSpPr/>
+            <p:nvPr/>
+          </p:nvSpPr>
+          <p:spPr>
+            <a:xfrm flipV="1">
+              <a:off x="7965376" y="1961863"/>
+              <a:ext cx="894756" cy="324136"/>
+            </a:xfrm>
+            <a:custGeom>
+              <a:avLst/>
+              <a:gdLst>
+                <a:gd name="connsiteX0" fmla="*/ 0 w 894756"/>
+                <a:gd name="connsiteY0" fmla="*/ 324136 h 324136"/>
+                <a:gd name="connsiteX1" fmla="*/ 894756 w 894756"/>
+                <a:gd name="connsiteY1" fmla="*/ 324136 h 324136"/>
+                <a:gd name="connsiteX2" fmla="*/ 753613 w 894756"/>
+                <a:gd name="connsiteY2" fmla="*/ 0 h 324136"/>
+                <a:gd name="connsiteX3" fmla="*/ 0 w 894756"/>
+                <a:gd name="connsiteY3" fmla="*/ 324136 h 324136"/>
+              </a:gdLst>
+              <a:ahLst/>
+              <a:cxnLst>
+                <a:cxn ang="0">
+                  <a:pos x="connsiteX0" y="connsiteY0"/>
+                </a:cxn>
+                <a:cxn ang="0">
+                  <a:pos x="connsiteX1" y="connsiteY1"/>
+                </a:cxn>
+                <a:cxn ang="0">
+                  <a:pos x="connsiteX2" y="connsiteY2"/>
+                </a:cxn>
+                <a:cxn ang="0">
+                  <a:pos x="connsiteX3" y="connsiteY3"/>
+                </a:cxn>
+              </a:cxnLst>
+              <a:rect l="l" t="t" r="r" b="b"/>
+              <a:pathLst>
+                <a:path w="894756" h="324136">
+                  <a:moveTo>
+                    <a:pt x="0" y="324136"/>
+                  </a:moveTo>
+                  <a:lnTo>
+                    <a:pt x="894756" y="324136"/>
+                  </a:lnTo>
+                  <a:lnTo>
+                    <a:pt x="753613" y="0"/>
+                  </a:lnTo>
+                  <a:lnTo>
+                    <a:pt x="0" y="324136"/>
+                  </a:lnTo>
+                  <a:close/>
+                </a:path>
+              </a:pathLst>
+            </a:custGeom>
+            <a:solidFill>
+              <a:srgbClr val="4C5064"/>
+            </a:solidFill>
+            <a:ln>
+              <a:noFill/>
+            </a:ln>
+          </p:spPr>
+          <p:style>
+            <a:lnRef idx="2">
+              <a:schemeClr val="accent1">
+                <a:shade val="50000"/>
+              </a:schemeClr>
+            </a:lnRef>
+            <a:fillRef idx="1">
+              <a:schemeClr val="accent1"/>
+            </a:fillRef>
+            <a:effectRef idx="0">
+              <a:schemeClr val="accent1"/>
+            </a:effectRef>
+            <a:fontRef idx="minor">
+              <a:schemeClr val="lt1"/>
+            </a:fontRef>
+          </p:style>
+          <p:txBody>
+            <a:bodyPr rtlCol="0" anchor="ctr"/>
+            <a:lstStyle/>
+            <a:p>
+              <a:pPr algn="ctr"/>
+              <a:endParaRPr lang="ko-KR" altLang="en-US"/>
+            </a:p>
+          </p:txBody>
+        </p:sp>
+      </p:grpSp>
+      <p:sp>
+        <p:nvSpPr>
+          <p:cNvPr id="22" name="직사각형 21"/>
+          <p:cNvSpPr/>
+          <p:nvPr/>
+        </p:nvSpPr>
+        <p:spPr>
+          <a:xfrm>
+            <a:off x="-10891" y="303681"/>
+            <a:ext cx="3719582" cy="800219"/>
+          </a:xfrm>
+          <a:prstGeom prst="rect">
+            <a:avLst/>
+          </a:prstGeom>
+        </p:spPr>
+        <p:txBody>
+          <a:bodyPr wrap="square">
+            <a:spAutoFit/>
+          </a:bodyPr>
+          <a:lstStyle/>
+          <a:p>
+            <a:pPr algn="ctr"/>
+            <a:r>
+              <a:rPr lang="en-US" altLang="ko-KR" dirty="0">
+                <a:solidFill>
+                  <a:schemeClr val="bg1"/>
+                </a:solidFill>
+                <a:latin typeface="KoPubWorld돋움체 Bold" panose="00000800000000000000" pitchFamily="2" charset="-127"/>
+                <a:ea typeface="KoPubWorld돋움체 Bold" panose="00000800000000000000" pitchFamily="2" charset="-127"/>
+                <a:cs typeface="KoPubWorld돋움체 Bold" panose="00000800000000000000" pitchFamily="2" charset="-127"/>
+              </a:rPr>
+              <a:t>Introduction to Algorithms</a:t>
+            </a:r>
+          </a:p>
+          <a:p>
+            <a:pPr algn="ctr"/>
+            <a:r>
+              <a:rPr lang="en-US" altLang="ko-KR" sz="2800" b="1" dirty="0">
+                <a:solidFill>
+                  <a:schemeClr val="bg1"/>
+                </a:solidFill>
+                <a:latin typeface="KoPubWorld돋움체 Bold" panose="00000800000000000000" pitchFamily="2" charset="-127"/>
+                <a:ea typeface="KoPubWorld돋움체 Bold" panose="00000800000000000000" pitchFamily="2" charset="-127"/>
+                <a:cs typeface="KoPubWorld돋움체 Bold" panose="00000800000000000000" pitchFamily="2" charset="-127"/>
+              </a:rPr>
+              <a:t>15. </a:t>
+            </a:r>
+            <a:r>
+              <a:rPr lang="ko-KR" altLang="en-US" sz="2800" b="1" dirty="0">
+                <a:solidFill>
+                  <a:schemeClr val="bg1"/>
+                </a:solidFill>
+                <a:latin typeface="KoPubWorld돋움체 Bold" panose="00000800000000000000" pitchFamily="2" charset="-127"/>
+                <a:ea typeface="KoPubWorld돋움체 Bold" panose="00000800000000000000" pitchFamily="2" charset="-127"/>
+                <a:cs typeface="KoPubWorld돋움체 Bold" panose="00000800000000000000" pitchFamily="2" charset="-127"/>
+              </a:rPr>
+              <a:t>동적 프로그래밍</a:t>
+            </a:r>
+            <a:endParaRPr lang="en-US" altLang="ko-KR" sz="2800" b="1" dirty="0">
+              <a:solidFill>
+                <a:schemeClr val="bg1"/>
+              </a:solidFill>
+              <a:latin typeface="KoPubWorld돋움체 Bold" panose="00000800000000000000" pitchFamily="2" charset="-127"/>
+              <a:ea typeface="KoPubWorld돋움체 Bold" panose="00000800000000000000" pitchFamily="2" charset="-127"/>
+              <a:cs typeface="KoPubWorld돋움체 Bold" panose="00000800000000000000" pitchFamily="2" charset="-127"/>
+            </a:endParaRPr>
+          </a:p>
+        </p:txBody>
+      </p:sp>
+      <p:sp>
+        <p:nvSpPr>
+          <p:cNvPr id="41" name="타원 40"/>
+          <p:cNvSpPr/>
+          <p:nvPr/>
+        </p:nvSpPr>
+        <p:spPr>
+          <a:xfrm>
+            <a:off x="2693119" y="2926753"/>
+            <a:ext cx="328471" cy="328468"/>
+          </a:xfrm>
+          <a:prstGeom prst="ellipse">
+            <a:avLst/>
+          </a:prstGeom>
+          <a:solidFill>
+            <a:schemeClr val="bg1">
+              <a:lumMod val="85000"/>
+            </a:schemeClr>
+          </a:solidFill>
+          <a:ln w="15875">
+            <a:noFill/>
+          </a:ln>
+        </p:spPr>
+        <p:style>
+          <a:lnRef idx="2">
+            <a:schemeClr val="accent1">
+              <a:shade val="50000"/>
+            </a:schemeClr>
+          </a:lnRef>
+          <a:fillRef idx="1">
+            <a:schemeClr val="accent1"/>
+          </a:fillRef>
+          <a:effectRef idx="0">
+            <a:schemeClr val="accent1"/>
+          </a:effectRef>
+          <a:fontRef idx="minor">
+            <a:schemeClr val="lt1"/>
+          </a:fontRef>
+        </p:style>
+        <p:txBody>
+          <a:bodyPr lIns="0" tIns="0" rIns="0" bIns="0" rtlCol="0" anchor="ctr"/>
+          <a:lstStyle/>
+          <a:p>
+            <a:pPr algn="ctr"/>
+            <a:r>
+              <a:rPr lang="en-US" altLang="ko-KR" sz="900" b="1" dirty="0">
+                <a:solidFill>
+                  <a:prstClr val="white"/>
+                </a:solidFill>
+              </a:rPr>
+              <a:t>01</a:t>
+            </a:r>
+            <a:endParaRPr lang="ko-KR" altLang="en-US" sz="900" b="1" dirty="0">
+              <a:solidFill>
+                <a:prstClr val="white"/>
+              </a:solidFill>
+            </a:endParaRPr>
+          </a:p>
+        </p:txBody>
+      </p:sp>
+      <p:sp>
+        <p:nvSpPr>
+          <p:cNvPr id="53" name="타원 52"/>
+          <p:cNvSpPr/>
+          <p:nvPr/>
+        </p:nvSpPr>
+        <p:spPr>
+          <a:xfrm>
+            <a:off x="2693119" y="3767897"/>
+            <a:ext cx="328471" cy="328468"/>
+          </a:xfrm>
+          <a:prstGeom prst="ellipse">
+            <a:avLst/>
+          </a:prstGeom>
+          <a:solidFill>
+            <a:srgbClr val="00B0F0"/>
+          </a:solidFill>
+          <a:ln w="15875">
+            <a:noFill/>
+          </a:ln>
+        </p:spPr>
+        <p:style>
+          <a:lnRef idx="2">
+            <a:schemeClr val="accent1">
+              <a:shade val="50000"/>
+            </a:schemeClr>
+          </a:lnRef>
+          <a:fillRef idx="1">
+            <a:schemeClr val="accent1"/>
+          </a:fillRef>
+          <a:effectRef idx="0">
+            <a:schemeClr val="accent1"/>
+          </a:effectRef>
+          <a:fontRef idx="minor">
+            <a:schemeClr val="lt1"/>
+          </a:fontRef>
+        </p:style>
+        <p:txBody>
+          <a:bodyPr lIns="0" tIns="0" rIns="0" bIns="0" rtlCol="0" anchor="ctr"/>
+          <a:lstStyle/>
+          <a:p>
+            <a:pPr algn="ctr"/>
+            <a:r>
+              <a:rPr lang="en-US" altLang="ko-KR" sz="900" b="1" dirty="0">
+                <a:solidFill>
+                  <a:prstClr val="white"/>
+                </a:solidFill>
+              </a:rPr>
+              <a:t>02</a:t>
+            </a:r>
+            <a:endParaRPr lang="ko-KR" altLang="en-US" sz="900" b="1" dirty="0">
+              <a:solidFill>
+                <a:prstClr val="white"/>
+              </a:solidFill>
+            </a:endParaRPr>
+          </a:p>
+        </p:txBody>
+      </p:sp>
+      <p:cxnSp>
+        <p:nvCxnSpPr>
+          <p:cNvPr id="47" name="직선 연결선 46"/>
+          <p:cNvCxnSpPr>
+            <a:stCxn id="14" idx="5"/>
+          </p:cNvCxnSpPr>
+          <p:nvPr/>
+        </p:nvCxnSpPr>
+        <p:spPr>
+          <a:xfrm flipH="1">
+            <a:off x="-1568455" y="1424525"/>
+            <a:ext cx="1576614" cy="1020225"/>
+          </a:xfrm>
+          <a:prstGeom prst="line">
+            <a:avLst/>
+          </a:prstGeom>
+          <a:ln>
+            <a:solidFill>
+              <a:schemeClr val="bg2">
+                <a:lumMod val="75000"/>
+              </a:schemeClr>
+            </a:solidFill>
+          </a:ln>
+        </p:spPr>
+        <p:style>
+          <a:lnRef idx="1">
+            <a:schemeClr val="accent1"/>
+          </a:lnRef>
+          <a:fillRef idx="0">
+            <a:schemeClr val="accent1"/>
+          </a:fillRef>
+          <a:effectRef idx="0">
+            <a:schemeClr val="accent1"/>
+          </a:effectRef>
+          <a:fontRef idx="minor">
+            <a:schemeClr val="tx1"/>
+          </a:fontRef>
+        </p:style>
+      </p:cxnSp>
+      <p:sp>
+        <p:nvSpPr>
+          <p:cNvPr id="24" name="직사각형 23">
+            <a:extLst>
+              <a:ext uri="{FF2B5EF4-FFF2-40B4-BE49-F238E27FC236}">
+                <a16:creationId xmlns:a16="http://schemas.microsoft.com/office/drawing/2014/main" id="{EA2EB32F-BFD3-4F41-A447-F35E1AC057A8}"/>
+              </a:ext>
+            </a:extLst>
+          </p:cNvPr>
+          <p:cNvSpPr/>
+          <p:nvPr/>
+        </p:nvSpPr>
+        <p:spPr>
+          <a:xfrm>
+            <a:off x="3770575" y="253013"/>
+            <a:ext cx="8746212" cy="523220"/>
+          </a:xfrm>
+          <a:prstGeom prst="rect">
+            <a:avLst/>
+          </a:prstGeom>
+        </p:spPr>
+        <p:txBody>
+          <a:bodyPr wrap="square">
+            <a:spAutoFit/>
+          </a:bodyPr>
+          <a:lstStyle/>
+          <a:p>
+            <a:r>
+              <a:rPr lang="en-US" altLang="ko-KR" sz="2800" b="1" dirty="0">
+                <a:solidFill>
+                  <a:srgbClr val="4C5064"/>
+                </a:solidFill>
+                <a:latin typeface="KoPubWorld돋움체_Pro Bold" panose="00000800000000000000" pitchFamily="50" charset="-127"/>
+                <a:ea typeface="KoPubWorld돋움체_Pro Bold" panose="00000800000000000000" pitchFamily="50" charset="-127"/>
+                <a:cs typeface="KoPubWorld돋움체_Pro Bold" panose="00000800000000000000" pitchFamily="50" charset="-127"/>
+              </a:rPr>
+              <a:t>15.4 </a:t>
+            </a:r>
+            <a:r>
+              <a:rPr lang="ko-KR" altLang="en-US" sz="2800" b="1" dirty="0">
+                <a:solidFill>
+                  <a:srgbClr val="4C5064"/>
+                </a:solidFill>
+                <a:latin typeface="KoPubWorld돋움체_Pro Bold" panose="00000800000000000000" pitchFamily="50" charset="-127"/>
+                <a:ea typeface="KoPubWorld돋움체_Pro Bold" panose="00000800000000000000" pitchFamily="50" charset="-127"/>
+                <a:cs typeface="KoPubWorld돋움체_Pro Bold" panose="00000800000000000000" pitchFamily="50" charset="-127"/>
+              </a:rPr>
+              <a:t>최대 공통 부분 수열</a:t>
+            </a:r>
+            <a:endParaRPr lang="en-US" altLang="ko-KR" sz="2800" b="1" dirty="0">
+              <a:solidFill>
+                <a:srgbClr val="4C5064"/>
+              </a:solidFill>
+              <a:latin typeface="KoPubWorld돋움체_Pro Bold" panose="00000800000000000000" pitchFamily="50" charset="-127"/>
+              <a:ea typeface="KoPubWorld돋움체_Pro Bold" panose="00000800000000000000" pitchFamily="50" charset="-127"/>
+              <a:cs typeface="KoPubWorld돋움체_Pro Bold" panose="00000800000000000000" pitchFamily="50" charset="-127"/>
+            </a:endParaRPr>
+          </a:p>
+        </p:txBody>
+      </p:sp>
+      <p:sp>
+        <p:nvSpPr>
+          <p:cNvPr id="20" name="TextBox 19">
+            <a:extLst>
+              <a:ext uri="{FF2B5EF4-FFF2-40B4-BE49-F238E27FC236}">
+                <a16:creationId xmlns:a16="http://schemas.microsoft.com/office/drawing/2014/main" id="{91203404-6D16-4372-A35E-A4FA56BFCAC2}"/>
+              </a:ext>
+            </a:extLst>
+          </p:cNvPr>
+          <p:cNvSpPr txBox="1"/>
+          <p:nvPr/>
+        </p:nvSpPr>
+        <p:spPr>
+          <a:xfrm>
+            <a:off x="-103354" y="2982934"/>
+            <a:ext cx="2677001" cy="307777"/>
+          </a:xfrm>
+          <a:prstGeom prst="rect">
+            <a:avLst/>
+          </a:prstGeom>
+          <a:noFill/>
+        </p:spPr>
+        <p:txBody>
+          <a:bodyPr wrap="square" rtlCol="0">
+            <a:spAutoFit/>
+          </a:bodyPr>
+          <a:lstStyle/>
+          <a:p>
+            <a:pPr algn="r"/>
+            <a:r>
+              <a:rPr lang="en-US" altLang="ko-KR" sz="1400" b="1" i="1" dirty="0">
+                <a:solidFill>
+                  <a:srgbClr val="4C5064"/>
+                </a:solidFill>
+                <a:latin typeface="+mn-ea"/>
+                <a:cs typeface="Aharoni" panose="02010803020104030203" pitchFamily="2" charset="-79"/>
+              </a:rPr>
+              <a:t>15.3 </a:t>
+            </a:r>
+            <a:r>
+              <a:rPr lang="ko-KR" altLang="en-US" sz="1400" b="1" i="1" dirty="0">
+                <a:solidFill>
+                  <a:srgbClr val="4C5064"/>
+                </a:solidFill>
+                <a:latin typeface="+mn-ea"/>
+                <a:cs typeface="Aharoni" panose="02010803020104030203" pitchFamily="2" charset="-79"/>
+              </a:rPr>
+              <a:t>동적 프로그래밍의 요소</a:t>
+            </a:r>
+            <a:endParaRPr lang="ko-KR" altLang="en-US" sz="1100" i="1" dirty="0">
+              <a:solidFill>
+                <a:srgbClr val="4C5064"/>
+              </a:solidFill>
+              <a:latin typeface="+mn-ea"/>
+              <a:cs typeface="Aharoni" panose="02010803020104030203" pitchFamily="2" charset="-79"/>
+            </a:endParaRPr>
+          </a:p>
+        </p:txBody>
+      </p:sp>
+      <p:sp>
+        <p:nvSpPr>
+          <p:cNvPr id="21" name="TextBox 20">
+            <a:extLst>
+              <a:ext uri="{FF2B5EF4-FFF2-40B4-BE49-F238E27FC236}">
+                <a16:creationId xmlns:a16="http://schemas.microsoft.com/office/drawing/2014/main" id="{70EDDE0D-A33B-4174-8BFA-F2C3DC6A020C}"/>
+              </a:ext>
+            </a:extLst>
+          </p:cNvPr>
+          <p:cNvSpPr txBox="1"/>
+          <p:nvPr/>
+        </p:nvSpPr>
+        <p:spPr>
+          <a:xfrm>
+            <a:off x="-148116" y="3764165"/>
+            <a:ext cx="2677001" cy="307777"/>
+          </a:xfrm>
+          <a:prstGeom prst="rect">
+            <a:avLst/>
+          </a:prstGeom>
+          <a:noFill/>
+        </p:spPr>
+        <p:txBody>
+          <a:bodyPr wrap="square" rtlCol="0">
+            <a:spAutoFit/>
+          </a:bodyPr>
+          <a:lstStyle/>
+          <a:p>
+            <a:pPr algn="r"/>
+            <a:r>
+              <a:rPr lang="en-US" altLang="ko-KR" sz="1400" b="1" i="1" dirty="0">
+                <a:solidFill>
+                  <a:srgbClr val="4C5064"/>
+                </a:solidFill>
+                <a:latin typeface="+mn-ea"/>
+                <a:cs typeface="Aharoni" panose="02010803020104030203" pitchFamily="2" charset="-79"/>
+              </a:rPr>
+              <a:t>15.4 </a:t>
+            </a:r>
+            <a:r>
+              <a:rPr lang="ko-KR" altLang="en-US" sz="1400" b="1" i="1" dirty="0">
+                <a:solidFill>
+                  <a:srgbClr val="4C5064"/>
+                </a:solidFill>
+                <a:latin typeface="+mn-ea"/>
+                <a:cs typeface="Aharoni" panose="02010803020104030203" pitchFamily="2" charset="-79"/>
+              </a:rPr>
+              <a:t>최대 공통 부분 수열</a:t>
+            </a:r>
+            <a:endParaRPr lang="ko-KR" altLang="en-US" sz="1100" i="1" dirty="0">
+              <a:solidFill>
+                <a:srgbClr val="4C5064"/>
+              </a:solidFill>
+              <a:latin typeface="+mn-ea"/>
+              <a:cs typeface="Aharoni" panose="02010803020104030203" pitchFamily="2" charset="-79"/>
+            </a:endParaRPr>
+          </a:p>
+        </p:txBody>
+      </p:sp>
+      <p:sp>
+        <p:nvSpPr>
+          <p:cNvPr id="27" name="직사각형 26">
+            <a:extLst>
+              <a:ext uri="{FF2B5EF4-FFF2-40B4-BE49-F238E27FC236}">
+                <a16:creationId xmlns:a16="http://schemas.microsoft.com/office/drawing/2014/main" id="{64D75CE9-6732-4643-A769-90A2B9533434}"/>
+              </a:ext>
+            </a:extLst>
+          </p:cNvPr>
+          <p:cNvSpPr/>
+          <p:nvPr/>
+        </p:nvSpPr>
+        <p:spPr>
+          <a:xfrm>
+            <a:off x="4297715" y="2613392"/>
+            <a:ext cx="6585141" cy="1631216"/>
+          </a:xfrm>
+          <a:prstGeom prst="rect">
+            <a:avLst/>
+          </a:prstGeom>
+        </p:spPr>
+        <p:txBody>
+          <a:bodyPr wrap="square">
+            <a:spAutoFit/>
+          </a:bodyPr>
+          <a:lstStyle/>
+          <a:p>
+            <a:pPr algn="ctr"/>
+            <a:r>
+              <a:rPr lang="en-US" altLang="ko-KR" sz="10000" b="1" dirty="0">
+                <a:solidFill>
+                  <a:srgbClr val="5B9BD5"/>
+                </a:solidFill>
+                <a:latin typeface="KoPubWorld돋움체_Pro Bold" panose="00000800000000000000" pitchFamily="50" charset="-127"/>
+                <a:ea typeface="KoPubWorld돋움체_Pro Bold" panose="00000800000000000000" pitchFamily="50" charset="-127"/>
+                <a:cs typeface="KoPubWorld돋움체_Pro Bold" panose="00000800000000000000" pitchFamily="50" charset="-127"/>
+              </a:rPr>
+              <a:t>Thank you</a:t>
+            </a:r>
           </a:p>
         </p:txBody>
       </p:sp>
